--- a/Data Visualization - Simply but Beauty ggplot2.pptx
+++ b/Data Visualization - Simply but Beauty ggplot2.pptx
@@ -18666,6 +18666,153 @@
               <a:rPr lang="en-US" dirty="0"/>
               <a:t>() and not so many people use it.</a:t>
             </a:r>
+          </a:p>
+        </p:txBody>
+      </p:sp>
+      <p:sp>
+        <p:nvSpPr>
+          <p:cNvPr id="7" name="Rectangle 1">
+            <a:extLst>
+              <a:ext uri="{FF2B5EF4-FFF2-40B4-BE49-F238E27FC236}">
+                <a16:creationId xmlns:a16="http://schemas.microsoft.com/office/drawing/2014/main" id="{F4A3DD76-DB85-43C1-89B7-9E5062015EC1}"/>
+              </a:ext>
+            </a:extLst>
+          </p:cNvPr>
+          <p:cNvSpPr>
+            <a:spLocks noChangeArrowheads="1"/>
+          </p:cNvSpPr>
+          <p:nvPr/>
+        </p:nvSpPr>
+        <p:spPr bwMode="auto">
+          <a:xfrm>
+            <a:off x="2428437" y="4534269"/>
+            <a:ext cx="7335126" cy="738664"/>
+          </a:xfrm>
+          <a:prstGeom prst="rect">
+            <a:avLst/>
+          </a:prstGeom>
+          <a:solidFill>
+            <a:schemeClr val="bg1"/>
+          </a:solidFill>
+          <a:ln w="57150">
+            <a:solidFill>
+              <a:srgbClr val="0070C0"/>
+            </a:solidFill>
+          </a:ln>
+          <a:effectLst/>
+        </p:spPr>
+        <p:txBody>
+          <a:bodyPr vert="horz" wrap="square" lIns="0" tIns="0" rIns="0" bIns="0" numCol="1" anchor="ctr" anchorCtr="0" compatLnSpc="1">
+            <a:prstTxWarp prst="textNoShape">
+              <a:avLst/>
+            </a:prstTxWarp>
+            <a:spAutoFit/>
+          </a:bodyPr>
+          <a:lstStyle/>
+          <a:p>
+            <a:pPr marR="0" lvl="0" indent="-1004888" algn="l" defTabSz="914400" rtl="0" eaLnBrk="0" fontAlgn="base" latinLnBrk="0" hangingPunct="0">
+              <a:lnSpc>
+                <a:spcPct val="100000"/>
+              </a:lnSpc>
+              <a:spcBef>
+                <a:spcPct val="0"/>
+              </a:spcBef>
+              <a:spcAft>
+                <a:spcPct val="0"/>
+              </a:spcAft>
+              <a:buClrTx/>
+              <a:buSzTx/>
+              <a:buFontTx/>
+              <a:buNone/>
+              <a:tabLst/>
+            </a:pPr>
+            <a:endParaRPr lang="en-US" altLang="en-US" sz="1600" dirty="0">
+              <a:solidFill>
+                <a:srgbClr val="0070C0"/>
+              </a:solidFill>
+              <a:latin typeface="Lucida Console" panose="020B0609040504020204" pitchFamily="49" charset="0"/>
+            </a:endParaRPr>
+          </a:p>
+          <a:p>
+            <a:pPr marR="0" lvl="0" indent="342900" algn="l" defTabSz="914400" rtl="0" eaLnBrk="0" fontAlgn="base" latinLnBrk="0" hangingPunct="0">
+              <a:lnSpc>
+                <a:spcPct val="100000"/>
+              </a:lnSpc>
+              <a:spcBef>
+                <a:spcPct val="0"/>
+              </a:spcBef>
+              <a:spcAft>
+                <a:spcPct val="0"/>
+              </a:spcAft>
+              <a:buClrTx/>
+              <a:buSzTx/>
+              <a:buFontTx/>
+              <a:buNone/>
+              <a:tabLst/>
+            </a:pPr>
+            <a:r>
+              <a:rPr lang="en-US" altLang="en-US" sz="1600" dirty="0" err="1">
+                <a:solidFill>
+                  <a:srgbClr val="0070C0"/>
+                </a:solidFill>
+                <a:latin typeface="Lucida Console" panose="020B0609040504020204" pitchFamily="49" charset="0"/>
+              </a:rPr>
+              <a:t>q</a:t>
+            </a:r>
+            <a:r>
+              <a:rPr kumimoji="0" lang="en-US" altLang="en-US" sz="1600" b="0" i="0" u="none" strike="noStrike" cap="none" normalizeH="0" baseline="0" dirty="0" err="1">
+                <a:ln>
+                  <a:noFill/>
+                </a:ln>
+                <a:solidFill>
+                  <a:srgbClr val="0070C0"/>
+                </a:solidFill>
+                <a:effectLst/>
+                <a:latin typeface="Lucida Console" panose="020B0609040504020204" pitchFamily="49" charset="0"/>
+              </a:rPr>
+              <a:t>plot</a:t>
+            </a:r>
+            <a:r>
+              <a:rPr kumimoji="0" lang="en-US" altLang="en-US" sz="1600" b="0" i="0" u="none" strike="noStrike" cap="none" normalizeH="0" baseline="0" dirty="0">
+                <a:ln>
+                  <a:noFill/>
+                </a:ln>
+                <a:solidFill>
+                  <a:srgbClr val="0070C0"/>
+                </a:solidFill>
+                <a:effectLst/>
+                <a:latin typeface="Lucida Console" panose="020B0609040504020204" pitchFamily="49" charset="0"/>
+              </a:rPr>
+              <a:t>(x = Age, data = titanic)</a:t>
+            </a:r>
+          </a:p>
+          <a:p>
+            <a:pPr marR="0" lvl="0" indent="342900" algn="l" defTabSz="914400" rtl="0" eaLnBrk="0" fontAlgn="base" latinLnBrk="0" hangingPunct="0">
+              <a:lnSpc>
+                <a:spcPct val="100000"/>
+              </a:lnSpc>
+              <a:spcBef>
+                <a:spcPct val="0"/>
+              </a:spcBef>
+              <a:spcAft>
+                <a:spcPct val="0"/>
+              </a:spcAft>
+              <a:buClrTx/>
+              <a:buSzTx/>
+              <a:buFontTx/>
+              <a:buNone/>
+              <a:tabLst/>
+            </a:pPr>
+            <a:endParaRPr kumimoji="0" lang="en-US" altLang="en-US" sz="1600" b="0" i="0" u="none" strike="noStrike" cap="none" normalizeH="0" baseline="0" dirty="0">
+              <a:ln>
+                <a:noFill/>
+              </a:ln>
+              <a:solidFill>
+                <a:srgbClr val="0070C0"/>
+              </a:solidFill>
+              <a:effectLst/>
+              <a:latin typeface="Lucida Console" panose="020B0609040504020204" pitchFamily="49" charset="0"/>
+            </a:endParaRPr>
           </a:p>
         </p:txBody>
       </p:sp>

--- a/Data Visualization - Simply but Beauty ggplot2.pptx
+++ b/Data Visualization - Simply but Beauty ggplot2.pptx
@@ -5,7 +5,7 @@
     <p:sldMasterId id="2147483648" r:id="rId1"/>
   </p:sldMasterIdLst>
   <p:handoutMasterIdLst>
-    <p:handoutMasterId r:id="rId47"/>
+    <p:handoutMasterId r:id="rId46"/>
   </p:handoutMasterIdLst>
   <p:sldIdLst>
     <p:sldId id="256" r:id="rId2"/>
@@ -48,11 +48,10 @@
     <p:sldId id="298" r:id="rId39"/>
     <p:sldId id="300" r:id="rId40"/>
     <p:sldId id="301" r:id="rId41"/>
-    <p:sldId id="302" r:id="rId42"/>
-    <p:sldId id="304" r:id="rId43"/>
-    <p:sldId id="305" r:id="rId44"/>
-    <p:sldId id="306" r:id="rId45"/>
-    <p:sldId id="273" r:id="rId46"/>
+    <p:sldId id="304" r:id="rId42"/>
+    <p:sldId id="305" r:id="rId43"/>
+    <p:sldId id="306" r:id="rId44"/>
+    <p:sldId id="273" r:id="rId45"/>
   </p:sldIdLst>
   <p:sldSz cx="12192000" cy="6858000"/>
   <p:notesSz cx="6858000" cy="9144000"/>
@@ -196,7 +195,6 @@
             <p14:sldId id="298"/>
             <p14:sldId id="300"/>
             <p14:sldId id="301"/>
-            <p14:sldId id="302"/>
             <p14:sldId id="304"/>
             <p14:sldId id="305"/>
             <p14:sldId id="306"/>
@@ -313,7 +311,7 @@
           <a:p>
             <a:fld id="{53CA56A9-939E-45F7-A5C1-379CB8E2CDF8}" type="datetimeFigureOut">
               <a:rPr lang="en-US" smtClean="0"/>
-              <a:t>12/22/2017</a:t>
+              <a:t>12/25/2017</a:t>
             </a:fld>
             <a:endParaRPr lang="en-US"/>
           </a:p>
@@ -555,7 +553,7 @@
           <a:p>
             <a:fld id="{F331F139-DED5-4C7A-98A9-C304002C643A}" type="datetimeFigureOut">
               <a:rPr lang="en-US" smtClean="0"/>
-              <a:t>12/22/2017</a:t>
+              <a:t>12/25/2017</a:t>
             </a:fld>
             <a:endParaRPr lang="en-US"/>
           </a:p>
@@ -753,7 +751,7 @@
           <a:p>
             <a:fld id="{F331F139-DED5-4C7A-98A9-C304002C643A}" type="datetimeFigureOut">
               <a:rPr lang="en-US" smtClean="0"/>
-              <a:t>12/22/2017</a:t>
+              <a:t>12/25/2017</a:t>
             </a:fld>
             <a:endParaRPr lang="en-US"/>
           </a:p>
@@ -961,7 +959,7 @@
           <a:p>
             <a:fld id="{F331F139-DED5-4C7A-98A9-C304002C643A}" type="datetimeFigureOut">
               <a:rPr lang="en-US" smtClean="0"/>
-              <a:t>12/22/2017</a:t>
+              <a:t>12/25/2017</a:t>
             </a:fld>
             <a:endParaRPr lang="en-US"/>
           </a:p>
@@ -1188,7 +1186,7 @@
           <a:p>
             <a:fld id="{F331F139-DED5-4C7A-98A9-C304002C643A}" type="datetimeFigureOut">
               <a:rPr lang="en-US" smtClean="0"/>
-              <a:t>12/23/2017</a:t>
+              <a:t>12/25/2017</a:t>
             </a:fld>
             <a:endParaRPr lang="en-US"/>
           </a:p>
@@ -1401,7 +1399,7 @@
           <a:p>
             <a:fld id="{F331F139-DED5-4C7A-98A9-C304002C643A}" type="datetimeFigureOut">
               <a:rPr lang="en-US" smtClean="0"/>
-              <a:t>12/23/2017</a:t>
+              <a:t>12/25/2017</a:t>
             </a:fld>
             <a:endParaRPr lang="en-US"/>
           </a:p>
@@ -1735,7 +1733,7 @@
           <a:p>
             <a:fld id="{F331F139-DED5-4C7A-98A9-C304002C643A}" type="datetimeFigureOut">
               <a:rPr lang="en-US" smtClean="0"/>
-              <a:t>12/24/2017</a:t>
+              <a:t>12/25/2017</a:t>
             </a:fld>
             <a:endParaRPr lang="en-US"/>
           </a:p>
@@ -2201,7 +2199,7 @@
           <a:p>
             <a:fld id="{F331F139-DED5-4C7A-98A9-C304002C643A}" type="datetimeFigureOut">
               <a:rPr lang="en-US" smtClean="0"/>
-              <a:t>12/23/2017</a:t>
+              <a:t>12/25/2017</a:t>
             </a:fld>
             <a:endParaRPr lang="en-US"/>
           </a:p>
@@ -2396,7 +2394,7 @@
           <a:p>
             <a:fld id="{F331F139-DED5-4C7A-98A9-C304002C643A}" type="datetimeFigureOut">
               <a:rPr lang="en-US" smtClean="0"/>
-              <a:t>12/23/2017</a:t>
+              <a:t>12/25/2017</a:t>
             </a:fld>
             <a:endParaRPr lang="en-US"/>
           </a:p>
@@ -2563,7 +2561,7 @@
           <a:p>
             <a:fld id="{F331F139-DED5-4C7A-98A9-C304002C643A}" type="datetimeFigureOut">
               <a:rPr lang="en-US" smtClean="0"/>
-              <a:t>12/22/2017</a:t>
+              <a:t>12/25/2017</a:t>
             </a:fld>
             <a:endParaRPr lang="en-US"/>
           </a:p>
@@ -2874,7 +2872,7 @@
           <a:p>
             <a:fld id="{F331F139-DED5-4C7A-98A9-C304002C643A}" type="datetimeFigureOut">
               <a:rPr lang="en-US" smtClean="0"/>
-              <a:t>12/22/2017</a:t>
+              <a:t>12/25/2017</a:t>
             </a:fld>
             <a:endParaRPr lang="en-US"/>
           </a:p>
@@ -3162,7 +3160,7 @@
           <a:p>
             <a:fld id="{F331F139-DED5-4C7A-98A9-C304002C643A}" type="datetimeFigureOut">
               <a:rPr lang="en-US" smtClean="0"/>
-              <a:t>12/22/2017</a:t>
+              <a:t>12/25/2017</a:t>
             </a:fld>
             <a:endParaRPr lang="en-US"/>
           </a:p>
@@ -3403,7 +3401,7 @@
           <a:p>
             <a:fld id="{F331F139-DED5-4C7A-98A9-C304002C643A}" type="datetimeFigureOut">
               <a:rPr lang="en-US" smtClean="0"/>
-              <a:t>12/22/2017</a:t>
+              <a:t>12/25/2017</a:t>
             </a:fld>
             <a:endParaRPr lang="en-US"/>
           </a:p>
@@ -4867,8 +4865,8 @@
         </p:nvSpPr>
         <p:spPr bwMode="auto">
           <a:xfrm>
-            <a:off x="2428437" y="2106108"/>
-            <a:ext cx="7335126" cy="984885"/>
+            <a:off x="2428437" y="2167663"/>
+            <a:ext cx="7335126" cy="861774"/>
           </a:xfrm>
           <a:prstGeom prst="rect">
             <a:avLst/>
@@ -4908,7 +4906,7 @@
               <a:buNone/>
               <a:tabLst/>
             </a:pPr>
-            <a:endParaRPr lang="en-US" altLang="en-US" sz="1600" dirty="0">
+            <a:endParaRPr lang="en-US" altLang="en-US" sz="1400" dirty="0">
               <a:solidFill>
                 <a:srgbClr val="0070C0"/>
               </a:solidFill>
@@ -4916,7 +4914,7 @@
             </a:endParaRPr>
           </a:p>
           <a:p>
-            <a:pPr marL="0" marR="0" lvl="0" indent="-1005840" algn="l" defTabSz="914400" rtl="0" eaLnBrk="0" fontAlgn="base" latinLnBrk="0" hangingPunct="0">
+            <a:pPr marL="168275" marR="0" lvl="0" algn="l" defTabSz="914400" rtl="0" eaLnBrk="0" fontAlgn="base" latinLnBrk="0" hangingPunct="0">
               <a:lnSpc>
                 <a:spcPct val="100000"/>
               </a:lnSpc>
@@ -4933,16 +4931,7 @@
               <a:tabLst/>
             </a:pPr>
             <a:r>
-              <a:rPr lang="en-US" altLang="en-US" sz="1600" dirty="0">
-                <a:solidFill>
-                  <a:srgbClr val="0070C0"/>
-                </a:solidFill>
-                <a:latin typeface="Lucida Console" panose="020B0609040504020204" pitchFamily="49" charset="0"/>
-              </a:rPr>
-              <a:t> </a:t>
-            </a:r>
-            <a:r>
-              <a:rPr lang="en-US" altLang="en-US" sz="1600" dirty="0" err="1">
+              <a:rPr lang="en-US" altLang="en-US" sz="1400" dirty="0" err="1">
                 <a:solidFill>
                   <a:srgbClr val="0070C0"/>
                 </a:solidFill>
@@ -4951,7 +4940,7 @@
               <a:t>gg</a:t>
             </a:r>
             <a:r>
-              <a:rPr kumimoji="0" lang="en-US" altLang="en-US" sz="1600" b="0" i="0" u="none" strike="noStrike" cap="none" normalizeH="0" baseline="0" dirty="0" err="1">
+              <a:rPr kumimoji="0" lang="en-US" altLang="en-US" sz="1400" b="0" i="0" u="none" strike="noStrike" cap="none" normalizeH="0" baseline="0" dirty="0" err="1">
                 <a:ln>
                   <a:noFill/>
                 </a:ln>
@@ -4964,7 +4953,7 @@
               <a:t>plot</a:t>
             </a:r>
             <a:r>
-              <a:rPr kumimoji="0" lang="en-US" altLang="en-US" sz="1600" b="0" i="0" u="none" strike="noStrike" cap="none" normalizeH="0" baseline="0" dirty="0">
+              <a:rPr kumimoji="0" lang="en-US" altLang="en-US" sz="1400" b="0" i="0" u="none" strike="noStrike" cap="none" normalizeH="0" baseline="0" dirty="0">
                 <a:ln>
                   <a:noFill/>
                 </a:ln>
@@ -4977,7 +4966,7 @@
               <a:t>(data = NULL, mapping = </a:t>
             </a:r>
             <a:r>
-              <a:rPr kumimoji="0" lang="en-US" altLang="en-US" sz="1600" b="0" i="0" u="none" strike="noStrike" cap="none" normalizeH="0" baseline="0" dirty="0" err="1">
+              <a:rPr kumimoji="0" lang="en-US" altLang="en-US" sz="1400" b="0" i="0" u="none" strike="noStrike" cap="none" normalizeH="0" baseline="0" dirty="0" err="1">
                 <a:ln>
                   <a:noFill/>
                 </a:ln>
@@ -4990,7 +4979,7 @@
               <a:t>aes</a:t>
             </a:r>
             <a:r>
-              <a:rPr kumimoji="0" lang="en-US" altLang="en-US" sz="1600" b="0" i="0" u="none" strike="noStrike" cap="none" normalizeH="0" baseline="0" dirty="0">
+              <a:rPr kumimoji="0" lang="en-US" altLang="en-US" sz="1400" b="0" i="0" u="none" strike="noStrike" cap="none" normalizeH="0" baseline="0" dirty="0">
                 <a:ln>
                   <a:noFill/>
                 </a:ln>
@@ -5021,7 +5010,7 @@
               <a:tabLst/>
             </a:pPr>
             <a:r>
-              <a:rPr lang="en-US" altLang="en-US" sz="1600" dirty="0">
+              <a:rPr lang="en-US" altLang="en-US" sz="1400" dirty="0">
                 <a:solidFill>
                   <a:srgbClr val="0070C0"/>
                 </a:solidFill>
@@ -5030,7 +5019,7 @@
               <a:t>        </a:t>
             </a:r>
             <a:r>
-              <a:rPr kumimoji="0" lang="en-US" altLang="en-US" sz="1600" b="0" i="0" u="none" strike="noStrike" cap="none" normalizeH="0" baseline="0" dirty="0">
+              <a:rPr kumimoji="0" lang="en-US" altLang="en-US" sz="1400" b="0" i="0" u="none" strike="noStrike" cap="none" normalizeH="0" baseline="0" dirty="0">
                 <a:ln>
                   <a:noFill/>
                 </a:ln>
@@ -5043,7 +5032,7 @@
               <a:t>environment = </a:t>
             </a:r>
             <a:r>
-              <a:rPr kumimoji="0" lang="en-US" altLang="en-US" sz="1600" b="0" i="0" u="none" strike="noStrike" cap="none" normalizeH="0" baseline="0" dirty="0" err="1">
+              <a:rPr kumimoji="0" lang="en-US" altLang="en-US" sz="1400" b="0" i="0" u="none" strike="noStrike" cap="none" normalizeH="0" baseline="0" dirty="0" err="1">
                 <a:ln>
                   <a:noFill/>
                 </a:ln>
@@ -5056,7 +5045,7 @@
               <a:t>parent.frame</a:t>
             </a:r>
             <a:r>
-              <a:rPr kumimoji="0" lang="en-US" altLang="en-US" sz="1600" b="0" i="0" u="none" strike="noStrike" cap="none" normalizeH="0" baseline="0" dirty="0">
+              <a:rPr kumimoji="0" lang="en-US" altLang="en-US" sz="1400" b="0" i="0" u="none" strike="noStrike" cap="none" normalizeH="0" baseline="0" dirty="0">
                 <a:ln>
                   <a:noFill/>
                 </a:ln>
@@ -5086,7 +5075,7 @@
               <a:buNone/>
               <a:tabLst/>
             </a:pPr>
-            <a:endParaRPr kumimoji="0" lang="en-US" altLang="en-US" sz="1600" b="0" i="0" u="none" strike="noStrike" cap="none" normalizeH="0" baseline="0" dirty="0">
+            <a:endParaRPr kumimoji="0" lang="en-US" altLang="en-US" sz="1400" b="0" i="0" u="none" strike="noStrike" cap="none" normalizeH="0" baseline="0" dirty="0">
               <a:ln>
                 <a:noFill/>
               </a:ln>
@@ -5494,8 +5483,8 @@
         </p:nvSpPr>
         <p:spPr bwMode="auto">
           <a:xfrm>
-            <a:off x="1869684" y="1803028"/>
-            <a:ext cx="8452631" cy="984885"/>
+            <a:off x="1869684" y="1864583"/>
+            <a:ext cx="8452631" cy="861774"/>
           </a:xfrm>
           <a:prstGeom prst="rect">
             <a:avLst/>
@@ -5527,7 +5516,7 @@
                 <a:spcPct val="0"/>
               </a:spcAft>
             </a:pPr>
-            <a:endParaRPr lang="en-US" altLang="en-US" sz="1600" dirty="0">
+            <a:endParaRPr lang="en-US" altLang="en-US" sz="1400" dirty="0">
               <a:solidFill>
                 <a:srgbClr val="0070C0"/>
               </a:solidFill>
@@ -5544,7 +5533,7 @@
               </a:spcAft>
             </a:pPr>
             <a:r>
-              <a:rPr lang="en-US" altLang="en-US" sz="1600" dirty="0" err="1">
+              <a:rPr lang="en-US" altLang="en-US" sz="1400" dirty="0" err="1">
                 <a:solidFill>
                   <a:srgbClr val="0070C0"/>
                 </a:solidFill>
@@ -5553,7 +5542,7 @@
               <a:t>ggplot</a:t>
             </a:r>
             <a:r>
-              <a:rPr lang="en-US" altLang="en-US" sz="1600" dirty="0">
+              <a:rPr lang="en-US" altLang="en-US" sz="1400" dirty="0">
                 <a:solidFill>
                   <a:srgbClr val="0070C0"/>
                 </a:solidFill>
@@ -5562,7 +5551,7 @@
               <a:t>(data = titanic, </a:t>
             </a:r>
             <a:r>
-              <a:rPr lang="en-US" altLang="en-US" sz="1600" dirty="0" err="1">
+              <a:rPr lang="en-US" altLang="en-US" sz="1400" dirty="0" err="1">
                 <a:solidFill>
                   <a:srgbClr val="0070C0"/>
                 </a:solidFill>
@@ -5571,7 +5560,7 @@
               <a:t>aes</a:t>
             </a:r>
             <a:r>
-              <a:rPr lang="en-US" altLang="en-US" sz="1600" dirty="0">
+              <a:rPr lang="en-US" altLang="en-US" sz="1400" dirty="0">
                 <a:solidFill>
                   <a:srgbClr val="0070C0"/>
                 </a:solidFill>
@@ -5590,7 +5579,7 @@
               </a:spcAft>
             </a:pPr>
             <a:r>
-              <a:rPr lang="en-US" altLang="en-US" sz="1600" dirty="0">
+              <a:rPr lang="en-US" altLang="en-US" sz="1400" dirty="0">
                 <a:solidFill>
                   <a:srgbClr val="0070C0"/>
                 </a:solidFill>
@@ -5599,7 +5588,7 @@
               <a:t>	</a:t>
             </a:r>
             <a:r>
-              <a:rPr lang="en-US" altLang="en-US" sz="1600" dirty="0" err="1">
+              <a:rPr lang="en-US" altLang="en-US" sz="1400" dirty="0" err="1">
                 <a:solidFill>
                   <a:srgbClr val="0070C0"/>
                 </a:solidFill>
@@ -5608,7 +5597,7 @@
               <a:t>geom_bar</a:t>
             </a:r>
             <a:r>
-              <a:rPr lang="en-US" altLang="en-US" sz="1600" dirty="0">
+              <a:rPr lang="en-US" altLang="en-US" sz="1400" dirty="0">
                 <a:solidFill>
                   <a:srgbClr val="0070C0"/>
                 </a:solidFill>
@@ -5626,7 +5615,7 @@
                 <a:spcPct val="0"/>
               </a:spcAft>
             </a:pPr>
-            <a:endParaRPr lang="en-US" altLang="en-US" sz="1600" dirty="0">
+            <a:endParaRPr lang="en-US" altLang="en-US" sz="1400" dirty="0">
               <a:solidFill>
                 <a:srgbClr val="0070C0"/>
               </a:solidFill>
@@ -5651,8 +5640,8 @@
         </p:nvSpPr>
         <p:spPr bwMode="auto">
           <a:xfrm>
-            <a:off x="6840826" y="3002339"/>
-            <a:ext cx="5208688" cy="1231106"/>
+            <a:off x="6840826" y="3079283"/>
+            <a:ext cx="5208688" cy="1077218"/>
           </a:xfrm>
           <a:prstGeom prst="rect">
             <a:avLst/>
@@ -5684,7 +5673,7 @@
                 <a:spcPct val="0"/>
               </a:spcAft>
             </a:pPr>
-            <a:endParaRPr lang="en-US" altLang="en-US" sz="1600" dirty="0">
+            <a:endParaRPr lang="en-US" altLang="en-US" sz="1400" dirty="0">
               <a:solidFill>
                 <a:srgbClr val="0070C0"/>
               </a:solidFill>
@@ -5701,7 +5690,7 @@
               </a:spcAft>
             </a:pPr>
             <a:r>
-              <a:rPr lang="en-US" altLang="en-US" sz="1600" dirty="0">
+              <a:rPr lang="en-US" altLang="en-US" sz="1400" dirty="0">
                 <a:solidFill>
                   <a:srgbClr val="0070C0"/>
                 </a:solidFill>
@@ -5710,7 +5699,7 @@
               <a:t>g &lt;- </a:t>
             </a:r>
             <a:r>
-              <a:rPr lang="en-US" altLang="en-US" sz="1600" dirty="0" err="1">
+              <a:rPr lang="en-US" altLang="en-US" sz="1400" dirty="0" err="1">
                 <a:solidFill>
                   <a:srgbClr val="0070C0"/>
                 </a:solidFill>
@@ -5719,7 +5708,7 @@
               <a:t>ggplot</a:t>
             </a:r>
             <a:r>
-              <a:rPr lang="en-US" altLang="en-US" sz="1600" dirty="0">
+              <a:rPr lang="en-US" altLang="en-US" sz="1400" dirty="0">
                 <a:solidFill>
                   <a:srgbClr val="0070C0"/>
                 </a:solidFill>
@@ -5738,7 +5727,7 @@
               </a:spcAft>
             </a:pPr>
             <a:r>
-              <a:rPr lang="en-US" altLang="en-US" sz="1600" dirty="0" err="1">
+              <a:rPr lang="en-US" altLang="en-US" sz="1400" dirty="0" err="1">
                 <a:solidFill>
                   <a:srgbClr val="0070C0"/>
                 </a:solidFill>
@@ -5747,7 +5736,7 @@
               <a:t>aes</a:t>
             </a:r>
             <a:r>
-              <a:rPr lang="en-US" altLang="en-US" sz="1600" dirty="0">
+              <a:rPr lang="en-US" altLang="en-US" sz="1400" dirty="0">
                 <a:solidFill>
                   <a:srgbClr val="0070C0"/>
                 </a:solidFill>
@@ -5766,7 +5755,7 @@
               </a:spcAft>
             </a:pPr>
             <a:r>
-              <a:rPr lang="en-US" altLang="en-US" sz="1600" dirty="0">
+              <a:rPr lang="en-US" altLang="en-US" sz="1400" dirty="0">
                 <a:solidFill>
                   <a:srgbClr val="0070C0"/>
                 </a:solidFill>
@@ -5775,7 +5764,7 @@
               <a:t>g + </a:t>
             </a:r>
             <a:r>
-              <a:rPr lang="en-US" altLang="en-US" sz="1600" dirty="0" err="1">
+              <a:rPr lang="en-US" altLang="en-US" sz="1400" dirty="0" err="1">
                 <a:solidFill>
                   <a:srgbClr val="0070C0"/>
                 </a:solidFill>
@@ -5784,7 +5773,7 @@
               <a:t>geom_bar</a:t>
             </a:r>
             <a:r>
-              <a:rPr lang="en-US" altLang="en-US" sz="1600" dirty="0">
+              <a:rPr lang="en-US" altLang="en-US" sz="1400" dirty="0">
                 <a:solidFill>
                   <a:srgbClr val="0070C0"/>
                 </a:solidFill>
@@ -5802,7 +5791,7 @@
                 <a:spcPct val="0"/>
               </a:spcAft>
             </a:pPr>
-            <a:endParaRPr lang="en-US" altLang="en-US" sz="1600" dirty="0">
+            <a:endParaRPr lang="en-US" altLang="en-US" sz="1400" dirty="0">
               <a:solidFill>
                 <a:srgbClr val="0070C0"/>
               </a:solidFill>
@@ -6018,8 +6007,8 @@
         </p:nvSpPr>
         <p:spPr bwMode="auto">
           <a:xfrm>
-            <a:off x="1869684" y="1803028"/>
-            <a:ext cx="8452631" cy="984885"/>
+            <a:off x="1869684" y="1864583"/>
+            <a:ext cx="8452631" cy="861774"/>
           </a:xfrm>
           <a:prstGeom prst="rect">
             <a:avLst/>
@@ -6051,7 +6040,7 @@
                 <a:spcPct val="0"/>
               </a:spcAft>
             </a:pPr>
-            <a:endParaRPr lang="en-US" altLang="en-US" sz="1600" dirty="0">
+            <a:endParaRPr lang="en-US" altLang="en-US" sz="1400" dirty="0">
               <a:solidFill>
                 <a:srgbClr val="0070C0"/>
               </a:solidFill>
@@ -6068,7 +6057,7 @@
               </a:spcAft>
             </a:pPr>
             <a:r>
-              <a:rPr lang="en-US" altLang="en-US" sz="1600" dirty="0" err="1">
+              <a:rPr lang="en-US" altLang="en-US" sz="1400" dirty="0" err="1">
                 <a:solidFill>
                   <a:srgbClr val="0070C0"/>
                 </a:solidFill>
@@ -6077,7 +6066,7 @@
               <a:t>ggplot</a:t>
             </a:r>
             <a:r>
-              <a:rPr lang="en-US" altLang="en-US" sz="1600" dirty="0">
+              <a:rPr lang="en-US" altLang="en-US" sz="1400" dirty="0">
                 <a:solidFill>
                   <a:srgbClr val="0070C0"/>
                 </a:solidFill>
@@ -6086,7 +6075,7 @@
               <a:t>(data = titanic, </a:t>
             </a:r>
             <a:r>
-              <a:rPr lang="en-US" altLang="en-US" sz="1600" dirty="0" err="1">
+              <a:rPr lang="en-US" altLang="en-US" sz="1400" dirty="0" err="1">
                 <a:solidFill>
                   <a:srgbClr val="0070C0"/>
                 </a:solidFill>
@@ -6095,7 +6084,7 @@
               <a:t>aes</a:t>
             </a:r>
             <a:r>
-              <a:rPr lang="en-US" altLang="en-US" sz="1600" dirty="0">
+              <a:rPr lang="en-US" altLang="en-US" sz="1400" dirty="0">
                 <a:solidFill>
                   <a:srgbClr val="0070C0"/>
                 </a:solidFill>
@@ -6114,7 +6103,7 @@
               </a:spcAft>
             </a:pPr>
             <a:r>
-              <a:rPr lang="en-US" altLang="en-US" sz="1600" dirty="0">
+              <a:rPr lang="en-US" altLang="en-US" sz="1400" dirty="0">
                 <a:solidFill>
                   <a:srgbClr val="0070C0"/>
                 </a:solidFill>
@@ -6123,7 +6112,7 @@
               <a:t>	</a:t>
             </a:r>
             <a:r>
-              <a:rPr lang="en-US" altLang="en-US" sz="1600" dirty="0" err="1">
+              <a:rPr lang="en-US" altLang="en-US" sz="1400" dirty="0" err="1">
                 <a:solidFill>
                   <a:srgbClr val="0070C0"/>
                 </a:solidFill>
@@ -6132,7 +6121,7 @@
               <a:t>geom_bar</a:t>
             </a:r>
             <a:r>
-              <a:rPr lang="en-US" altLang="en-US" sz="1600" dirty="0">
+              <a:rPr lang="en-US" altLang="en-US" sz="1400" dirty="0">
                 <a:solidFill>
                   <a:srgbClr val="0070C0"/>
                 </a:solidFill>
@@ -6150,7 +6139,7 @@
                 <a:spcPct val="0"/>
               </a:spcAft>
             </a:pPr>
-            <a:endParaRPr lang="en-US" altLang="en-US" sz="1600" dirty="0">
+            <a:endParaRPr lang="en-US" altLang="en-US" sz="1400" dirty="0">
               <a:solidFill>
                 <a:srgbClr val="0070C0"/>
               </a:solidFill>
@@ -6205,8 +6194,8 @@
         </p:nvSpPr>
         <p:spPr bwMode="auto">
           <a:xfrm>
-            <a:off x="6840826" y="3002339"/>
-            <a:ext cx="5208688" cy="1231106"/>
+            <a:off x="6840826" y="3079283"/>
+            <a:ext cx="5208688" cy="1077218"/>
           </a:xfrm>
           <a:prstGeom prst="rect">
             <a:avLst/>
@@ -6238,7 +6227,7 @@
                 <a:spcPct val="0"/>
               </a:spcAft>
             </a:pPr>
-            <a:endParaRPr lang="en-US" altLang="en-US" sz="1600" dirty="0">
+            <a:endParaRPr lang="en-US" altLang="en-US" sz="1400" dirty="0">
               <a:solidFill>
                 <a:srgbClr val="0070C0"/>
               </a:solidFill>
@@ -6255,7 +6244,7 @@
               </a:spcAft>
             </a:pPr>
             <a:r>
-              <a:rPr lang="en-US" altLang="en-US" sz="1600" dirty="0">
+              <a:rPr lang="en-US" altLang="en-US" sz="1400" dirty="0">
                 <a:solidFill>
                   <a:srgbClr val="0070C0"/>
                 </a:solidFill>
@@ -6264,7 +6253,7 @@
               <a:t>g &lt;- </a:t>
             </a:r>
             <a:r>
-              <a:rPr lang="en-US" altLang="en-US" sz="1600" dirty="0" err="1">
+              <a:rPr lang="en-US" altLang="en-US" sz="1400" dirty="0" err="1">
                 <a:solidFill>
                   <a:srgbClr val="0070C0"/>
                 </a:solidFill>
@@ -6273,7 +6262,7 @@
               <a:t>ggplot</a:t>
             </a:r>
             <a:r>
-              <a:rPr lang="en-US" altLang="en-US" sz="1600" dirty="0">
+              <a:rPr lang="en-US" altLang="en-US" sz="1400" dirty="0">
                 <a:solidFill>
                   <a:srgbClr val="0070C0"/>
                 </a:solidFill>
@@ -6292,7 +6281,7 @@
               </a:spcAft>
             </a:pPr>
             <a:r>
-              <a:rPr lang="en-US" altLang="en-US" sz="1600" dirty="0" err="1">
+              <a:rPr lang="en-US" altLang="en-US" sz="1400" dirty="0" err="1">
                 <a:solidFill>
                   <a:srgbClr val="0070C0"/>
                 </a:solidFill>
@@ -6301,7 +6290,7 @@
               <a:t>aes</a:t>
             </a:r>
             <a:r>
-              <a:rPr lang="en-US" altLang="en-US" sz="1600" dirty="0">
+              <a:rPr lang="en-US" altLang="en-US" sz="1400" dirty="0">
                 <a:solidFill>
                   <a:srgbClr val="0070C0"/>
                 </a:solidFill>
@@ -6320,7 +6309,7 @@
               </a:spcAft>
             </a:pPr>
             <a:r>
-              <a:rPr lang="en-US" altLang="en-US" sz="1600" dirty="0">
+              <a:rPr lang="en-US" altLang="en-US" sz="1400" dirty="0">
                 <a:solidFill>
                   <a:srgbClr val="0070C0"/>
                 </a:solidFill>
@@ -6329,7 +6318,7 @@
               <a:t>g + </a:t>
             </a:r>
             <a:r>
-              <a:rPr lang="en-US" altLang="en-US" sz="1600" dirty="0" err="1">
+              <a:rPr lang="en-US" altLang="en-US" sz="1400" dirty="0" err="1">
                 <a:solidFill>
                   <a:srgbClr val="0070C0"/>
                 </a:solidFill>
@@ -6338,7 +6327,7 @@
               <a:t>geom_bar</a:t>
             </a:r>
             <a:r>
-              <a:rPr lang="en-US" altLang="en-US" sz="1600" dirty="0">
+              <a:rPr lang="en-US" altLang="en-US" sz="1400" dirty="0">
                 <a:solidFill>
                   <a:srgbClr val="0070C0"/>
                 </a:solidFill>
@@ -6356,7 +6345,7 @@
                 <a:spcPct val="0"/>
               </a:spcAft>
             </a:pPr>
-            <a:endParaRPr lang="en-US" altLang="en-US" sz="1600" dirty="0">
+            <a:endParaRPr lang="en-US" altLang="en-US" sz="1400" dirty="0">
               <a:solidFill>
                 <a:srgbClr val="0070C0"/>
               </a:solidFill>
@@ -6559,8 +6548,8 @@
         </p:nvSpPr>
         <p:spPr bwMode="auto">
           <a:xfrm>
-            <a:off x="1869684" y="1803028"/>
-            <a:ext cx="8452631" cy="984885"/>
+            <a:off x="1869684" y="1864583"/>
+            <a:ext cx="8452631" cy="861774"/>
           </a:xfrm>
           <a:prstGeom prst="rect">
             <a:avLst/>
@@ -6592,7 +6581,7 @@
                 <a:spcPct val="0"/>
               </a:spcAft>
             </a:pPr>
-            <a:endParaRPr lang="en-US" altLang="en-US" sz="1600" dirty="0">
+            <a:endParaRPr lang="en-US" altLang="en-US" sz="1400" dirty="0">
               <a:solidFill>
                 <a:srgbClr val="0070C0"/>
               </a:solidFill>
@@ -6609,7 +6598,7 @@
               </a:spcAft>
             </a:pPr>
             <a:r>
-              <a:rPr lang="en-US" altLang="en-US" sz="1600" dirty="0" err="1">
+              <a:rPr lang="en-US" altLang="en-US" sz="1400" dirty="0" err="1">
                 <a:solidFill>
                   <a:srgbClr val="0070C0"/>
                 </a:solidFill>
@@ -6618,7 +6607,7 @@
               <a:t>ggplot</a:t>
             </a:r>
             <a:r>
-              <a:rPr lang="en-US" altLang="en-US" sz="1600" dirty="0">
+              <a:rPr lang="en-US" altLang="en-US" sz="1400" dirty="0">
                 <a:solidFill>
                   <a:srgbClr val="0070C0"/>
                 </a:solidFill>
@@ -6627,7 +6616,7 @@
               <a:t>(data = titanic, </a:t>
             </a:r>
             <a:r>
-              <a:rPr lang="en-US" altLang="en-US" sz="1600" dirty="0" err="1">
+              <a:rPr lang="en-US" altLang="en-US" sz="1400" dirty="0" err="1">
                 <a:solidFill>
                   <a:srgbClr val="0070C0"/>
                 </a:solidFill>
@@ -6636,7 +6625,7 @@
               <a:t>aes</a:t>
             </a:r>
             <a:r>
-              <a:rPr lang="en-US" altLang="en-US" sz="1600" dirty="0">
+              <a:rPr lang="en-US" altLang="en-US" sz="1400" dirty="0">
                 <a:solidFill>
                   <a:srgbClr val="0070C0"/>
                 </a:solidFill>
@@ -6655,7 +6644,7 @@
               </a:spcAft>
             </a:pPr>
             <a:r>
-              <a:rPr lang="en-US" altLang="en-US" sz="1600" dirty="0">
+              <a:rPr lang="en-US" altLang="en-US" sz="1400" dirty="0">
                 <a:solidFill>
                   <a:srgbClr val="0070C0"/>
                 </a:solidFill>
@@ -6664,7 +6653,7 @@
               <a:t>	</a:t>
             </a:r>
             <a:r>
-              <a:rPr lang="en-US" altLang="en-US" sz="1600" dirty="0" err="1">
+              <a:rPr lang="en-US" altLang="en-US" sz="1400" dirty="0" err="1">
                 <a:solidFill>
                   <a:srgbClr val="0070C0"/>
                 </a:solidFill>
@@ -6673,7 +6662,7 @@
               <a:t>geom_bar</a:t>
             </a:r>
             <a:r>
-              <a:rPr lang="en-US" altLang="en-US" sz="1600" dirty="0">
+              <a:rPr lang="en-US" altLang="en-US" sz="1400" dirty="0">
                 <a:solidFill>
                   <a:srgbClr val="0070C0"/>
                 </a:solidFill>
@@ -6691,7 +6680,7 @@
                 <a:spcPct val="0"/>
               </a:spcAft>
             </a:pPr>
-            <a:endParaRPr lang="en-US" altLang="en-US" sz="1600" dirty="0">
+            <a:endParaRPr lang="en-US" altLang="en-US" sz="1400" dirty="0">
               <a:solidFill>
                 <a:srgbClr val="0070C0"/>
               </a:solidFill>
@@ -6716,8 +6705,8 @@
         </p:nvSpPr>
         <p:spPr bwMode="auto">
           <a:xfrm>
-            <a:off x="6840826" y="3002339"/>
-            <a:ext cx="5208688" cy="1231106"/>
+            <a:off x="6840826" y="3079283"/>
+            <a:ext cx="5208688" cy="1077218"/>
           </a:xfrm>
           <a:prstGeom prst="rect">
             <a:avLst/>
@@ -6749,7 +6738,7 @@
                 <a:spcPct val="0"/>
               </a:spcAft>
             </a:pPr>
-            <a:endParaRPr lang="en-US" altLang="en-US" sz="1600" dirty="0">
+            <a:endParaRPr lang="en-US" altLang="en-US" sz="1400" dirty="0">
               <a:solidFill>
                 <a:srgbClr val="0070C0"/>
               </a:solidFill>
@@ -6766,7 +6755,7 @@
               </a:spcAft>
             </a:pPr>
             <a:r>
-              <a:rPr lang="en-US" altLang="en-US" sz="1600" dirty="0">
+              <a:rPr lang="en-US" altLang="en-US" sz="1400" dirty="0">
                 <a:solidFill>
                   <a:srgbClr val="0070C0"/>
                 </a:solidFill>
@@ -6775,7 +6764,7 @@
               <a:t>g &lt;- </a:t>
             </a:r>
             <a:r>
-              <a:rPr lang="en-US" altLang="en-US" sz="1600" dirty="0" err="1">
+              <a:rPr lang="en-US" altLang="en-US" sz="1400" dirty="0" err="1">
                 <a:solidFill>
                   <a:srgbClr val="0070C0"/>
                 </a:solidFill>
@@ -6784,7 +6773,7 @@
               <a:t>ggplot</a:t>
             </a:r>
             <a:r>
-              <a:rPr lang="en-US" altLang="en-US" sz="1600" dirty="0">
+              <a:rPr lang="en-US" altLang="en-US" sz="1400" dirty="0">
                 <a:solidFill>
                   <a:srgbClr val="0070C0"/>
                 </a:solidFill>
@@ -6803,7 +6792,7 @@
               </a:spcAft>
             </a:pPr>
             <a:r>
-              <a:rPr lang="en-US" altLang="en-US" sz="1600" dirty="0" err="1">
+              <a:rPr lang="en-US" altLang="en-US" sz="1400" dirty="0" err="1">
                 <a:solidFill>
                   <a:srgbClr val="0070C0"/>
                 </a:solidFill>
@@ -6812,7 +6801,7 @@
               <a:t>aes</a:t>
             </a:r>
             <a:r>
-              <a:rPr lang="en-US" altLang="en-US" sz="1600" dirty="0">
+              <a:rPr lang="en-US" altLang="en-US" sz="1400" dirty="0">
                 <a:solidFill>
                   <a:srgbClr val="0070C0"/>
                 </a:solidFill>
@@ -6831,7 +6820,7 @@
               </a:spcAft>
             </a:pPr>
             <a:r>
-              <a:rPr lang="en-US" altLang="en-US" sz="1600" dirty="0">
+              <a:rPr lang="en-US" altLang="en-US" sz="1400" dirty="0">
                 <a:solidFill>
                   <a:srgbClr val="0070C0"/>
                 </a:solidFill>
@@ -6840,7 +6829,7 @@
               <a:t>g + </a:t>
             </a:r>
             <a:r>
-              <a:rPr lang="en-US" altLang="en-US" sz="1600" dirty="0" err="1">
+              <a:rPr lang="en-US" altLang="en-US" sz="1400" dirty="0" err="1">
                 <a:solidFill>
                   <a:srgbClr val="0070C0"/>
                 </a:solidFill>
@@ -6849,7 +6838,7 @@
               <a:t>geom_bar</a:t>
             </a:r>
             <a:r>
-              <a:rPr lang="en-US" altLang="en-US" sz="1600" dirty="0">
+              <a:rPr lang="en-US" altLang="en-US" sz="1400" dirty="0">
                 <a:solidFill>
                   <a:srgbClr val="0070C0"/>
                 </a:solidFill>
@@ -6858,7 +6847,7 @@
               <a:t>(</a:t>
             </a:r>
             <a:r>
-              <a:rPr lang="en-US" altLang="en-US" sz="1600" dirty="0" err="1">
+              <a:rPr lang="en-US" altLang="en-US" sz="1400" dirty="0" err="1">
                 <a:solidFill>
                   <a:srgbClr val="0070C0"/>
                 </a:solidFill>
@@ -6867,7 +6856,7 @@
               <a:t>aes</a:t>
             </a:r>
             <a:r>
-              <a:rPr lang="en-US" altLang="en-US" sz="1600" dirty="0">
+              <a:rPr lang="en-US" altLang="en-US" sz="1400" dirty="0">
                 <a:solidFill>
                   <a:srgbClr val="0070C0"/>
                 </a:solidFill>
@@ -6885,7 +6874,7 @@
                 <a:spcPct val="0"/>
               </a:spcAft>
             </a:pPr>
-            <a:endParaRPr lang="en-US" altLang="en-US" sz="1600" dirty="0">
+            <a:endParaRPr lang="en-US" altLang="en-US" sz="1400" dirty="0">
               <a:solidFill>
                 <a:srgbClr val="0070C0"/>
               </a:solidFill>
@@ -7054,8 +7043,8 @@
         </p:nvSpPr>
         <p:spPr bwMode="auto">
           <a:xfrm>
-            <a:off x="1869683" y="1788480"/>
-            <a:ext cx="8452631" cy="984885"/>
+            <a:off x="1869683" y="1850035"/>
+            <a:ext cx="8452631" cy="861774"/>
           </a:xfrm>
           <a:prstGeom prst="rect">
             <a:avLst/>
@@ -7087,7 +7076,7 @@
                 <a:spcPct val="0"/>
               </a:spcAft>
             </a:pPr>
-            <a:endParaRPr lang="en-US" altLang="en-US" sz="1600" dirty="0">
+            <a:endParaRPr lang="en-US" altLang="en-US" sz="1400" dirty="0">
               <a:solidFill>
                 <a:srgbClr val="0070C0"/>
               </a:solidFill>
@@ -7104,7 +7093,7 @@
               </a:spcAft>
             </a:pPr>
             <a:r>
-              <a:rPr lang="en-US" altLang="en-US" sz="1600" dirty="0" err="1">
+              <a:rPr lang="en-US" altLang="en-US" sz="1400" dirty="0" err="1">
                 <a:solidFill>
                   <a:srgbClr val="0070C0"/>
                 </a:solidFill>
@@ -7113,7 +7102,7 @@
               <a:t>ggplot</a:t>
             </a:r>
             <a:r>
-              <a:rPr lang="en-US" altLang="en-US" sz="1600" dirty="0">
+              <a:rPr lang="en-US" altLang="en-US" sz="1400" dirty="0">
                 <a:solidFill>
                   <a:srgbClr val="0070C0"/>
                 </a:solidFill>
@@ -7122,7 +7111,7 @@
               <a:t>(data = titanic, </a:t>
             </a:r>
             <a:r>
-              <a:rPr lang="en-US" altLang="en-US" sz="1600" dirty="0" err="1">
+              <a:rPr lang="en-US" altLang="en-US" sz="1400" dirty="0" err="1">
                 <a:solidFill>
                   <a:srgbClr val="0070C0"/>
                 </a:solidFill>
@@ -7131,7 +7120,7 @@
               <a:t>aes</a:t>
             </a:r>
             <a:r>
-              <a:rPr lang="en-US" altLang="en-US" sz="1600" dirty="0">
+              <a:rPr lang="en-US" altLang="en-US" sz="1400" dirty="0">
                 <a:solidFill>
                   <a:srgbClr val="0070C0"/>
                 </a:solidFill>
@@ -7150,7 +7139,7 @@
               </a:spcAft>
             </a:pPr>
             <a:r>
-              <a:rPr lang="en-US" altLang="en-US" sz="1600" dirty="0">
+              <a:rPr lang="en-US" altLang="en-US" sz="1400" dirty="0">
                 <a:solidFill>
                   <a:srgbClr val="0070C0"/>
                 </a:solidFill>
@@ -7159,7 +7148,7 @@
               <a:t>	</a:t>
             </a:r>
             <a:r>
-              <a:rPr lang="en-US" altLang="en-US" sz="1600" dirty="0" err="1">
+              <a:rPr lang="en-US" altLang="en-US" sz="1400" dirty="0" err="1">
                 <a:solidFill>
                   <a:srgbClr val="0070C0"/>
                 </a:solidFill>
@@ -7168,7 +7157,7 @@
               <a:t>geom_histogram</a:t>
             </a:r>
             <a:r>
-              <a:rPr lang="en-US" altLang="en-US" sz="1600" dirty="0">
+              <a:rPr lang="en-US" altLang="en-US" sz="1400" dirty="0">
                 <a:solidFill>
                   <a:srgbClr val="0070C0"/>
                 </a:solidFill>
@@ -7186,7 +7175,7 @@
                 <a:spcPct val="0"/>
               </a:spcAft>
             </a:pPr>
-            <a:endParaRPr lang="en-US" altLang="en-US" sz="1600" dirty="0">
+            <a:endParaRPr lang="en-US" altLang="en-US" sz="1400" dirty="0">
               <a:solidFill>
                 <a:srgbClr val="0070C0"/>
               </a:solidFill>
@@ -7337,8 +7326,8 @@
         </p:nvSpPr>
         <p:spPr bwMode="auto">
           <a:xfrm>
-            <a:off x="1869683" y="1788480"/>
-            <a:ext cx="8452631" cy="984885"/>
+            <a:off x="1869683" y="1850035"/>
+            <a:ext cx="8452631" cy="861774"/>
           </a:xfrm>
           <a:prstGeom prst="rect">
             <a:avLst/>
@@ -7370,7 +7359,7 @@
                 <a:spcPct val="0"/>
               </a:spcAft>
             </a:pPr>
-            <a:endParaRPr lang="en-US" altLang="en-US" sz="1600" dirty="0">
+            <a:endParaRPr lang="en-US" altLang="en-US" sz="1400" dirty="0">
               <a:solidFill>
                 <a:srgbClr val="0070C0"/>
               </a:solidFill>
@@ -7387,7 +7376,7 @@
               </a:spcAft>
             </a:pPr>
             <a:r>
-              <a:rPr lang="en-US" altLang="en-US" sz="1600" dirty="0" err="1">
+              <a:rPr lang="en-US" altLang="en-US" sz="1400" dirty="0" err="1">
                 <a:solidFill>
                   <a:srgbClr val="0070C0"/>
                 </a:solidFill>
@@ -7396,7 +7385,7 @@
               <a:t>ggplot</a:t>
             </a:r>
             <a:r>
-              <a:rPr lang="en-US" altLang="en-US" sz="1600" dirty="0">
+              <a:rPr lang="en-US" altLang="en-US" sz="1400" dirty="0">
                 <a:solidFill>
                   <a:srgbClr val="0070C0"/>
                 </a:solidFill>
@@ -7405,7 +7394,7 @@
               <a:t>(data = titanic, </a:t>
             </a:r>
             <a:r>
-              <a:rPr lang="en-US" altLang="en-US" sz="1600" dirty="0" err="1">
+              <a:rPr lang="en-US" altLang="en-US" sz="1400" dirty="0" err="1">
                 <a:solidFill>
                   <a:srgbClr val="0070C0"/>
                 </a:solidFill>
@@ -7414,7 +7403,7 @@
               <a:t>aes</a:t>
             </a:r>
             <a:r>
-              <a:rPr lang="en-US" altLang="en-US" sz="1600" dirty="0">
+              <a:rPr lang="en-US" altLang="en-US" sz="1400" dirty="0">
                 <a:solidFill>
                   <a:srgbClr val="0070C0"/>
                 </a:solidFill>
@@ -7433,7 +7422,7 @@
               </a:spcAft>
             </a:pPr>
             <a:r>
-              <a:rPr lang="en-US" altLang="en-US" sz="1600" dirty="0">
+              <a:rPr lang="en-US" altLang="en-US" sz="1400" dirty="0">
                 <a:solidFill>
                   <a:srgbClr val="0070C0"/>
                 </a:solidFill>
@@ -7442,7 +7431,7 @@
               <a:t>	</a:t>
             </a:r>
             <a:r>
-              <a:rPr lang="en-US" altLang="en-US" sz="1600" dirty="0" err="1">
+              <a:rPr lang="en-US" altLang="en-US" sz="1400" dirty="0" err="1">
                 <a:solidFill>
                   <a:srgbClr val="0070C0"/>
                 </a:solidFill>
@@ -7451,7 +7440,7 @@
               <a:t>geom_histogram</a:t>
             </a:r>
             <a:r>
-              <a:rPr lang="en-US" altLang="en-US" sz="1600" dirty="0">
+              <a:rPr lang="en-US" altLang="en-US" sz="1400" dirty="0">
                 <a:solidFill>
                   <a:srgbClr val="0070C0"/>
                 </a:solidFill>
@@ -7469,7 +7458,7 @@
                 <a:spcPct val="0"/>
               </a:spcAft>
             </a:pPr>
-            <a:endParaRPr lang="en-US" altLang="en-US" sz="1600" dirty="0">
+            <a:endParaRPr lang="en-US" altLang="en-US" sz="1400" dirty="0">
               <a:solidFill>
                 <a:srgbClr val="0070C0"/>
               </a:solidFill>
@@ -7494,8 +7483,8 @@
         </p:nvSpPr>
         <p:spPr bwMode="auto">
           <a:xfrm>
-            <a:off x="6840826" y="3002339"/>
-            <a:ext cx="5208688" cy="1231106"/>
+            <a:off x="6840826" y="3079283"/>
+            <a:ext cx="5208688" cy="1077218"/>
           </a:xfrm>
           <a:prstGeom prst="rect">
             <a:avLst/>
@@ -7527,7 +7516,7 @@
                 <a:spcPct val="0"/>
               </a:spcAft>
             </a:pPr>
-            <a:endParaRPr lang="en-US" altLang="en-US" sz="1600" dirty="0">
+            <a:endParaRPr lang="en-US" altLang="en-US" sz="1400" dirty="0">
               <a:solidFill>
                 <a:srgbClr val="0070C0"/>
               </a:solidFill>
@@ -7544,7 +7533,7 @@
               </a:spcAft>
             </a:pPr>
             <a:r>
-              <a:rPr lang="en-US" altLang="en-US" sz="1600" dirty="0">
+              <a:rPr lang="en-US" altLang="en-US" sz="1400" dirty="0">
                 <a:solidFill>
                   <a:srgbClr val="0070C0"/>
                 </a:solidFill>
@@ -7553,7 +7542,7 @@
               <a:t>g &lt;- </a:t>
             </a:r>
             <a:r>
-              <a:rPr lang="en-US" altLang="en-US" sz="1600" dirty="0" err="1">
+              <a:rPr lang="en-US" altLang="en-US" sz="1400" dirty="0" err="1">
                 <a:solidFill>
                   <a:srgbClr val="0070C0"/>
                 </a:solidFill>
@@ -7562,7 +7551,7 @@
               <a:t>ggplot</a:t>
             </a:r>
             <a:r>
-              <a:rPr lang="en-US" altLang="en-US" sz="1600" dirty="0">
+              <a:rPr lang="en-US" altLang="en-US" sz="1400" dirty="0">
                 <a:solidFill>
                   <a:srgbClr val="0070C0"/>
                 </a:solidFill>
@@ -7581,7 +7570,7 @@
               </a:spcAft>
             </a:pPr>
             <a:r>
-              <a:rPr lang="en-US" altLang="en-US" sz="1600" dirty="0" err="1">
+              <a:rPr lang="en-US" altLang="en-US" sz="1400" dirty="0" err="1">
                 <a:solidFill>
                   <a:srgbClr val="0070C0"/>
                 </a:solidFill>
@@ -7590,7 +7579,7 @@
               <a:t>aes</a:t>
             </a:r>
             <a:r>
-              <a:rPr lang="en-US" altLang="en-US" sz="1600" dirty="0">
+              <a:rPr lang="en-US" altLang="en-US" sz="1400" dirty="0">
                 <a:solidFill>
                   <a:srgbClr val="0070C0"/>
                 </a:solidFill>
@@ -7609,7 +7598,7 @@
               </a:spcAft>
             </a:pPr>
             <a:r>
-              <a:rPr lang="en-US" altLang="en-US" sz="1600" dirty="0">
+              <a:rPr lang="en-US" altLang="en-US" sz="1400" dirty="0">
                 <a:solidFill>
                   <a:srgbClr val="0070C0"/>
                 </a:solidFill>
@@ -7618,7 +7607,7 @@
               <a:t>g + </a:t>
             </a:r>
             <a:r>
-              <a:rPr lang="en-US" altLang="en-US" sz="1600" dirty="0" err="1">
+              <a:rPr lang="en-US" altLang="en-US" sz="1400" dirty="0" err="1">
                 <a:solidFill>
                   <a:srgbClr val="0070C0"/>
                 </a:solidFill>
@@ -7627,7 +7616,7 @@
               <a:t>geom_histogram</a:t>
             </a:r>
             <a:r>
-              <a:rPr lang="en-US" altLang="en-US" sz="1600" dirty="0">
+              <a:rPr lang="en-US" altLang="en-US" sz="1400" dirty="0">
                 <a:solidFill>
                   <a:srgbClr val="0070C0"/>
                 </a:solidFill>
@@ -7645,7 +7634,7 @@
                 <a:spcPct val="0"/>
               </a:spcAft>
             </a:pPr>
-            <a:endParaRPr lang="en-US" altLang="en-US" sz="1600" dirty="0">
+            <a:endParaRPr lang="en-US" altLang="en-US" sz="1400" dirty="0">
               <a:solidFill>
                 <a:srgbClr val="0070C0"/>
               </a:solidFill>
@@ -7844,8 +7833,8 @@
         </p:nvSpPr>
         <p:spPr bwMode="auto">
           <a:xfrm>
-            <a:off x="1869683" y="1788480"/>
-            <a:ext cx="8452631" cy="984885"/>
+            <a:off x="1869683" y="1850035"/>
+            <a:ext cx="8452631" cy="861774"/>
           </a:xfrm>
           <a:prstGeom prst="rect">
             <a:avLst/>
@@ -7877,7 +7866,7 @@
                 <a:spcPct val="0"/>
               </a:spcAft>
             </a:pPr>
-            <a:endParaRPr lang="en-US" altLang="en-US" sz="1600" dirty="0">
+            <a:endParaRPr lang="en-US" altLang="en-US" sz="1400" dirty="0">
               <a:solidFill>
                 <a:srgbClr val="0070C0"/>
               </a:solidFill>
@@ -7894,7 +7883,7 @@
               </a:spcAft>
             </a:pPr>
             <a:r>
-              <a:rPr lang="en-US" altLang="en-US" sz="1600" dirty="0" err="1">
+              <a:rPr lang="en-US" altLang="en-US" sz="1400" dirty="0" err="1">
                 <a:solidFill>
                   <a:srgbClr val="0070C0"/>
                 </a:solidFill>
@@ -7903,7 +7892,7 @@
               <a:t>ggplot</a:t>
             </a:r>
             <a:r>
-              <a:rPr lang="en-US" altLang="en-US" sz="1600" dirty="0">
+              <a:rPr lang="en-US" altLang="en-US" sz="1400" dirty="0">
                 <a:solidFill>
                   <a:srgbClr val="0070C0"/>
                 </a:solidFill>
@@ -7912,7 +7901,7 @@
               <a:t>(data = titanic, </a:t>
             </a:r>
             <a:r>
-              <a:rPr lang="en-US" altLang="en-US" sz="1600" dirty="0" err="1">
+              <a:rPr lang="en-US" altLang="en-US" sz="1400" dirty="0" err="1">
                 <a:solidFill>
                   <a:srgbClr val="0070C0"/>
                 </a:solidFill>
@@ -7921,7 +7910,7 @@
               <a:t>aes</a:t>
             </a:r>
             <a:r>
-              <a:rPr lang="en-US" altLang="en-US" sz="1600" dirty="0">
+              <a:rPr lang="en-US" altLang="en-US" sz="1400" dirty="0">
                 <a:solidFill>
                   <a:srgbClr val="0070C0"/>
                 </a:solidFill>
@@ -7940,7 +7929,7 @@
               </a:spcAft>
             </a:pPr>
             <a:r>
-              <a:rPr lang="en-US" altLang="en-US" sz="1600" dirty="0">
+              <a:rPr lang="en-US" altLang="en-US" sz="1400" dirty="0">
                 <a:solidFill>
                   <a:srgbClr val="0070C0"/>
                 </a:solidFill>
@@ -7949,7 +7938,7 @@
               <a:t>	</a:t>
             </a:r>
             <a:r>
-              <a:rPr lang="en-US" altLang="en-US" sz="1600" dirty="0" err="1">
+              <a:rPr lang="en-US" altLang="en-US" sz="1400" dirty="0" err="1">
                 <a:solidFill>
                   <a:srgbClr val="0070C0"/>
                 </a:solidFill>
@@ -7958,7 +7947,7 @@
               <a:t>geom_histogram</a:t>
             </a:r>
             <a:r>
-              <a:rPr lang="en-US" altLang="en-US" sz="1600" dirty="0">
+              <a:rPr lang="en-US" altLang="en-US" sz="1400" dirty="0">
                 <a:solidFill>
                   <a:srgbClr val="0070C0"/>
                 </a:solidFill>
@@ -7976,7 +7965,7 @@
                 <a:spcPct val="0"/>
               </a:spcAft>
             </a:pPr>
-            <a:endParaRPr lang="en-US" altLang="en-US" sz="1600" dirty="0">
+            <a:endParaRPr lang="en-US" altLang="en-US" sz="1400" dirty="0">
               <a:solidFill>
                 <a:srgbClr val="0070C0"/>
               </a:solidFill>
@@ -8001,8 +7990,8 @@
         </p:nvSpPr>
         <p:spPr bwMode="auto">
           <a:xfrm>
-            <a:off x="6840826" y="3023606"/>
-            <a:ext cx="5208688" cy="1477328"/>
+            <a:off x="6840826" y="3115939"/>
+            <a:ext cx="5208688" cy="1292662"/>
           </a:xfrm>
           <a:prstGeom prst="rect">
             <a:avLst/>
@@ -8034,7 +8023,7 @@
                 <a:spcPct val="0"/>
               </a:spcAft>
             </a:pPr>
-            <a:endParaRPr lang="en-US" altLang="en-US" sz="1600" dirty="0">
+            <a:endParaRPr lang="en-US" altLang="en-US" sz="1400" dirty="0">
               <a:solidFill>
                 <a:srgbClr val="0070C0"/>
               </a:solidFill>
@@ -8051,7 +8040,7 @@
               </a:spcAft>
             </a:pPr>
             <a:r>
-              <a:rPr lang="en-US" altLang="en-US" sz="1600" dirty="0">
+              <a:rPr lang="en-US" altLang="en-US" sz="1400" dirty="0">
                 <a:solidFill>
                   <a:srgbClr val="0070C0"/>
                 </a:solidFill>
@@ -8060,7 +8049,7 @@
               <a:t>g &lt;- </a:t>
             </a:r>
             <a:r>
-              <a:rPr lang="en-US" altLang="en-US" sz="1600" dirty="0" err="1">
+              <a:rPr lang="en-US" altLang="en-US" sz="1400" dirty="0" err="1">
                 <a:solidFill>
                   <a:srgbClr val="0070C0"/>
                 </a:solidFill>
@@ -8069,7 +8058,7 @@
               <a:t>ggplot</a:t>
             </a:r>
             <a:r>
-              <a:rPr lang="en-US" altLang="en-US" sz="1600" dirty="0">
+              <a:rPr lang="en-US" altLang="en-US" sz="1400" dirty="0">
                 <a:solidFill>
                   <a:srgbClr val="0070C0"/>
                 </a:solidFill>
@@ -8088,7 +8077,7 @@
               </a:spcAft>
             </a:pPr>
             <a:r>
-              <a:rPr lang="en-US" altLang="en-US" sz="1600" dirty="0" err="1">
+              <a:rPr lang="en-US" altLang="en-US" sz="1400" dirty="0" err="1">
                 <a:solidFill>
                   <a:srgbClr val="0070C0"/>
                 </a:solidFill>
@@ -8097,7 +8086,7 @@
               <a:t>aes</a:t>
             </a:r>
             <a:r>
-              <a:rPr lang="en-US" altLang="en-US" sz="1600" dirty="0">
+              <a:rPr lang="en-US" altLang="en-US" sz="1400" dirty="0">
                 <a:solidFill>
                   <a:srgbClr val="0070C0"/>
                 </a:solidFill>
@@ -8116,7 +8105,7 @@
               </a:spcAft>
             </a:pPr>
             <a:r>
-              <a:rPr lang="en-US" altLang="en-US" sz="1600" dirty="0">
+              <a:rPr lang="en-US" altLang="en-US" sz="1400" dirty="0">
                 <a:solidFill>
                   <a:srgbClr val="0070C0"/>
                 </a:solidFill>
@@ -8125,7 +8114,7 @@
               <a:t>g + </a:t>
             </a:r>
             <a:r>
-              <a:rPr lang="en-US" altLang="en-US" sz="1600" dirty="0" err="1">
+              <a:rPr lang="en-US" altLang="en-US" sz="1400" dirty="0" err="1">
                 <a:solidFill>
                   <a:srgbClr val="0070C0"/>
                 </a:solidFill>
@@ -8134,7 +8123,7 @@
               <a:t>geom_histogram</a:t>
             </a:r>
             <a:r>
-              <a:rPr lang="en-US" altLang="en-US" sz="1600" dirty="0">
+              <a:rPr lang="en-US" altLang="en-US" sz="1400" dirty="0">
                 <a:solidFill>
                   <a:srgbClr val="0070C0"/>
                 </a:solidFill>
@@ -8153,7 +8142,7 @@
               </a:spcAft>
             </a:pPr>
             <a:r>
-              <a:rPr lang="en-US" altLang="en-US" sz="1600" dirty="0">
+              <a:rPr lang="en-US" altLang="en-US" sz="1400" dirty="0">
                 <a:solidFill>
                   <a:srgbClr val="0070C0"/>
                 </a:solidFill>
@@ -8171,7 +8160,7 @@
                 <a:spcPct val="0"/>
               </a:spcAft>
             </a:pPr>
-            <a:endParaRPr lang="en-US" altLang="en-US" sz="1600" dirty="0">
+            <a:endParaRPr lang="en-US" altLang="en-US" sz="1400" dirty="0">
               <a:solidFill>
                 <a:srgbClr val="0070C0"/>
               </a:solidFill>
@@ -8370,8 +8359,8 @@
         </p:nvSpPr>
         <p:spPr bwMode="auto">
           <a:xfrm>
-            <a:off x="1869683" y="1788480"/>
-            <a:ext cx="8452631" cy="984885"/>
+            <a:off x="1869683" y="1850035"/>
+            <a:ext cx="8452631" cy="861774"/>
           </a:xfrm>
           <a:prstGeom prst="rect">
             <a:avLst/>
@@ -8403,7 +8392,7 @@
                 <a:spcPct val="0"/>
               </a:spcAft>
             </a:pPr>
-            <a:endParaRPr lang="en-US" altLang="en-US" sz="1600" dirty="0">
+            <a:endParaRPr lang="en-US" altLang="en-US" sz="1400" dirty="0">
               <a:solidFill>
                 <a:srgbClr val="0070C0"/>
               </a:solidFill>
@@ -8420,7 +8409,7 @@
               </a:spcAft>
             </a:pPr>
             <a:r>
-              <a:rPr lang="en-US" altLang="en-US" sz="1600" dirty="0" err="1">
+              <a:rPr lang="en-US" altLang="en-US" sz="1400" dirty="0" err="1">
                 <a:solidFill>
                   <a:srgbClr val="0070C0"/>
                 </a:solidFill>
@@ -8429,7 +8418,7 @@
               <a:t>ggplot</a:t>
             </a:r>
             <a:r>
-              <a:rPr lang="en-US" altLang="en-US" sz="1600" dirty="0">
+              <a:rPr lang="en-US" altLang="en-US" sz="1400" dirty="0">
                 <a:solidFill>
                   <a:srgbClr val="0070C0"/>
                 </a:solidFill>
@@ -8438,7 +8427,7 @@
               <a:t>(data = titanic, </a:t>
             </a:r>
             <a:r>
-              <a:rPr lang="en-US" altLang="en-US" sz="1600" dirty="0" err="1">
+              <a:rPr lang="en-US" altLang="en-US" sz="1400" dirty="0" err="1">
                 <a:solidFill>
                   <a:srgbClr val="0070C0"/>
                 </a:solidFill>
@@ -8447,7 +8436,7 @@
               <a:t>aes</a:t>
             </a:r>
             <a:r>
-              <a:rPr lang="en-US" altLang="en-US" sz="1600" dirty="0">
+              <a:rPr lang="en-US" altLang="en-US" sz="1400" dirty="0">
                 <a:solidFill>
                   <a:srgbClr val="0070C0"/>
                 </a:solidFill>
@@ -8466,7 +8455,7 @@
               </a:spcAft>
             </a:pPr>
             <a:r>
-              <a:rPr lang="en-US" altLang="en-US" sz="1600" dirty="0">
+              <a:rPr lang="en-US" altLang="en-US" sz="1400" dirty="0">
                 <a:solidFill>
                   <a:srgbClr val="0070C0"/>
                 </a:solidFill>
@@ -8475,7 +8464,7 @@
               <a:t>	</a:t>
             </a:r>
             <a:r>
-              <a:rPr lang="en-US" altLang="en-US" sz="1600" dirty="0" err="1">
+              <a:rPr lang="en-US" altLang="en-US" sz="1400" dirty="0" err="1">
                 <a:solidFill>
                   <a:srgbClr val="0070C0"/>
                 </a:solidFill>
@@ -8484,7 +8473,7 @@
               <a:t>geom_histogram</a:t>
             </a:r>
             <a:r>
-              <a:rPr lang="en-US" altLang="en-US" sz="1600" dirty="0">
+              <a:rPr lang="en-US" altLang="en-US" sz="1400" dirty="0">
                 <a:solidFill>
                   <a:srgbClr val="0070C0"/>
                 </a:solidFill>
@@ -8502,7 +8491,7 @@
                 <a:spcPct val="0"/>
               </a:spcAft>
             </a:pPr>
-            <a:endParaRPr lang="en-US" altLang="en-US" sz="1600" dirty="0">
+            <a:endParaRPr lang="en-US" altLang="en-US" sz="1400" dirty="0">
               <a:solidFill>
                 <a:srgbClr val="0070C0"/>
               </a:solidFill>
@@ -8527,8 +8516,8 @@
         </p:nvSpPr>
         <p:spPr bwMode="auto">
           <a:xfrm>
-            <a:off x="6840826" y="2879228"/>
-            <a:ext cx="5208688" cy="1477328"/>
+            <a:off x="6840826" y="2971561"/>
+            <a:ext cx="5208688" cy="1292662"/>
           </a:xfrm>
           <a:prstGeom prst="rect">
             <a:avLst/>
@@ -8560,7 +8549,7 @@
                 <a:spcPct val="0"/>
               </a:spcAft>
             </a:pPr>
-            <a:endParaRPr lang="en-US" altLang="en-US" sz="1600" dirty="0">
+            <a:endParaRPr lang="en-US" altLang="en-US" sz="1400" dirty="0">
               <a:solidFill>
                 <a:srgbClr val="0070C0"/>
               </a:solidFill>
@@ -8577,7 +8566,7 @@
               </a:spcAft>
             </a:pPr>
             <a:r>
-              <a:rPr lang="en-US" altLang="en-US" sz="1600" dirty="0">
+              <a:rPr lang="en-US" altLang="en-US" sz="1400" dirty="0">
                 <a:solidFill>
                   <a:srgbClr val="0070C0"/>
                 </a:solidFill>
@@ -8586,7 +8575,7 @@
               <a:t>g &lt;- </a:t>
             </a:r>
             <a:r>
-              <a:rPr lang="en-US" altLang="en-US" sz="1600" dirty="0" err="1">
+              <a:rPr lang="en-US" altLang="en-US" sz="1400" dirty="0" err="1">
                 <a:solidFill>
                   <a:srgbClr val="0070C0"/>
                 </a:solidFill>
@@ -8595,7 +8584,7 @@
               <a:t>ggplot</a:t>
             </a:r>
             <a:r>
-              <a:rPr lang="en-US" altLang="en-US" sz="1600" dirty="0">
+              <a:rPr lang="en-US" altLang="en-US" sz="1400" dirty="0">
                 <a:solidFill>
                   <a:srgbClr val="0070C0"/>
                 </a:solidFill>
@@ -8614,7 +8603,7 @@
               </a:spcAft>
             </a:pPr>
             <a:r>
-              <a:rPr lang="en-US" altLang="en-US" sz="1600" dirty="0" err="1">
+              <a:rPr lang="en-US" altLang="en-US" sz="1400" dirty="0" err="1">
                 <a:solidFill>
                   <a:srgbClr val="0070C0"/>
                 </a:solidFill>
@@ -8623,7 +8612,7 @@
               <a:t>aes</a:t>
             </a:r>
             <a:r>
-              <a:rPr lang="en-US" altLang="en-US" sz="1600" dirty="0">
+              <a:rPr lang="en-US" altLang="en-US" sz="1400" dirty="0">
                 <a:solidFill>
                   <a:srgbClr val="0070C0"/>
                 </a:solidFill>
@@ -8642,7 +8631,7 @@
               </a:spcAft>
             </a:pPr>
             <a:r>
-              <a:rPr lang="en-US" altLang="en-US" sz="1600" dirty="0">
+              <a:rPr lang="en-US" altLang="en-US" sz="1400" dirty="0">
                 <a:solidFill>
                   <a:srgbClr val="0070C0"/>
                 </a:solidFill>
@@ -8651,7 +8640,7 @@
               <a:t>g + </a:t>
             </a:r>
             <a:r>
-              <a:rPr lang="en-US" altLang="en-US" sz="1600" dirty="0" err="1">
+              <a:rPr lang="en-US" altLang="en-US" sz="1400" dirty="0" err="1">
                 <a:solidFill>
                   <a:srgbClr val="0070C0"/>
                 </a:solidFill>
@@ -8660,7 +8649,7 @@
               <a:t>geom_histogram</a:t>
             </a:r>
             <a:r>
-              <a:rPr lang="en-US" altLang="en-US" sz="1600" dirty="0">
+              <a:rPr lang="en-US" altLang="en-US" sz="1400" dirty="0">
                 <a:solidFill>
                   <a:srgbClr val="0070C0"/>
                 </a:solidFill>
@@ -8669,7 +8658,7 @@
               <a:t>(</a:t>
             </a:r>
             <a:r>
-              <a:rPr lang="en-US" altLang="en-US" sz="1600" dirty="0" err="1">
+              <a:rPr lang="en-US" altLang="en-US" sz="1400" dirty="0" err="1">
                 <a:solidFill>
                   <a:srgbClr val="0070C0"/>
                 </a:solidFill>
@@ -8678,7 +8667,7 @@
               <a:t>aes</a:t>
             </a:r>
             <a:r>
-              <a:rPr lang="en-US" altLang="en-US" sz="1600" dirty="0">
+              <a:rPr lang="en-US" altLang="en-US" sz="1400" dirty="0">
                 <a:solidFill>
                   <a:srgbClr val="0070C0"/>
                 </a:solidFill>
@@ -8697,7 +8686,7 @@
               </a:spcAft>
             </a:pPr>
             <a:r>
-              <a:rPr lang="en-US" altLang="en-US" sz="1600" dirty="0">
+              <a:rPr lang="en-US" altLang="en-US" sz="1400" dirty="0">
                 <a:solidFill>
                   <a:srgbClr val="0070C0"/>
                 </a:solidFill>
@@ -8715,7 +8704,7 @@
                 <a:spcPct val="0"/>
               </a:spcAft>
             </a:pPr>
-            <a:endParaRPr lang="en-US" altLang="en-US" sz="1600" dirty="0">
+            <a:endParaRPr lang="en-US" altLang="en-US" sz="1400" dirty="0">
               <a:solidFill>
                 <a:srgbClr val="0070C0"/>
               </a:solidFill>
@@ -9373,8 +9362,8 @@
         </p:nvSpPr>
         <p:spPr bwMode="auto">
           <a:xfrm>
-            <a:off x="1869683" y="1788480"/>
-            <a:ext cx="8452631" cy="984885"/>
+            <a:off x="1869683" y="1850035"/>
+            <a:ext cx="8452631" cy="861774"/>
           </a:xfrm>
           <a:prstGeom prst="rect">
             <a:avLst/>
@@ -9406,7 +9395,7 @@
                 <a:spcPct val="0"/>
               </a:spcAft>
             </a:pPr>
-            <a:endParaRPr lang="en-US" altLang="en-US" sz="1600" dirty="0">
+            <a:endParaRPr lang="en-US" altLang="en-US" sz="1400" dirty="0">
               <a:solidFill>
                 <a:srgbClr val="0070C0"/>
               </a:solidFill>
@@ -9423,7 +9412,7 @@
               </a:spcAft>
             </a:pPr>
             <a:r>
-              <a:rPr lang="en-US" altLang="en-US" sz="1600" dirty="0" err="1">
+              <a:rPr lang="en-US" altLang="en-US" sz="1400" dirty="0" err="1">
                 <a:solidFill>
                   <a:srgbClr val="0070C0"/>
                 </a:solidFill>
@@ -9432,7 +9421,7 @@
               <a:t>ggplot</a:t>
             </a:r>
             <a:r>
-              <a:rPr lang="en-US" altLang="en-US" sz="1600" dirty="0">
+              <a:rPr lang="en-US" altLang="en-US" sz="1400" dirty="0">
                 <a:solidFill>
                   <a:srgbClr val="0070C0"/>
                 </a:solidFill>
@@ -9441,7 +9430,7 @@
               <a:t>(data = titanic, </a:t>
             </a:r>
             <a:r>
-              <a:rPr lang="en-US" altLang="en-US" sz="1600" dirty="0" err="1">
+              <a:rPr lang="en-US" altLang="en-US" sz="1400" dirty="0" err="1">
                 <a:solidFill>
                   <a:srgbClr val="0070C0"/>
                 </a:solidFill>
@@ -9450,7 +9439,7 @@
               <a:t>aes</a:t>
             </a:r>
             <a:r>
-              <a:rPr lang="en-US" altLang="en-US" sz="1600" dirty="0">
+              <a:rPr lang="en-US" altLang="en-US" sz="1400" dirty="0">
                 <a:solidFill>
                   <a:srgbClr val="0070C0"/>
                 </a:solidFill>
@@ -9469,7 +9458,7 @@
               </a:spcAft>
             </a:pPr>
             <a:r>
-              <a:rPr lang="en-US" altLang="en-US" sz="1600" dirty="0">
+              <a:rPr lang="en-US" altLang="en-US" sz="1400" dirty="0">
                 <a:solidFill>
                   <a:srgbClr val="0070C0"/>
                 </a:solidFill>
@@ -9478,7 +9467,7 @@
               <a:t>	</a:t>
             </a:r>
             <a:r>
-              <a:rPr lang="en-US" altLang="en-US" sz="1600" dirty="0" err="1">
+              <a:rPr lang="en-US" altLang="en-US" sz="1400" dirty="0" err="1">
                 <a:solidFill>
                   <a:srgbClr val="0070C0"/>
                 </a:solidFill>
@@ -9487,7 +9476,7 @@
               <a:t>geom_density</a:t>
             </a:r>
             <a:r>
-              <a:rPr lang="en-US" altLang="en-US" sz="1600" dirty="0">
+              <a:rPr lang="en-US" altLang="en-US" sz="1400" dirty="0">
                 <a:solidFill>
                   <a:srgbClr val="0070C0"/>
                 </a:solidFill>
@@ -9505,7 +9494,7 @@
                 <a:spcPct val="0"/>
               </a:spcAft>
             </a:pPr>
-            <a:endParaRPr lang="en-US" altLang="en-US" sz="1600" dirty="0">
+            <a:endParaRPr lang="en-US" altLang="en-US" sz="1400" dirty="0">
               <a:solidFill>
                 <a:srgbClr val="0070C0"/>
               </a:solidFill>
@@ -9530,8 +9519,8 @@
         </p:nvSpPr>
         <p:spPr bwMode="auto">
           <a:xfrm>
-            <a:off x="6840826" y="3002339"/>
-            <a:ext cx="5208688" cy="1231106"/>
+            <a:off x="6840826" y="3079283"/>
+            <a:ext cx="5208688" cy="1077218"/>
           </a:xfrm>
           <a:prstGeom prst="rect">
             <a:avLst/>
@@ -9563,7 +9552,7 @@
                 <a:spcPct val="0"/>
               </a:spcAft>
             </a:pPr>
-            <a:endParaRPr lang="en-US" altLang="en-US" sz="1600" dirty="0">
+            <a:endParaRPr lang="en-US" altLang="en-US" sz="1400" dirty="0">
               <a:solidFill>
                 <a:srgbClr val="0070C0"/>
               </a:solidFill>
@@ -9580,7 +9569,7 @@
               </a:spcAft>
             </a:pPr>
             <a:r>
-              <a:rPr lang="en-US" altLang="en-US" sz="1600" dirty="0">
+              <a:rPr lang="en-US" altLang="en-US" sz="1400" dirty="0">
                 <a:solidFill>
                   <a:srgbClr val="0070C0"/>
                 </a:solidFill>
@@ -9589,7 +9578,7 @@
               <a:t>g &lt;- </a:t>
             </a:r>
             <a:r>
-              <a:rPr lang="en-US" altLang="en-US" sz="1600" dirty="0" err="1">
+              <a:rPr lang="en-US" altLang="en-US" sz="1400" dirty="0" err="1">
                 <a:solidFill>
                   <a:srgbClr val="0070C0"/>
                 </a:solidFill>
@@ -9598,7 +9587,7 @@
               <a:t>ggplot</a:t>
             </a:r>
             <a:r>
-              <a:rPr lang="en-US" altLang="en-US" sz="1600" dirty="0">
+              <a:rPr lang="en-US" altLang="en-US" sz="1400" dirty="0">
                 <a:solidFill>
                   <a:srgbClr val="0070C0"/>
                 </a:solidFill>
@@ -9617,7 +9606,7 @@
               </a:spcAft>
             </a:pPr>
             <a:r>
-              <a:rPr lang="en-US" altLang="en-US" sz="1600" dirty="0">
+              <a:rPr lang="en-US" altLang="en-US" sz="1400" dirty="0">
                 <a:solidFill>
                   <a:srgbClr val="0070C0"/>
                 </a:solidFill>
@@ -9626,7 +9615,7 @@
               <a:t>		</a:t>
             </a:r>
             <a:r>
-              <a:rPr lang="en-US" altLang="en-US" sz="1600" dirty="0" err="1">
+              <a:rPr lang="en-US" altLang="en-US" sz="1400" dirty="0" err="1">
                 <a:solidFill>
                   <a:srgbClr val="0070C0"/>
                 </a:solidFill>
@@ -9635,7 +9624,7 @@
               <a:t>aes</a:t>
             </a:r>
             <a:r>
-              <a:rPr lang="en-US" altLang="en-US" sz="1600" dirty="0">
+              <a:rPr lang="en-US" altLang="en-US" sz="1400" dirty="0">
                 <a:solidFill>
                   <a:srgbClr val="0070C0"/>
                 </a:solidFill>
@@ -9654,7 +9643,7 @@
               </a:spcAft>
             </a:pPr>
             <a:r>
-              <a:rPr lang="en-US" altLang="en-US" sz="1600" dirty="0">
+              <a:rPr lang="en-US" altLang="en-US" sz="1400" dirty="0">
                 <a:solidFill>
                   <a:srgbClr val="0070C0"/>
                 </a:solidFill>
@@ -9663,7 +9652,7 @@
               <a:t>g + </a:t>
             </a:r>
             <a:r>
-              <a:rPr lang="en-US" altLang="en-US" sz="1600" dirty="0" err="1">
+              <a:rPr lang="en-US" altLang="en-US" sz="1400" dirty="0" err="1">
                 <a:solidFill>
                   <a:srgbClr val="0070C0"/>
                 </a:solidFill>
@@ -9672,7 +9661,7 @@
               <a:t>geom_density</a:t>
             </a:r>
             <a:r>
-              <a:rPr lang="en-US" altLang="en-US" sz="1600" dirty="0">
+              <a:rPr lang="en-US" altLang="en-US" sz="1400" dirty="0">
                 <a:solidFill>
                   <a:srgbClr val="0070C0"/>
                 </a:solidFill>
@@ -9690,7 +9679,7 @@
                 <a:spcPct val="0"/>
               </a:spcAft>
             </a:pPr>
-            <a:endParaRPr lang="en-US" altLang="en-US" sz="1600" dirty="0">
+            <a:endParaRPr lang="en-US" altLang="en-US" sz="1400" dirty="0">
               <a:solidFill>
                 <a:srgbClr val="0070C0"/>
               </a:solidFill>
@@ -9889,8 +9878,8 @@
         </p:nvSpPr>
         <p:spPr bwMode="auto">
           <a:xfrm>
-            <a:off x="1869683" y="1788480"/>
-            <a:ext cx="8452631" cy="984885"/>
+            <a:off x="1869683" y="1850035"/>
+            <a:ext cx="8452631" cy="861774"/>
           </a:xfrm>
           <a:prstGeom prst="rect">
             <a:avLst/>
@@ -9922,7 +9911,7 @@
                 <a:spcPct val="0"/>
               </a:spcAft>
             </a:pPr>
-            <a:endParaRPr lang="en-US" altLang="en-US" sz="1600" dirty="0">
+            <a:endParaRPr lang="en-US" altLang="en-US" sz="1400" dirty="0">
               <a:solidFill>
                 <a:srgbClr val="0070C0"/>
               </a:solidFill>
@@ -9939,7 +9928,7 @@
               </a:spcAft>
             </a:pPr>
             <a:r>
-              <a:rPr lang="en-US" altLang="en-US" sz="1600" dirty="0" err="1">
+              <a:rPr lang="en-US" altLang="en-US" sz="1400" dirty="0" err="1">
                 <a:solidFill>
                   <a:srgbClr val="0070C0"/>
                 </a:solidFill>
@@ -9948,7 +9937,7 @@
               <a:t>ggplot</a:t>
             </a:r>
             <a:r>
-              <a:rPr lang="en-US" altLang="en-US" sz="1600" dirty="0">
+              <a:rPr lang="en-US" altLang="en-US" sz="1400" dirty="0">
                 <a:solidFill>
                   <a:srgbClr val="0070C0"/>
                 </a:solidFill>
@@ -9957,7 +9946,7 @@
               <a:t>(data = titanic, </a:t>
             </a:r>
             <a:r>
-              <a:rPr lang="en-US" altLang="en-US" sz="1600" dirty="0" err="1">
+              <a:rPr lang="en-US" altLang="en-US" sz="1400" dirty="0" err="1">
                 <a:solidFill>
                   <a:srgbClr val="0070C0"/>
                 </a:solidFill>
@@ -9966,7 +9955,7 @@
               <a:t>aes</a:t>
             </a:r>
             <a:r>
-              <a:rPr lang="en-US" altLang="en-US" sz="1600" dirty="0">
+              <a:rPr lang="en-US" altLang="en-US" sz="1400" dirty="0">
                 <a:solidFill>
                   <a:srgbClr val="0070C0"/>
                 </a:solidFill>
@@ -9985,7 +9974,7 @@
               </a:spcAft>
             </a:pPr>
             <a:r>
-              <a:rPr lang="en-US" altLang="en-US" sz="1600" dirty="0">
+              <a:rPr lang="en-US" altLang="en-US" sz="1400" dirty="0">
                 <a:solidFill>
                   <a:srgbClr val="0070C0"/>
                 </a:solidFill>
@@ -9994,7 +9983,7 @@
               <a:t>	</a:t>
             </a:r>
             <a:r>
-              <a:rPr lang="en-US" altLang="en-US" sz="1600" dirty="0" err="1">
+              <a:rPr lang="en-US" altLang="en-US" sz="1400" dirty="0" err="1">
                 <a:solidFill>
                   <a:srgbClr val="0070C0"/>
                 </a:solidFill>
@@ -10003,7 +9992,7 @@
               <a:t>geom_density</a:t>
             </a:r>
             <a:r>
-              <a:rPr lang="en-US" altLang="en-US" sz="1600" dirty="0">
+              <a:rPr lang="en-US" altLang="en-US" sz="1400" dirty="0">
                 <a:solidFill>
                   <a:srgbClr val="0070C0"/>
                 </a:solidFill>
@@ -10021,7 +10010,7 @@
                 <a:spcPct val="0"/>
               </a:spcAft>
             </a:pPr>
-            <a:endParaRPr lang="en-US" altLang="en-US" sz="1600" dirty="0">
+            <a:endParaRPr lang="en-US" altLang="en-US" sz="1400" dirty="0">
               <a:solidFill>
                 <a:srgbClr val="0070C0"/>
               </a:solidFill>
@@ -10046,8 +10035,8 @@
         </p:nvSpPr>
         <p:spPr bwMode="auto">
           <a:xfrm>
-            <a:off x="6840826" y="3002339"/>
-            <a:ext cx="5208688" cy="1231106"/>
+            <a:off x="6840826" y="3079283"/>
+            <a:ext cx="5208688" cy="1077218"/>
           </a:xfrm>
           <a:prstGeom prst="rect">
             <a:avLst/>
@@ -10079,7 +10068,7 @@
                 <a:spcPct val="0"/>
               </a:spcAft>
             </a:pPr>
-            <a:endParaRPr lang="en-US" altLang="en-US" sz="1600" dirty="0">
+            <a:endParaRPr lang="en-US" altLang="en-US" sz="1400" dirty="0">
               <a:solidFill>
                 <a:srgbClr val="0070C0"/>
               </a:solidFill>
@@ -10096,7 +10085,7 @@
               </a:spcAft>
             </a:pPr>
             <a:r>
-              <a:rPr lang="en-US" altLang="en-US" sz="1600" dirty="0">
+              <a:rPr lang="en-US" altLang="en-US" sz="1400" dirty="0">
                 <a:solidFill>
                   <a:srgbClr val="0070C0"/>
                 </a:solidFill>
@@ -10105,7 +10094,7 @@
               <a:t>g &lt;- </a:t>
             </a:r>
             <a:r>
-              <a:rPr lang="en-US" altLang="en-US" sz="1600" dirty="0" err="1">
+              <a:rPr lang="en-US" altLang="en-US" sz="1400" dirty="0" err="1">
                 <a:solidFill>
                   <a:srgbClr val="0070C0"/>
                 </a:solidFill>
@@ -10114,7 +10103,7 @@
               <a:t>ggplot</a:t>
             </a:r>
             <a:r>
-              <a:rPr lang="en-US" altLang="en-US" sz="1600" dirty="0">
+              <a:rPr lang="en-US" altLang="en-US" sz="1400" dirty="0">
                 <a:solidFill>
                   <a:srgbClr val="0070C0"/>
                 </a:solidFill>
@@ -10133,7 +10122,7 @@
               </a:spcAft>
             </a:pPr>
             <a:r>
-              <a:rPr lang="en-US" altLang="en-US" sz="1600" dirty="0">
+              <a:rPr lang="en-US" altLang="en-US" sz="1400" dirty="0">
                 <a:solidFill>
                   <a:srgbClr val="0070C0"/>
                 </a:solidFill>
@@ -10142,7 +10131,7 @@
               <a:t>		</a:t>
             </a:r>
             <a:r>
-              <a:rPr lang="en-US" altLang="en-US" sz="1600" dirty="0" err="1">
+              <a:rPr lang="en-US" altLang="en-US" sz="1400" dirty="0" err="1">
                 <a:solidFill>
                   <a:srgbClr val="0070C0"/>
                 </a:solidFill>
@@ -10151,7 +10140,7 @@
               <a:t>aes</a:t>
             </a:r>
             <a:r>
-              <a:rPr lang="en-US" altLang="en-US" sz="1600" dirty="0">
+              <a:rPr lang="en-US" altLang="en-US" sz="1400" dirty="0">
                 <a:solidFill>
                   <a:srgbClr val="0070C0"/>
                 </a:solidFill>
@@ -10170,7 +10159,7 @@
               </a:spcAft>
             </a:pPr>
             <a:r>
-              <a:rPr lang="en-US" altLang="en-US" sz="1600" dirty="0">
+              <a:rPr lang="en-US" altLang="en-US" sz="1400" dirty="0">
                 <a:solidFill>
                   <a:srgbClr val="0070C0"/>
                 </a:solidFill>
@@ -10179,7 +10168,7 @@
               <a:t>g + </a:t>
             </a:r>
             <a:r>
-              <a:rPr lang="en-US" altLang="en-US" sz="1600" dirty="0" err="1">
+              <a:rPr lang="en-US" altLang="en-US" sz="1400" dirty="0" err="1">
                 <a:solidFill>
                   <a:srgbClr val="0070C0"/>
                 </a:solidFill>
@@ -10188,7 +10177,7 @@
               <a:t>geom_density</a:t>
             </a:r>
             <a:r>
-              <a:rPr lang="en-US" altLang="en-US" sz="1600" dirty="0">
+              <a:rPr lang="en-US" altLang="en-US" sz="1400" dirty="0">
                 <a:solidFill>
                   <a:srgbClr val="0070C0"/>
                 </a:solidFill>
@@ -10206,7 +10195,7 @@
                 <a:spcPct val="0"/>
               </a:spcAft>
             </a:pPr>
-            <a:endParaRPr lang="en-US" altLang="en-US" sz="1600" dirty="0">
+            <a:endParaRPr lang="en-US" altLang="en-US" sz="1400" dirty="0">
               <a:solidFill>
                 <a:srgbClr val="0070C0"/>
               </a:solidFill>
@@ -10405,8 +10394,8 @@
         </p:nvSpPr>
         <p:spPr bwMode="auto">
           <a:xfrm>
-            <a:off x="1869683" y="1788480"/>
-            <a:ext cx="8452631" cy="984885"/>
+            <a:off x="1869683" y="1850035"/>
+            <a:ext cx="8452631" cy="861774"/>
           </a:xfrm>
           <a:prstGeom prst="rect">
             <a:avLst/>
@@ -10438,7 +10427,7 @@
                 <a:spcPct val="0"/>
               </a:spcAft>
             </a:pPr>
-            <a:endParaRPr lang="en-US" altLang="en-US" sz="1600" dirty="0">
+            <a:endParaRPr lang="en-US" altLang="en-US" sz="1400" dirty="0">
               <a:solidFill>
                 <a:srgbClr val="0070C0"/>
               </a:solidFill>
@@ -10455,7 +10444,7 @@
               </a:spcAft>
             </a:pPr>
             <a:r>
-              <a:rPr lang="en-US" altLang="en-US" sz="1600" dirty="0" err="1">
+              <a:rPr lang="en-US" altLang="en-US" sz="1400" dirty="0" err="1">
                 <a:solidFill>
                   <a:srgbClr val="0070C0"/>
                 </a:solidFill>
@@ -10464,7 +10453,7 @@
               <a:t>ggplot</a:t>
             </a:r>
             <a:r>
-              <a:rPr lang="en-US" altLang="en-US" sz="1600" dirty="0">
+              <a:rPr lang="en-US" altLang="en-US" sz="1400" dirty="0">
                 <a:solidFill>
                   <a:srgbClr val="0070C0"/>
                 </a:solidFill>
@@ -10473,7 +10462,7 @@
               <a:t>(data = titanic, </a:t>
             </a:r>
             <a:r>
-              <a:rPr lang="en-US" altLang="en-US" sz="1600" dirty="0" err="1">
+              <a:rPr lang="en-US" altLang="en-US" sz="1400" dirty="0" err="1">
                 <a:solidFill>
                   <a:srgbClr val="0070C0"/>
                 </a:solidFill>
@@ -10482,7 +10471,7 @@
               <a:t>aes</a:t>
             </a:r>
             <a:r>
-              <a:rPr lang="en-US" altLang="en-US" sz="1600" dirty="0">
+              <a:rPr lang="en-US" altLang="en-US" sz="1400" dirty="0">
                 <a:solidFill>
                   <a:srgbClr val="0070C0"/>
                 </a:solidFill>
@@ -10501,7 +10490,7 @@
               </a:spcAft>
             </a:pPr>
             <a:r>
-              <a:rPr lang="en-US" altLang="en-US" sz="1600" dirty="0">
+              <a:rPr lang="en-US" altLang="en-US" sz="1400" dirty="0">
                 <a:solidFill>
                   <a:srgbClr val="0070C0"/>
                 </a:solidFill>
@@ -10510,7 +10499,7 @@
               <a:t>	</a:t>
             </a:r>
             <a:r>
-              <a:rPr lang="en-US" altLang="en-US" sz="1600" dirty="0" err="1">
+              <a:rPr lang="en-US" altLang="en-US" sz="1400" dirty="0" err="1">
                 <a:solidFill>
                   <a:srgbClr val="0070C0"/>
                 </a:solidFill>
@@ -10519,7 +10508,7 @@
               <a:t>geom_point</a:t>
             </a:r>
             <a:r>
-              <a:rPr lang="en-US" altLang="en-US" sz="1600" dirty="0">
+              <a:rPr lang="en-US" altLang="en-US" sz="1400" dirty="0">
                 <a:solidFill>
                   <a:srgbClr val="0070C0"/>
                 </a:solidFill>
@@ -10537,7 +10526,7 @@
                 <a:spcPct val="0"/>
               </a:spcAft>
             </a:pPr>
-            <a:endParaRPr lang="en-US" altLang="en-US" sz="1600" dirty="0">
+            <a:endParaRPr lang="en-US" altLang="en-US" sz="1400" dirty="0">
               <a:solidFill>
                 <a:srgbClr val="0070C0"/>
               </a:solidFill>
@@ -10562,8 +10551,8 @@
         </p:nvSpPr>
         <p:spPr bwMode="auto">
           <a:xfrm>
-            <a:off x="6840826" y="3002339"/>
-            <a:ext cx="5208688" cy="1231106"/>
+            <a:off x="6840826" y="3079283"/>
+            <a:ext cx="5208688" cy="1077218"/>
           </a:xfrm>
           <a:prstGeom prst="rect">
             <a:avLst/>
@@ -10595,7 +10584,7 @@
                 <a:spcPct val="0"/>
               </a:spcAft>
             </a:pPr>
-            <a:endParaRPr lang="en-US" altLang="en-US" sz="1600" dirty="0">
+            <a:endParaRPr lang="en-US" altLang="en-US" sz="1400" dirty="0">
               <a:solidFill>
                 <a:srgbClr val="0070C0"/>
               </a:solidFill>
@@ -10612,7 +10601,7 @@
               </a:spcAft>
             </a:pPr>
             <a:r>
-              <a:rPr lang="en-US" altLang="en-US" sz="1600" dirty="0">
+              <a:rPr lang="en-US" altLang="en-US" sz="1400" dirty="0">
                 <a:solidFill>
                   <a:srgbClr val="0070C0"/>
                 </a:solidFill>
@@ -10621,7 +10610,7 @@
               <a:t>g &lt;- </a:t>
             </a:r>
             <a:r>
-              <a:rPr lang="en-US" altLang="en-US" sz="1600" dirty="0" err="1">
+              <a:rPr lang="en-US" altLang="en-US" sz="1400" dirty="0" err="1">
                 <a:solidFill>
                   <a:srgbClr val="0070C0"/>
                 </a:solidFill>
@@ -10630,7 +10619,7 @@
               <a:t>ggplot</a:t>
             </a:r>
             <a:r>
-              <a:rPr lang="en-US" altLang="en-US" sz="1600" dirty="0">
+              <a:rPr lang="en-US" altLang="en-US" sz="1400" dirty="0">
                 <a:solidFill>
                   <a:srgbClr val="0070C0"/>
                 </a:solidFill>
@@ -10649,7 +10638,7 @@
               </a:spcAft>
             </a:pPr>
             <a:r>
-              <a:rPr lang="en-US" altLang="en-US" sz="1600" dirty="0">
+              <a:rPr lang="en-US" altLang="en-US" sz="1400" dirty="0">
                 <a:solidFill>
                   <a:srgbClr val="0070C0"/>
                 </a:solidFill>
@@ -10658,7 +10647,7 @@
               <a:t>		</a:t>
             </a:r>
             <a:r>
-              <a:rPr lang="en-US" altLang="en-US" sz="1600" dirty="0" err="1">
+              <a:rPr lang="en-US" altLang="en-US" sz="1400" dirty="0" err="1">
                 <a:solidFill>
                   <a:srgbClr val="0070C0"/>
                 </a:solidFill>
@@ -10667,7 +10656,7 @@
               <a:t>aes</a:t>
             </a:r>
             <a:r>
-              <a:rPr lang="en-US" altLang="en-US" sz="1600" dirty="0">
+              <a:rPr lang="en-US" altLang="en-US" sz="1400" dirty="0">
                 <a:solidFill>
                   <a:srgbClr val="0070C0"/>
                 </a:solidFill>
@@ -10686,7 +10675,7 @@
               </a:spcAft>
             </a:pPr>
             <a:r>
-              <a:rPr lang="en-US" altLang="en-US" sz="1600" dirty="0">
+              <a:rPr lang="en-US" altLang="en-US" sz="1400" dirty="0">
                 <a:solidFill>
                   <a:srgbClr val="0070C0"/>
                 </a:solidFill>
@@ -10695,7 +10684,7 @@
               <a:t>g + </a:t>
             </a:r>
             <a:r>
-              <a:rPr lang="en-US" altLang="en-US" sz="1600" dirty="0" err="1">
+              <a:rPr lang="en-US" altLang="en-US" sz="1400" dirty="0" err="1">
                 <a:solidFill>
                   <a:srgbClr val="0070C0"/>
                 </a:solidFill>
@@ -10704,7 +10693,7 @@
               <a:t>geom_point</a:t>
             </a:r>
             <a:r>
-              <a:rPr lang="en-US" altLang="en-US" sz="1600" dirty="0">
+              <a:rPr lang="en-US" altLang="en-US" sz="1400" dirty="0">
                 <a:solidFill>
                   <a:srgbClr val="0070C0"/>
                 </a:solidFill>
@@ -10722,7 +10711,7 @@
                 <a:spcPct val="0"/>
               </a:spcAft>
             </a:pPr>
-            <a:endParaRPr lang="en-US" altLang="en-US" sz="1600" dirty="0">
+            <a:endParaRPr lang="en-US" altLang="en-US" sz="1400" dirty="0">
               <a:solidFill>
                 <a:srgbClr val="0070C0"/>
               </a:solidFill>
@@ -10921,8 +10910,8 @@
         </p:nvSpPr>
         <p:spPr bwMode="auto">
           <a:xfrm>
-            <a:off x="1869683" y="1788480"/>
-            <a:ext cx="8452631" cy="984885"/>
+            <a:off x="1869683" y="1850035"/>
+            <a:ext cx="8452631" cy="861774"/>
           </a:xfrm>
           <a:prstGeom prst="rect">
             <a:avLst/>
@@ -10954,7 +10943,7 @@
                 <a:spcPct val="0"/>
               </a:spcAft>
             </a:pPr>
-            <a:endParaRPr lang="en-US" altLang="en-US" sz="1600" dirty="0">
+            <a:endParaRPr lang="en-US" altLang="en-US" sz="1400" dirty="0">
               <a:solidFill>
                 <a:srgbClr val="0070C0"/>
               </a:solidFill>
@@ -10971,7 +10960,7 @@
               </a:spcAft>
             </a:pPr>
             <a:r>
-              <a:rPr lang="en-US" altLang="en-US" sz="1600" dirty="0" err="1">
+              <a:rPr lang="en-US" altLang="en-US" sz="1400" dirty="0" err="1">
                 <a:solidFill>
                   <a:srgbClr val="0070C0"/>
                 </a:solidFill>
@@ -10980,7 +10969,7 @@
               <a:t>ggplot</a:t>
             </a:r>
             <a:r>
-              <a:rPr lang="en-US" altLang="en-US" sz="1600" dirty="0">
+              <a:rPr lang="en-US" altLang="en-US" sz="1400" dirty="0">
                 <a:solidFill>
                   <a:srgbClr val="0070C0"/>
                 </a:solidFill>
@@ -10989,7 +10978,7 @@
               <a:t>(data = titanic, </a:t>
             </a:r>
             <a:r>
-              <a:rPr lang="en-US" altLang="en-US" sz="1600" dirty="0" err="1">
+              <a:rPr lang="en-US" altLang="en-US" sz="1400" dirty="0" err="1">
                 <a:solidFill>
                   <a:srgbClr val="0070C0"/>
                 </a:solidFill>
@@ -10998,7 +10987,7 @@
               <a:t>aes</a:t>
             </a:r>
             <a:r>
-              <a:rPr lang="en-US" altLang="en-US" sz="1600" dirty="0">
+              <a:rPr lang="en-US" altLang="en-US" sz="1400" dirty="0">
                 <a:solidFill>
                   <a:srgbClr val="0070C0"/>
                 </a:solidFill>
@@ -11017,7 +11006,7 @@
               </a:spcAft>
             </a:pPr>
             <a:r>
-              <a:rPr lang="en-US" altLang="en-US" sz="1600" dirty="0">
+              <a:rPr lang="en-US" altLang="en-US" sz="1400" dirty="0">
                 <a:solidFill>
                   <a:srgbClr val="0070C0"/>
                 </a:solidFill>
@@ -11026,7 +11015,7 @@
               <a:t>	</a:t>
             </a:r>
             <a:r>
-              <a:rPr lang="en-US" altLang="en-US" sz="1600" dirty="0" err="1">
+              <a:rPr lang="en-US" altLang="en-US" sz="1400" dirty="0" err="1">
                 <a:solidFill>
                   <a:srgbClr val="0070C0"/>
                 </a:solidFill>
@@ -11035,7 +11024,7 @@
               <a:t>geom_point</a:t>
             </a:r>
             <a:r>
-              <a:rPr lang="en-US" altLang="en-US" sz="1600" dirty="0">
+              <a:rPr lang="en-US" altLang="en-US" sz="1400" dirty="0">
                 <a:solidFill>
                   <a:srgbClr val="0070C0"/>
                 </a:solidFill>
@@ -11044,7 +11033,7 @@
               <a:t>(</a:t>
             </a:r>
             <a:r>
-              <a:rPr lang="en-US" altLang="en-US" sz="1600" dirty="0" err="1">
+              <a:rPr lang="en-US" altLang="en-US" sz="1400" dirty="0" err="1">
                 <a:solidFill>
                   <a:srgbClr val="0070C0"/>
                 </a:solidFill>
@@ -11053,7 +11042,7 @@
               <a:t>aes</a:t>
             </a:r>
             <a:r>
-              <a:rPr lang="en-US" altLang="en-US" sz="1600" dirty="0">
+              <a:rPr lang="en-US" altLang="en-US" sz="1400" dirty="0">
                 <a:solidFill>
                   <a:srgbClr val="0070C0"/>
                 </a:solidFill>
@@ -11071,7 +11060,7 @@
                 <a:spcPct val="0"/>
               </a:spcAft>
             </a:pPr>
-            <a:endParaRPr lang="en-US" altLang="en-US" sz="1600" dirty="0">
+            <a:endParaRPr lang="en-US" altLang="en-US" sz="1400" dirty="0">
               <a:solidFill>
                 <a:srgbClr val="0070C0"/>
               </a:solidFill>
@@ -11096,8 +11085,8 @@
         </p:nvSpPr>
         <p:spPr bwMode="auto">
           <a:xfrm>
-            <a:off x="6840826" y="2879228"/>
-            <a:ext cx="5208688" cy="1477328"/>
+            <a:off x="6840826" y="2971561"/>
+            <a:ext cx="5208688" cy="1292662"/>
           </a:xfrm>
           <a:prstGeom prst="rect">
             <a:avLst/>
@@ -11129,7 +11118,7 @@
                 <a:spcPct val="0"/>
               </a:spcAft>
             </a:pPr>
-            <a:endParaRPr lang="en-US" altLang="en-US" sz="1600" dirty="0">
+            <a:endParaRPr lang="en-US" altLang="en-US" sz="1400" dirty="0">
               <a:solidFill>
                 <a:srgbClr val="0070C0"/>
               </a:solidFill>
@@ -11146,7 +11135,7 @@
               </a:spcAft>
             </a:pPr>
             <a:r>
-              <a:rPr lang="en-US" altLang="en-US" sz="1600" dirty="0">
+              <a:rPr lang="en-US" altLang="en-US" sz="1400" dirty="0">
                 <a:solidFill>
                   <a:srgbClr val="0070C0"/>
                 </a:solidFill>
@@ -11155,7 +11144,7 @@
               <a:t>g &lt;- </a:t>
             </a:r>
             <a:r>
-              <a:rPr lang="en-US" altLang="en-US" sz="1600" dirty="0" err="1">
+              <a:rPr lang="en-US" altLang="en-US" sz="1400" dirty="0" err="1">
                 <a:solidFill>
                   <a:srgbClr val="0070C0"/>
                 </a:solidFill>
@@ -11164,7 +11153,7 @@
               <a:t>ggplot</a:t>
             </a:r>
             <a:r>
-              <a:rPr lang="en-US" altLang="en-US" sz="1600" dirty="0">
+              <a:rPr lang="en-US" altLang="en-US" sz="1400" dirty="0">
                 <a:solidFill>
                   <a:srgbClr val="0070C0"/>
                 </a:solidFill>
@@ -11183,7 +11172,7 @@
               </a:spcAft>
             </a:pPr>
             <a:r>
-              <a:rPr lang="en-US" altLang="en-US" sz="1600" dirty="0">
+              <a:rPr lang="en-US" altLang="en-US" sz="1400" dirty="0">
                 <a:solidFill>
                   <a:srgbClr val="0070C0"/>
                 </a:solidFill>
@@ -11192,7 +11181,7 @@
               <a:t>		</a:t>
             </a:r>
             <a:r>
-              <a:rPr lang="en-US" altLang="en-US" sz="1600" dirty="0" err="1">
+              <a:rPr lang="en-US" altLang="en-US" sz="1400" dirty="0" err="1">
                 <a:solidFill>
                   <a:srgbClr val="0070C0"/>
                 </a:solidFill>
@@ -11201,7 +11190,7 @@
               <a:t>aes</a:t>
             </a:r>
             <a:r>
-              <a:rPr lang="en-US" altLang="en-US" sz="1600" dirty="0">
+              <a:rPr lang="en-US" altLang="en-US" sz="1400" dirty="0">
                 <a:solidFill>
                   <a:srgbClr val="0070C0"/>
                 </a:solidFill>
@@ -11220,7 +11209,7 @@
               </a:spcAft>
             </a:pPr>
             <a:r>
-              <a:rPr lang="en-US" altLang="en-US" sz="1600" dirty="0">
+              <a:rPr lang="en-US" altLang="en-US" sz="1400" dirty="0">
                 <a:solidFill>
                   <a:srgbClr val="0070C0"/>
                 </a:solidFill>
@@ -11229,7 +11218,7 @@
               <a:t>g + </a:t>
             </a:r>
             <a:r>
-              <a:rPr lang="en-US" altLang="en-US" sz="1600" dirty="0" err="1">
+              <a:rPr lang="en-US" altLang="en-US" sz="1400" dirty="0" err="1">
                 <a:solidFill>
                   <a:srgbClr val="0070C0"/>
                 </a:solidFill>
@@ -11238,7 +11227,7 @@
               <a:t>geom_point</a:t>
             </a:r>
             <a:r>
-              <a:rPr lang="en-US" altLang="en-US" sz="1600" dirty="0">
+              <a:rPr lang="en-US" altLang="en-US" sz="1400" dirty="0">
                 <a:solidFill>
                   <a:srgbClr val="0070C0"/>
                 </a:solidFill>
@@ -11247,7 +11236,7 @@
               <a:t>(</a:t>
             </a:r>
             <a:r>
-              <a:rPr lang="en-US" altLang="en-US" sz="1600" dirty="0" err="1">
+              <a:rPr lang="en-US" altLang="en-US" sz="1400" dirty="0" err="1">
                 <a:solidFill>
                   <a:srgbClr val="0070C0"/>
                 </a:solidFill>
@@ -11256,7 +11245,7 @@
               <a:t>aes</a:t>
             </a:r>
             <a:r>
-              <a:rPr lang="en-US" altLang="en-US" sz="1600" dirty="0">
+              <a:rPr lang="en-US" altLang="en-US" sz="1400" dirty="0">
                 <a:solidFill>
                   <a:srgbClr val="0070C0"/>
                 </a:solidFill>
@@ -11275,7 +11264,7 @@
               </a:spcAft>
             </a:pPr>
             <a:r>
-              <a:rPr lang="en-US" altLang="en-US" sz="1600" dirty="0">
+              <a:rPr lang="en-US" altLang="en-US" sz="1400" dirty="0">
                 <a:solidFill>
                   <a:srgbClr val="0070C0"/>
                 </a:solidFill>
@@ -11293,7 +11282,7 @@
                 <a:spcPct val="0"/>
               </a:spcAft>
             </a:pPr>
-            <a:endParaRPr lang="en-US" altLang="en-US" sz="1600" dirty="0">
+            <a:endParaRPr lang="en-US" altLang="en-US" sz="1400" dirty="0">
               <a:solidFill>
                 <a:srgbClr val="0070C0"/>
               </a:solidFill>
@@ -11492,8 +11481,8 @@
         </p:nvSpPr>
         <p:spPr bwMode="auto">
           <a:xfrm>
-            <a:off x="1869683" y="1788480"/>
-            <a:ext cx="8452631" cy="984885"/>
+            <a:off x="1869683" y="1850035"/>
+            <a:ext cx="8452631" cy="861774"/>
           </a:xfrm>
           <a:prstGeom prst="rect">
             <a:avLst/>
@@ -11525,7 +11514,7 @@
                 <a:spcPct val="0"/>
               </a:spcAft>
             </a:pPr>
-            <a:endParaRPr lang="en-US" altLang="en-US" sz="1600" dirty="0">
+            <a:endParaRPr lang="en-US" altLang="en-US" sz="1400" dirty="0">
               <a:solidFill>
                 <a:srgbClr val="0070C0"/>
               </a:solidFill>
@@ -11542,7 +11531,7 @@
               </a:spcAft>
             </a:pPr>
             <a:r>
-              <a:rPr lang="en-US" altLang="en-US" sz="1600" dirty="0" err="1">
+              <a:rPr lang="en-US" altLang="en-US" sz="1400" dirty="0" err="1">
                 <a:solidFill>
                   <a:srgbClr val="0070C0"/>
                 </a:solidFill>
@@ -11551,7 +11540,7 @@
               <a:t>ggplot</a:t>
             </a:r>
             <a:r>
-              <a:rPr lang="en-US" altLang="en-US" sz="1600" dirty="0">
+              <a:rPr lang="en-US" altLang="en-US" sz="1400" dirty="0">
                 <a:solidFill>
                   <a:srgbClr val="0070C0"/>
                 </a:solidFill>
@@ -11560,7 +11549,7 @@
               <a:t>(data = titanic, </a:t>
             </a:r>
             <a:r>
-              <a:rPr lang="en-US" altLang="en-US" sz="1600" dirty="0" err="1">
+              <a:rPr lang="en-US" altLang="en-US" sz="1400" dirty="0" err="1">
                 <a:solidFill>
                   <a:srgbClr val="0070C0"/>
                 </a:solidFill>
@@ -11569,7 +11558,7 @@
               <a:t>aes</a:t>
             </a:r>
             <a:r>
-              <a:rPr lang="en-US" altLang="en-US" sz="1600" dirty="0">
+              <a:rPr lang="en-US" altLang="en-US" sz="1400" dirty="0">
                 <a:solidFill>
                   <a:srgbClr val="0070C0"/>
                 </a:solidFill>
@@ -11578,7 +11567,7 @@
               <a:t>(x = </a:t>
             </a:r>
             <a:r>
-              <a:rPr lang="en-US" altLang="en-US" sz="1600" dirty="0" err="1">
+              <a:rPr lang="en-US" altLang="en-US" sz="1400" dirty="0" err="1">
                 <a:solidFill>
                   <a:srgbClr val="0070C0"/>
                 </a:solidFill>
@@ -11587,7 +11576,7 @@
               <a:t>Pclass</a:t>
             </a:r>
             <a:r>
-              <a:rPr lang="en-US" altLang="en-US" sz="1600" dirty="0">
+              <a:rPr lang="en-US" altLang="en-US" sz="1400" dirty="0">
                 <a:solidFill>
                   <a:srgbClr val="0070C0"/>
                 </a:solidFill>
@@ -11606,7 +11595,7 @@
               </a:spcAft>
             </a:pPr>
             <a:r>
-              <a:rPr lang="en-US" altLang="en-US" sz="1600" dirty="0">
+              <a:rPr lang="en-US" altLang="en-US" sz="1400" dirty="0">
                 <a:solidFill>
                   <a:srgbClr val="0070C0"/>
                 </a:solidFill>
@@ -11615,7 +11604,7 @@
               <a:t>	</a:t>
             </a:r>
             <a:r>
-              <a:rPr lang="en-US" altLang="en-US" sz="1600" dirty="0" err="1">
+              <a:rPr lang="en-US" altLang="en-US" sz="1400" dirty="0" err="1">
                 <a:solidFill>
                   <a:srgbClr val="0070C0"/>
                 </a:solidFill>
@@ -11624,7 +11613,7 @@
               <a:t>geom_boxplot</a:t>
             </a:r>
             <a:r>
-              <a:rPr lang="en-US" altLang="en-US" sz="1600" dirty="0">
+              <a:rPr lang="en-US" altLang="en-US" sz="1400" dirty="0">
                 <a:solidFill>
                   <a:srgbClr val="0070C0"/>
                 </a:solidFill>
@@ -11642,7 +11631,7 @@
                 <a:spcPct val="0"/>
               </a:spcAft>
             </a:pPr>
-            <a:endParaRPr lang="en-US" altLang="en-US" sz="1600" dirty="0">
+            <a:endParaRPr lang="en-US" altLang="en-US" sz="1400" dirty="0">
               <a:solidFill>
                 <a:srgbClr val="0070C0"/>
               </a:solidFill>
@@ -12086,8 +12075,8 @@
         </p:nvSpPr>
         <p:spPr bwMode="auto">
           <a:xfrm>
-            <a:off x="1869683" y="1788480"/>
-            <a:ext cx="8452631" cy="984885"/>
+            <a:off x="1869683" y="1850035"/>
+            <a:ext cx="8452631" cy="861774"/>
           </a:xfrm>
           <a:prstGeom prst="rect">
             <a:avLst/>
@@ -12119,7 +12108,7 @@
                 <a:spcPct val="0"/>
               </a:spcAft>
             </a:pPr>
-            <a:endParaRPr lang="en-US" altLang="en-US" sz="1600" dirty="0">
+            <a:endParaRPr lang="en-US" altLang="en-US" sz="1400" dirty="0">
               <a:solidFill>
                 <a:srgbClr val="0070C0"/>
               </a:solidFill>
@@ -12136,7 +12125,7 @@
               </a:spcAft>
             </a:pPr>
             <a:r>
-              <a:rPr lang="en-US" altLang="en-US" sz="1600" dirty="0" err="1">
+              <a:rPr lang="en-US" altLang="en-US" sz="1400" dirty="0" err="1">
                 <a:solidFill>
                   <a:srgbClr val="0070C0"/>
                 </a:solidFill>
@@ -12145,7 +12134,7 @@
               <a:t>ggplot</a:t>
             </a:r>
             <a:r>
-              <a:rPr lang="en-US" altLang="en-US" sz="1600" dirty="0">
+              <a:rPr lang="en-US" altLang="en-US" sz="1400" dirty="0">
                 <a:solidFill>
                   <a:srgbClr val="0070C0"/>
                 </a:solidFill>
@@ -12154,7 +12143,7 @@
               <a:t>(data = titanic, </a:t>
             </a:r>
             <a:r>
-              <a:rPr lang="en-US" altLang="en-US" sz="1600" dirty="0" err="1">
+              <a:rPr lang="en-US" altLang="en-US" sz="1400" dirty="0" err="1">
                 <a:solidFill>
                   <a:srgbClr val="0070C0"/>
                 </a:solidFill>
@@ -12163,7 +12152,7 @@
               <a:t>aes</a:t>
             </a:r>
             <a:r>
-              <a:rPr lang="en-US" altLang="en-US" sz="1600" dirty="0">
+              <a:rPr lang="en-US" altLang="en-US" sz="1400" dirty="0">
                 <a:solidFill>
                   <a:srgbClr val="0070C0"/>
                 </a:solidFill>
@@ -12182,7 +12171,7 @@
               </a:spcAft>
             </a:pPr>
             <a:r>
-              <a:rPr lang="en-US" altLang="en-US" sz="1600" dirty="0">
+              <a:rPr lang="en-US" altLang="en-US" sz="1400" dirty="0">
                 <a:solidFill>
                   <a:srgbClr val="0070C0"/>
                 </a:solidFill>
@@ -12191,7 +12180,7 @@
               <a:t>	</a:t>
             </a:r>
             <a:r>
-              <a:rPr lang="en-US" altLang="en-US" sz="1600" dirty="0" err="1">
+              <a:rPr lang="en-US" altLang="en-US" sz="1400" dirty="0" err="1">
                 <a:solidFill>
                   <a:srgbClr val="0070C0"/>
                 </a:solidFill>
@@ -12200,7 +12189,7 @@
               <a:t>geom_density</a:t>
             </a:r>
             <a:r>
-              <a:rPr lang="en-US" altLang="en-US" sz="1600" dirty="0">
+              <a:rPr lang="en-US" altLang="en-US" sz="1400" dirty="0">
                 <a:solidFill>
                   <a:srgbClr val="0070C0"/>
                 </a:solidFill>
@@ -12218,7 +12207,7 @@
                 <a:spcPct val="0"/>
               </a:spcAft>
             </a:pPr>
-            <a:endParaRPr lang="en-US" altLang="en-US" sz="1600" dirty="0">
+            <a:endParaRPr lang="en-US" altLang="en-US" sz="1400" dirty="0">
               <a:solidFill>
                 <a:srgbClr val="0070C0"/>
               </a:solidFill>
@@ -12375,8 +12364,8 @@
         </p:nvSpPr>
         <p:spPr bwMode="auto">
           <a:xfrm>
-            <a:off x="1869683" y="1788480"/>
-            <a:ext cx="8452631" cy="984885"/>
+            <a:off x="1869683" y="1850035"/>
+            <a:ext cx="8452631" cy="861774"/>
           </a:xfrm>
           <a:prstGeom prst="rect">
             <a:avLst/>
@@ -12408,7 +12397,7 @@
                 <a:spcPct val="0"/>
               </a:spcAft>
             </a:pPr>
-            <a:endParaRPr lang="en-US" altLang="en-US" sz="1600" dirty="0">
+            <a:endParaRPr lang="en-US" altLang="en-US" sz="1400" dirty="0">
               <a:solidFill>
                 <a:srgbClr val="0070C0"/>
               </a:solidFill>
@@ -12425,7 +12414,7 @@
               </a:spcAft>
             </a:pPr>
             <a:r>
-              <a:rPr lang="en-US" altLang="en-US" sz="1600" dirty="0" err="1">
+              <a:rPr lang="en-US" altLang="en-US" sz="1400" dirty="0" err="1">
                 <a:solidFill>
                   <a:srgbClr val="0070C0"/>
                 </a:solidFill>
@@ -12434,7 +12423,7 @@
               <a:t>ggplot</a:t>
             </a:r>
             <a:r>
-              <a:rPr lang="en-US" altLang="en-US" sz="1600" dirty="0">
+              <a:rPr lang="en-US" altLang="en-US" sz="1400" dirty="0">
                 <a:solidFill>
                   <a:srgbClr val="0070C0"/>
                 </a:solidFill>
@@ -12443,7 +12432,7 @@
               <a:t>(data = titanic, </a:t>
             </a:r>
             <a:r>
-              <a:rPr lang="en-US" altLang="en-US" sz="1600" dirty="0" err="1">
+              <a:rPr lang="en-US" altLang="en-US" sz="1400" dirty="0" err="1">
                 <a:solidFill>
                   <a:srgbClr val="0070C0"/>
                 </a:solidFill>
@@ -12452,7 +12441,7 @@
               <a:t>aes</a:t>
             </a:r>
             <a:r>
-              <a:rPr lang="en-US" altLang="en-US" sz="1600" dirty="0">
+              <a:rPr lang="en-US" altLang="en-US" sz="1400" dirty="0">
                 <a:solidFill>
                   <a:srgbClr val="0070C0"/>
                 </a:solidFill>
@@ -12471,7 +12460,7 @@
               </a:spcAft>
             </a:pPr>
             <a:r>
-              <a:rPr lang="en-US" altLang="en-US" sz="1600" dirty="0">
+              <a:rPr lang="en-US" altLang="en-US" sz="1400" dirty="0">
                 <a:solidFill>
                   <a:srgbClr val="0070C0"/>
                 </a:solidFill>
@@ -12480,7 +12469,7 @@
               <a:t>	</a:t>
             </a:r>
             <a:r>
-              <a:rPr lang="en-US" altLang="en-US" sz="1600" dirty="0" err="1">
+              <a:rPr lang="en-US" altLang="en-US" sz="1400" dirty="0" err="1">
                 <a:solidFill>
                   <a:srgbClr val="0070C0"/>
                 </a:solidFill>
@@ -12489,7 +12478,7 @@
               <a:t>geom_density</a:t>
             </a:r>
             <a:r>
-              <a:rPr lang="en-US" altLang="en-US" sz="1600" dirty="0">
+              <a:rPr lang="en-US" altLang="en-US" sz="1400" dirty="0">
                 <a:solidFill>
                   <a:srgbClr val="0070C0"/>
                 </a:solidFill>
@@ -12498,7 +12487,7 @@
               <a:t>(alpha  0.5) + </a:t>
             </a:r>
             <a:r>
-              <a:rPr lang="en-US" altLang="en-US" sz="1600" dirty="0" err="1">
+              <a:rPr lang="en-US" altLang="en-US" sz="1400" dirty="0" err="1">
                 <a:solidFill>
                   <a:srgbClr val="0070C0"/>
                 </a:solidFill>
@@ -12507,7 +12496,7 @@
               <a:t>facet_wrap</a:t>
             </a:r>
             <a:r>
-              <a:rPr lang="en-US" altLang="en-US" sz="1600" dirty="0">
+              <a:rPr lang="en-US" altLang="en-US" sz="1400" dirty="0">
                 <a:solidFill>
                   <a:srgbClr val="0070C0"/>
                 </a:solidFill>
@@ -12525,7 +12514,7 @@
                 <a:spcPct val="0"/>
               </a:spcAft>
             </a:pPr>
-            <a:endParaRPr lang="en-US" altLang="en-US" sz="1600" dirty="0">
+            <a:endParaRPr lang="en-US" altLang="en-US" sz="1400" dirty="0">
               <a:solidFill>
                 <a:srgbClr val="0070C0"/>
               </a:solidFill>
@@ -12646,8 +12635,8 @@
         </p:nvSpPr>
         <p:spPr bwMode="auto">
           <a:xfrm>
-            <a:off x="1869683" y="1788480"/>
-            <a:ext cx="8452631" cy="984885"/>
+            <a:off x="1869683" y="1850035"/>
+            <a:ext cx="8452631" cy="861774"/>
           </a:xfrm>
           <a:prstGeom prst="rect">
             <a:avLst/>
@@ -12679,7 +12668,7 @@
                 <a:spcPct val="0"/>
               </a:spcAft>
             </a:pPr>
-            <a:endParaRPr lang="en-US" altLang="en-US" sz="1600" dirty="0">
+            <a:endParaRPr lang="en-US" altLang="en-US" sz="1400" dirty="0">
               <a:solidFill>
                 <a:srgbClr val="0070C0"/>
               </a:solidFill>
@@ -12696,7 +12685,7 @@
               </a:spcAft>
             </a:pPr>
             <a:r>
-              <a:rPr lang="en-US" altLang="en-US" sz="1600" dirty="0" err="1">
+              <a:rPr lang="en-US" altLang="en-US" sz="1400" dirty="0" err="1">
                 <a:solidFill>
                   <a:srgbClr val="0070C0"/>
                 </a:solidFill>
@@ -12705,7 +12694,7 @@
               <a:t>ggplot</a:t>
             </a:r>
             <a:r>
-              <a:rPr lang="en-US" altLang="en-US" sz="1600" dirty="0">
+              <a:rPr lang="en-US" altLang="en-US" sz="1400" dirty="0">
                 <a:solidFill>
                   <a:srgbClr val="0070C0"/>
                 </a:solidFill>
@@ -12714,7 +12703,7 @@
               <a:t>(data = titanic, </a:t>
             </a:r>
             <a:r>
-              <a:rPr lang="en-US" altLang="en-US" sz="1600" dirty="0" err="1">
+              <a:rPr lang="en-US" altLang="en-US" sz="1400" dirty="0" err="1">
                 <a:solidFill>
                   <a:srgbClr val="0070C0"/>
                 </a:solidFill>
@@ -12723,7 +12712,7 @@
               <a:t>aes</a:t>
             </a:r>
             <a:r>
-              <a:rPr lang="en-US" altLang="en-US" sz="1600" dirty="0">
+              <a:rPr lang="en-US" altLang="en-US" sz="1400" dirty="0">
                 <a:solidFill>
                   <a:srgbClr val="0070C0"/>
                 </a:solidFill>
@@ -12742,7 +12731,7 @@
               </a:spcAft>
             </a:pPr>
             <a:r>
-              <a:rPr lang="en-US" altLang="en-US" sz="1600" dirty="0">
+              <a:rPr lang="en-US" altLang="en-US" sz="1400" dirty="0">
                 <a:solidFill>
                   <a:srgbClr val="0070C0"/>
                 </a:solidFill>
@@ -12751,7 +12740,7 @@
               <a:t>	</a:t>
             </a:r>
             <a:r>
-              <a:rPr lang="en-US" altLang="en-US" sz="1600" dirty="0" err="1">
+              <a:rPr lang="en-US" altLang="en-US" sz="1400" dirty="0" err="1">
                 <a:solidFill>
                   <a:srgbClr val="0070C0"/>
                 </a:solidFill>
@@ -12760,7 +12749,7 @@
               <a:t>geom_density</a:t>
             </a:r>
             <a:r>
-              <a:rPr lang="en-US" altLang="en-US" sz="1600" dirty="0">
+              <a:rPr lang="en-US" altLang="en-US" sz="1400" dirty="0">
                 <a:solidFill>
                   <a:srgbClr val="0070C0"/>
                 </a:solidFill>
@@ -12769,7 +12758,7 @@
               <a:t>(alpha  0.5) + </a:t>
             </a:r>
             <a:r>
-              <a:rPr lang="en-US" altLang="en-US" sz="1600" dirty="0" err="1">
+              <a:rPr lang="en-US" altLang="en-US" sz="1400" dirty="0" err="1">
                 <a:solidFill>
                   <a:srgbClr val="0070C0"/>
                 </a:solidFill>
@@ -12778,7 +12767,7 @@
               <a:t>facet_grid</a:t>
             </a:r>
             <a:r>
-              <a:rPr lang="en-US" altLang="en-US" sz="1600" dirty="0">
+              <a:rPr lang="en-US" altLang="en-US" sz="1400" dirty="0">
                 <a:solidFill>
                   <a:srgbClr val="0070C0"/>
                 </a:solidFill>
@@ -12796,7 +12785,7 @@
                 <a:spcPct val="0"/>
               </a:spcAft>
             </a:pPr>
-            <a:endParaRPr lang="en-US" altLang="en-US" sz="1600" dirty="0">
+            <a:endParaRPr lang="en-US" altLang="en-US" sz="1400" dirty="0">
               <a:solidFill>
                 <a:srgbClr val="0070C0"/>
               </a:solidFill>
@@ -12879,8 +12868,8 @@
         </p:nvSpPr>
         <p:spPr bwMode="auto">
           <a:xfrm>
-            <a:off x="1869683" y="1788482"/>
-            <a:ext cx="9484117" cy="984885"/>
+            <a:off x="1869683" y="1850037"/>
+            <a:ext cx="9484117" cy="861774"/>
           </a:xfrm>
           <a:prstGeom prst="rect">
             <a:avLst/>
@@ -12912,7 +12901,7 @@
                 <a:spcPct val="0"/>
               </a:spcAft>
             </a:pPr>
-            <a:endParaRPr lang="en-US" altLang="en-US" sz="1600" dirty="0">
+            <a:endParaRPr lang="en-US" altLang="en-US" sz="1400" dirty="0">
               <a:solidFill>
                 <a:srgbClr val="0070C0"/>
               </a:solidFill>
@@ -12929,7 +12918,7 @@
               </a:spcAft>
             </a:pPr>
             <a:r>
-              <a:rPr lang="en-US" altLang="en-US" sz="1600" dirty="0" err="1">
+              <a:rPr lang="en-US" altLang="en-US" sz="1400" dirty="0" err="1">
                 <a:solidFill>
                   <a:srgbClr val="0070C0"/>
                 </a:solidFill>
@@ -12938,7 +12927,7 @@
               <a:t>ggplot</a:t>
             </a:r>
             <a:r>
-              <a:rPr lang="en-US" altLang="en-US" sz="1600" dirty="0">
+              <a:rPr lang="en-US" altLang="en-US" sz="1400" dirty="0">
                 <a:solidFill>
                   <a:srgbClr val="0070C0"/>
                 </a:solidFill>
@@ -12947,7 +12936,7 @@
               <a:t>(data = titanic, </a:t>
             </a:r>
             <a:r>
-              <a:rPr lang="en-US" altLang="en-US" sz="1600" dirty="0" err="1">
+              <a:rPr lang="en-US" altLang="en-US" sz="1400" dirty="0" err="1">
                 <a:solidFill>
                   <a:srgbClr val="0070C0"/>
                 </a:solidFill>
@@ -12956,7 +12945,7 @@
               <a:t>aes</a:t>
             </a:r>
             <a:r>
-              <a:rPr lang="en-US" altLang="en-US" sz="1600" dirty="0">
+              <a:rPr lang="en-US" altLang="en-US" sz="1400" dirty="0">
                 <a:solidFill>
                   <a:srgbClr val="0070C0"/>
                 </a:solidFill>
@@ -12975,7 +12964,7 @@
               </a:spcAft>
             </a:pPr>
             <a:r>
-              <a:rPr lang="en-US" altLang="en-US" sz="1600" dirty="0">
+              <a:rPr lang="en-US" altLang="en-US" sz="1400" dirty="0">
                 <a:solidFill>
                   <a:srgbClr val="0070C0"/>
                 </a:solidFill>
@@ -12984,7 +12973,7 @@
               <a:t>	</a:t>
             </a:r>
             <a:r>
-              <a:rPr lang="en-US" altLang="en-US" sz="1600" dirty="0" err="1">
+              <a:rPr lang="en-US" altLang="en-US" sz="1400" dirty="0" err="1">
                 <a:solidFill>
                   <a:srgbClr val="0070C0"/>
                 </a:solidFill>
@@ -12993,7 +12982,7 @@
               <a:t>geom_density</a:t>
             </a:r>
             <a:r>
-              <a:rPr lang="en-US" altLang="en-US" sz="1600" dirty="0">
+              <a:rPr lang="en-US" altLang="en-US" sz="1400" dirty="0">
                 <a:solidFill>
                   <a:srgbClr val="0070C0"/>
                 </a:solidFill>
@@ -13002,7 +12991,7 @@
               <a:t>(alpha  0.5) + </a:t>
             </a:r>
             <a:r>
-              <a:rPr lang="en-US" altLang="en-US" sz="1600" dirty="0" err="1">
+              <a:rPr lang="en-US" altLang="en-US" sz="1400" dirty="0" err="1">
                 <a:solidFill>
                   <a:srgbClr val="0070C0"/>
                 </a:solidFill>
@@ -13011,7 +13000,7 @@
               <a:t>facet_wrap</a:t>
             </a:r>
             <a:r>
-              <a:rPr lang="en-US" altLang="en-US" sz="1600" dirty="0">
+              <a:rPr lang="en-US" altLang="en-US" sz="1400" dirty="0">
                 <a:solidFill>
                   <a:srgbClr val="0070C0"/>
                 </a:solidFill>
@@ -13029,7 +13018,7 @@
                 <a:spcPct val="0"/>
               </a:spcAft>
             </a:pPr>
-            <a:endParaRPr lang="en-US" altLang="en-US" sz="1600" dirty="0">
+            <a:endParaRPr lang="en-US" altLang="en-US" sz="1400" dirty="0">
               <a:solidFill>
                 <a:srgbClr val="0070C0"/>
               </a:solidFill>
@@ -13054,8 +13043,8 @@
         </p:nvSpPr>
         <p:spPr bwMode="auto">
           <a:xfrm>
-            <a:off x="1869682" y="3522031"/>
-            <a:ext cx="9484117" cy="984885"/>
+            <a:off x="1869682" y="3583586"/>
+            <a:ext cx="9484117" cy="861774"/>
           </a:xfrm>
           <a:prstGeom prst="rect">
             <a:avLst/>
@@ -13087,7 +13076,7 @@
                 <a:spcPct val="0"/>
               </a:spcAft>
             </a:pPr>
-            <a:endParaRPr lang="en-US" altLang="en-US" sz="1600" dirty="0">
+            <a:endParaRPr lang="en-US" altLang="en-US" sz="1400" dirty="0">
               <a:solidFill>
                 <a:srgbClr val="0070C0"/>
               </a:solidFill>
@@ -13104,7 +13093,7 @@
               </a:spcAft>
             </a:pPr>
             <a:r>
-              <a:rPr lang="en-US" altLang="en-US" sz="1600" dirty="0">
+              <a:rPr lang="en-US" altLang="en-US" sz="1400" dirty="0">
                 <a:solidFill>
                   <a:srgbClr val="FF0000"/>
                 </a:solidFill>
@@ -13113,7 +13102,7 @@
               <a:t>Error in </a:t>
             </a:r>
             <a:r>
-              <a:rPr lang="en-US" altLang="en-US" sz="1600" dirty="0" err="1">
+              <a:rPr lang="en-US" altLang="en-US" sz="1400" dirty="0" err="1">
                 <a:solidFill>
                   <a:srgbClr val="FF0000"/>
                 </a:solidFill>
@@ -13122,7 +13111,7 @@
               <a:t>combine_vars</a:t>
             </a:r>
             <a:r>
-              <a:rPr lang="en-US" altLang="en-US" sz="1600" dirty="0">
+              <a:rPr lang="en-US" altLang="en-US" sz="1400" dirty="0">
                 <a:solidFill>
                   <a:srgbClr val="FF0000"/>
                 </a:solidFill>
@@ -13131,7 +13120,7 @@
               <a:t>(data, </a:t>
             </a:r>
             <a:r>
-              <a:rPr lang="en-US" altLang="en-US" sz="1600" dirty="0" err="1">
+              <a:rPr lang="en-US" altLang="en-US" sz="1400" dirty="0" err="1">
                 <a:solidFill>
                   <a:srgbClr val="FF0000"/>
                 </a:solidFill>
@@ -13140,7 +13129,7 @@
               <a:t>params$plot_env</a:t>
             </a:r>
             <a:r>
-              <a:rPr lang="en-US" altLang="en-US" sz="1600" dirty="0">
+              <a:rPr lang="en-US" altLang="en-US" sz="1400" dirty="0">
                 <a:solidFill>
                   <a:srgbClr val="FF0000"/>
                 </a:solidFill>
@@ -13149,7 +13138,7 @@
               <a:t>, </a:t>
             </a:r>
             <a:r>
-              <a:rPr lang="en-US" altLang="en-US" sz="1600" dirty="0" err="1">
+              <a:rPr lang="en-US" altLang="en-US" sz="1400" dirty="0" err="1">
                 <a:solidFill>
                   <a:srgbClr val="FF0000"/>
                 </a:solidFill>
@@ -13158,7 +13147,7 @@
               <a:t>vars</a:t>
             </a:r>
             <a:r>
-              <a:rPr lang="en-US" altLang="en-US" sz="1600" dirty="0">
+              <a:rPr lang="en-US" altLang="en-US" sz="1400" dirty="0">
                 <a:solidFill>
                   <a:srgbClr val="FF0000"/>
                 </a:solidFill>
@@ -13167,7 +13156,7 @@
               <a:t>, drop = </a:t>
             </a:r>
             <a:r>
-              <a:rPr lang="en-US" altLang="en-US" sz="1600" dirty="0" err="1">
+              <a:rPr lang="en-US" altLang="en-US" sz="1400" dirty="0" err="1">
                 <a:solidFill>
                   <a:srgbClr val="FF0000"/>
                 </a:solidFill>
@@ -13176,7 +13165,7 @@
               <a:t>params$drop</a:t>
             </a:r>
             <a:r>
-              <a:rPr lang="en-US" altLang="en-US" sz="1600" dirty="0">
+              <a:rPr lang="en-US" altLang="en-US" sz="1400" dirty="0">
                 <a:solidFill>
                   <a:srgbClr val="FF0000"/>
                 </a:solidFill>
@@ -13195,7 +13184,7 @@
               </a:spcAft>
             </a:pPr>
             <a:r>
-              <a:rPr lang="en-US" altLang="en-US" sz="1600" dirty="0">
+              <a:rPr lang="en-US" altLang="en-US" sz="1400" dirty="0">
                 <a:solidFill>
                   <a:srgbClr val="FF0000"/>
                 </a:solidFill>
@@ -13204,7 +13193,7 @@
               <a:t>  At least one layer must contain all variables used for </a:t>
             </a:r>
             <a:r>
-              <a:rPr lang="en-US" altLang="en-US" sz="1600" dirty="0" err="1">
+              <a:rPr lang="en-US" altLang="en-US" sz="1400" dirty="0" err="1">
                 <a:solidFill>
                   <a:srgbClr val="FF0000"/>
                 </a:solidFill>
@@ -13212,7 +13201,7 @@
               </a:rPr>
               <a:t>facetting</a:t>
             </a:r>
-            <a:endParaRPr lang="en-US" altLang="en-US" sz="1600" dirty="0">
+            <a:endParaRPr lang="en-US" altLang="en-US" sz="1400" dirty="0">
               <a:solidFill>
                 <a:srgbClr val="FF0000"/>
               </a:solidFill>
@@ -13228,7 +13217,7 @@
                 <a:spcPct val="0"/>
               </a:spcAft>
             </a:pPr>
-            <a:endParaRPr lang="en-US" altLang="en-US" sz="1600" dirty="0">
+            <a:endParaRPr lang="en-US" altLang="en-US" sz="1400" dirty="0">
               <a:solidFill>
                 <a:srgbClr val="0070C0"/>
               </a:solidFill>
@@ -13584,8 +13573,8 @@
         </p:nvSpPr>
         <p:spPr bwMode="auto">
           <a:xfrm>
-            <a:off x="1869683" y="1788482"/>
-            <a:ext cx="9484117" cy="984885"/>
+            <a:off x="1869683" y="1850037"/>
+            <a:ext cx="9484117" cy="861774"/>
           </a:xfrm>
           <a:prstGeom prst="rect">
             <a:avLst/>
@@ -13617,7 +13606,7 @@
                 <a:spcPct val="0"/>
               </a:spcAft>
             </a:pPr>
-            <a:endParaRPr lang="en-US" altLang="en-US" sz="1600" dirty="0">
+            <a:endParaRPr lang="en-US" altLang="en-US" sz="1400" dirty="0">
               <a:solidFill>
                 <a:srgbClr val="0070C0"/>
               </a:solidFill>
@@ -13634,7 +13623,7 @@
               </a:spcAft>
             </a:pPr>
             <a:r>
-              <a:rPr lang="en-US" altLang="en-US" sz="1600" dirty="0" err="1">
+              <a:rPr lang="en-US" altLang="en-US" sz="1400" dirty="0" err="1">
                 <a:solidFill>
                   <a:srgbClr val="0070C0"/>
                 </a:solidFill>
@@ -13643,7 +13632,7 @@
               <a:t>ggplot</a:t>
             </a:r>
             <a:r>
-              <a:rPr lang="en-US" altLang="en-US" sz="1600" dirty="0">
+              <a:rPr lang="en-US" altLang="en-US" sz="1400" dirty="0">
                 <a:solidFill>
                   <a:srgbClr val="0070C0"/>
                 </a:solidFill>
@@ -13652,7 +13641,7 @@
               <a:t>(data = titanic, </a:t>
             </a:r>
             <a:r>
-              <a:rPr lang="en-US" altLang="en-US" sz="1600" dirty="0" err="1">
+              <a:rPr lang="en-US" altLang="en-US" sz="1400" dirty="0" err="1">
                 <a:solidFill>
                   <a:srgbClr val="0070C0"/>
                 </a:solidFill>
@@ -13661,7 +13650,7 @@
               <a:t>aes</a:t>
             </a:r>
             <a:r>
-              <a:rPr lang="en-US" altLang="en-US" sz="1600" dirty="0">
+              <a:rPr lang="en-US" altLang="en-US" sz="1400" dirty="0">
                 <a:solidFill>
                   <a:srgbClr val="0070C0"/>
                 </a:solidFill>
@@ -13680,7 +13669,7 @@
               </a:spcAft>
             </a:pPr>
             <a:r>
-              <a:rPr lang="en-US" altLang="en-US" sz="1600" dirty="0">
+              <a:rPr lang="en-US" altLang="en-US" sz="1400" dirty="0">
                 <a:solidFill>
                   <a:srgbClr val="0070C0"/>
                 </a:solidFill>
@@ -13689,7 +13678,7 @@
               <a:t>	</a:t>
             </a:r>
             <a:r>
-              <a:rPr lang="en-US" altLang="en-US" sz="1600" dirty="0" err="1">
+              <a:rPr lang="en-US" altLang="en-US" sz="1400" dirty="0" err="1">
                 <a:solidFill>
                   <a:srgbClr val="0070C0"/>
                 </a:solidFill>
@@ -13698,7 +13687,7 @@
               <a:t>geom_density</a:t>
             </a:r>
             <a:r>
-              <a:rPr lang="en-US" altLang="en-US" sz="1600" dirty="0">
+              <a:rPr lang="en-US" altLang="en-US" sz="1400" dirty="0">
                 <a:solidFill>
                   <a:srgbClr val="0070C0"/>
                 </a:solidFill>
@@ -13707,7 +13696,7 @@
               <a:t>(alpha  0.5) + </a:t>
             </a:r>
             <a:r>
-              <a:rPr lang="en-US" altLang="en-US" sz="1600" dirty="0" err="1">
+              <a:rPr lang="en-US" altLang="en-US" sz="1400" dirty="0" err="1">
                 <a:solidFill>
                   <a:srgbClr val="0070C0"/>
                 </a:solidFill>
@@ -13716,7 +13705,7 @@
               <a:t>facet_grid</a:t>
             </a:r>
             <a:r>
-              <a:rPr lang="en-US" altLang="en-US" sz="1600" dirty="0">
+              <a:rPr lang="en-US" altLang="en-US" sz="1400" dirty="0">
                 <a:solidFill>
                   <a:srgbClr val="0070C0"/>
                 </a:solidFill>
@@ -13734,7 +13723,7 @@
                 <a:spcPct val="0"/>
               </a:spcAft>
             </a:pPr>
-            <a:endParaRPr lang="en-US" altLang="en-US" sz="1600" dirty="0">
+            <a:endParaRPr lang="en-US" altLang="en-US" sz="1400" dirty="0">
               <a:solidFill>
                 <a:srgbClr val="0070C0"/>
               </a:solidFill>
@@ -13831,12 +13820,101 @@
           </a:p>
         </p:txBody>
       </p:sp>
+      <p:sp>
+        <p:nvSpPr>
+          <p:cNvPr id="3" name="TextBox 2">
+            <a:extLst>
+              <a:ext uri="{FF2B5EF4-FFF2-40B4-BE49-F238E27FC236}">
+                <a16:creationId xmlns:a16="http://schemas.microsoft.com/office/drawing/2014/main" id="{9AA0C2F4-5F7D-4128-97EA-FD5A853BF4E2}"/>
+              </a:ext>
+            </a:extLst>
+          </p:cNvPr>
+          <p:cNvSpPr txBox="1"/>
+          <p:nvPr/>
+        </p:nvSpPr>
+        <p:spPr>
+          <a:xfrm>
+            <a:off x="1827363" y="5821010"/>
+            <a:ext cx="8537274" cy="646331"/>
+          </a:xfrm>
+          <a:prstGeom prst="rect">
+            <a:avLst/>
+          </a:prstGeom>
+          <a:noFill/>
+        </p:spPr>
+        <p:txBody>
+          <a:bodyPr wrap="none" rtlCol="0">
+            <a:spAutoFit/>
+          </a:bodyPr>
+          <a:lstStyle/>
+          <a:p>
+            <a:r>
+              <a:rPr lang="en-US" sz="1400" dirty="0" err="1">
+                <a:latin typeface="Lucida Console" panose="020B0609040504020204" pitchFamily="49" charset="0"/>
+              </a:rPr>
+              <a:t>facet_grid</a:t>
+            </a:r>
+            <a:r>
+              <a:rPr lang="en-US" sz="1400" dirty="0">
+                <a:latin typeface="Lucida Console" panose="020B0609040504020204" pitchFamily="49" charset="0"/>
+              </a:rPr>
+              <a:t>()</a:t>
+            </a:r>
+            <a:r>
+              <a:rPr lang="en-US" dirty="0"/>
+              <a:t> (</a:t>
+            </a:r>
+            <a:r>
+              <a:rPr lang="en-US" i="1" dirty="0"/>
+              <a:t>left</a:t>
+            </a:r>
+            <a:r>
+              <a:rPr lang="en-US" dirty="0"/>
+              <a:t>) is </a:t>
+            </a:r>
+            <a:r>
+              <a:rPr lang="en-US" dirty="0" err="1"/>
+              <a:t>fundamentaly</a:t>
+            </a:r>
+            <a:r>
+              <a:rPr lang="en-US" dirty="0"/>
+              <a:t> 2d, being made up of two independent components.</a:t>
+            </a:r>
+          </a:p>
+          <a:p>
+            <a:r>
+              <a:rPr lang="en-US" sz="1400" dirty="0" err="1">
+                <a:latin typeface="Lucida Console" panose="020B0609040504020204" pitchFamily="49" charset="0"/>
+              </a:rPr>
+              <a:t>facet_wrap</a:t>
+            </a:r>
+            <a:r>
+              <a:rPr lang="en-US" sz="1400" dirty="0">
+                <a:latin typeface="Lucida Console" panose="020B0609040504020204" pitchFamily="49" charset="0"/>
+              </a:rPr>
+              <a:t>()</a:t>
+            </a:r>
+            <a:r>
+              <a:rPr lang="en-US" dirty="0"/>
+              <a:t> (</a:t>
+            </a:r>
+            <a:r>
+              <a:rPr lang="en-US" i="1" dirty="0"/>
+              <a:t>right</a:t>
+            </a:r>
+            <a:r>
+              <a:rPr lang="en-US" dirty="0"/>
+              <a:t>) is 1d, but wrapped into 2d to save space. (Wickham, 2016)</a:t>
+            </a:r>
+          </a:p>
+        </p:txBody>
+      </p:sp>
       <p:pic>
         <p:nvPicPr>
-          <p:cNvPr id="5" name="Content Placeholder 4">
-            <a:extLst>
-              <a:ext uri="{FF2B5EF4-FFF2-40B4-BE49-F238E27FC236}">
-                <a16:creationId xmlns:a16="http://schemas.microsoft.com/office/drawing/2014/main" id="{28A2DB1B-D8B8-4A4A-8F62-783B33D5B528}"/>
+          <p:cNvPr id="7" name="Content Placeholder 6">
+            <a:extLst>
+              <a:ext uri="{FF2B5EF4-FFF2-40B4-BE49-F238E27FC236}">
+                <a16:creationId xmlns:a16="http://schemas.microsoft.com/office/drawing/2014/main" id="{86190729-DEC5-4307-9FFF-C118EBABC6FE}"/>
               </a:ext>
             </a:extLst>
           </p:cNvPr>
@@ -13847,15 +13925,16 @@
             <p:ph idx="1"/>
           </p:nvPr>
         </p:nvPicPr>
-        <p:blipFill rotWithShape="1">
+        <p:blipFill>
           <a:blip r:embed="rId2"/>
-          <a:srcRect l="26719" t="16373" r="20937" b="28624"/>
-          <a:stretch/>
+          <a:stretch>
+            <a:fillRect/>
+          </a:stretch>
         </p:blipFill>
         <p:spPr>
           <a:xfrm>
-            <a:off x="2690722" y="1873617"/>
-            <a:ext cx="6810556" cy="4023579"/>
+            <a:off x="2374604" y="1717675"/>
+            <a:ext cx="7442792" cy="3944400"/>
           </a:xfrm>
           <a:prstGeom prst="rect">
             <a:avLst/>
@@ -13959,7 +14038,7 @@
           <a:p>
             <a:pPr algn="ctr"/>
             <a:r>
-              <a:rPr lang="en-US" sz="1600" dirty="0" err="1">
+              <a:rPr lang="en-US" sz="1400" dirty="0" err="1">
                 <a:solidFill>
                   <a:schemeClr val="accent1">
                     <a:lumMod val="75000"/>
@@ -13970,7 +14049,7 @@
               <a:t>facet_grid</a:t>
             </a:r>
             <a:r>
-              <a:rPr lang="en-US" sz="1600" dirty="0">
+              <a:rPr lang="en-US" sz="1400" dirty="0">
                 <a:solidFill>
                   <a:schemeClr val="accent1">
                     <a:lumMod val="75000"/>
@@ -13981,7 +14060,7 @@
               <a:t>(Sex ~ </a:t>
             </a:r>
             <a:r>
-              <a:rPr lang="en-US" sz="1600" dirty="0" err="1">
+              <a:rPr lang="en-US" sz="1400" dirty="0" err="1">
                 <a:solidFill>
                   <a:schemeClr val="accent1">
                     <a:lumMod val="75000"/>
@@ -13992,7 +14071,7 @@
               <a:t>Pclass</a:t>
             </a:r>
             <a:r>
-              <a:rPr lang="en-US" sz="1600" dirty="0">
+              <a:rPr lang="en-US" sz="1400" dirty="0">
                 <a:solidFill>
                   <a:schemeClr val="accent1">
                     <a:lumMod val="75000"/>
@@ -14062,7 +14141,7 @@
           <a:p>
             <a:pPr algn="ctr"/>
             <a:r>
-              <a:rPr lang="en-US" sz="1600" dirty="0" err="1">
+              <a:rPr lang="en-US" sz="1400" dirty="0" err="1">
                 <a:solidFill>
                   <a:schemeClr val="accent1">
                     <a:lumMod val="75000"/>
@@ -14073,7 +14152,7 @@
               <a:t>facet_wrap</a:t>
             </a:r>
             <a:r>
-              <a:rPr lang="en-US" sz="1600" dirty="0">
+              <a:rPr lang="en-US" sz="1400" dirty="0">
                 <a:solidFill>
                   <a:schemeClr val="accent1">
                     <a:lumMod val="75000"/>
@@ -14084,7 +14163,7 @@
               <a:t>(Sex ~ </a:t>
             </a:r>
             <a:r>
-              <a:rPr lang="en-US" sz="1600" dirty="0" err="1">
+              <a:rPr lang="en-US" sz="1400" dirty="0" err="1">
                 <a:solidFill>
                   <a:schemeClr val="accent1">
                     <a:lumMod val="75000"/>
@@ -14095,7 +14174,7 @@
               <a:t>Pclass</a:t>
             </a:r>
             <a:r>
-              <a:rPr lang="en-US" sz="1600" dirty="0">
+              <a:rPr lang="en-US" sz="1400" dirty="0">
                 <a:solidFill>
                   <a:schemeClr val="accent1">
                     <a:lumMod val="75000"/>
@@ -14279,8 +14358,8 @@
         </p:nvSpPr>
         <p:spPr bwMode="auto">
           <a:xfrm>
-            <a:off x="1869683" y="1741572"/>
-            <a:ext cx="9484117" cy="1231106"/>
+            <a:off x="1869683" y="1818516"/>
+            <a:ext cx="9484117" cy="1077218"/>
           </a:xfrm>
           <a:prstGeom prst="rect">
             <a:avLst/>
@@ -14312,7 +14391,7 @@
                 <a:spcPct val="0"/>
               </a:spcAft>
             </a:pPr>
-            <a:endParaRPr lang="en-US" altLang="en-US" sz="1600" dirty="0">
+            <a:endParaRPr lang="en-US" altLang="en-US" sz="1400" dirty="0">
               <a:solidFill>
                 <a:srgbClr val="0070C0"/>
               </a:solidFill>
@@ -14329,7 +14408,7 @@
               </a:spcAft>
             </a:pPr>
             <a:r>
-              <a:rPr lang="en-US" altLang="en-US" sz="1600" dirty="0">
+              <a:rPr lang="en-US" altLang="en-US" sz="1400" dirty="0">
                 <a:solidFill>
                   <a:srgbClr val="0070C0"/>
                 </a:solidFill>
@@ -14338,7 +14417,7 @@
               <a:t>g &lt;- </a:t>
             </a:r>
             <a:r>
-              <a:rPr lang="en-US" altLang="en-US" sz="1600" dirty="0" err="1">
+              <a:rPr lang="en-US" altLang="en-US" sz="1400" dirty="0" err="1">
                 <a:solidFill>
                   <a:srgbClr val="0070C0"/>
                 </a:solidFill>
@@ -14347,7 +14426,7 @@
               <a:t>ggplot</a:t>
             </a:r>
             <a:r>
-              <a:rPr lang="en-US" altLang="en-US" sz="1600" dirty="0">
+              <a:rPr lang="en-US" altLang="en-US" sz="1400" dirty="0">
                 <a:solidFill>
                   <a:srgbClr val="0070C0"/>
                 </a:solidFill>
@@ -14356,7 +14435,7 @@
               <a:t>(data = titanic, </a:t>
             </a:r>
             <a:r>
-              <a:rPr lang="en-US" altLang="en-US" sz="1600" dirty="0" err="1">
+              <a:rPr lang="en-US" altLang="en-US" sz="1400" dirty="0" err="1">
                 <a:solidFill>
                   <a:srgbClr val="0070C0"/>
                 </a:solidFill>
@@ -14365,7 +14444,7 @@
               <a:t>aes</a:t>
             </a:r>
             <a:r>
-              <a:rPr lang="en-US" altLang="en-US" sz="1600" dirty="0">
+              <a:rPr lang="en-US" altLang="en-US" sz="1400" dirty="0">
                 <a:solidFill>
                   <a:srgbClr val="0070C0"/>
                 </a:solidFill>
@@ -14384,7 +14463,7 @@
               </a:spcAft>
             </a:pPr>
             <a:r>
-              <a:rPr lang="en-US" altLang="en-US" sz="1600" dirty="0">
+              <a:rPr lang="en-US" altLang="en-US" sz="1400" dirty="0">
                 <a:solidFill>
                   <a:srgbClr val="0070C0"/>
                 </a:solidFill>
@@ -14393,7 +14472,7 @@
               <a:t>	</a:t>
             </a:r>
             <a:r>
-              <a:rPr lang="en-US" altLang="en-US" sz="1600" dirty="0" err="1">
+              <a:rPr lang="en-US" altLang="en-US" sz="1400" dirty="0" err="1">
                 <a:solidFill>
                   <a:srgbClr val="0070C0"/>
                 </a:solidFill>
@@ -14402,7 +14481,7 @@
               <a:t>geom_density</a:t>
             </a:r>
             <a:r>
-              <a:rPr lang="en-US" altLang="en-US" sz="1600" dirty="0">
+              <a:rPr lang="en-US" altLang="en-US" sz="1400" dirty="0">
                 <a:solidFill>
                   <a:srgbClr val="0070C0"/>
                 </a:solidFill>
@@ -14411,7 +14490,7 @@
               <a:t>(alpha  0.5) + </a:t>
             </a:r>
             <a:r>
-              <a:rPr lang="en-US" altLang="en-US" sz="1600" dirty="0" err="1">
+              <a:rPr lang="en-US" altLang="en-US" sz="1400" dirty="0" err="1">
                 <a:solidFill>
                   <a:srgbClr val="0070C0"/>
                 </a:solidFill>
@@ -14420,7 +14499,7 @@
               <a:t>facet_grid</a:t>
             </a:r>
             <a:r>
-              <a:rPr lang="en-US" altLang="en-US" sz="1600" dirty="0">
+              <a:rPr lang="en-US" altLang="en-US" sz="1400" dirty="0">
                 <a:solidFill>
                   <a:srgbClr val="0070C0"/>
                 </a:solidFill>
@@ -14439,7 +14518,7 @@
               </a:spcAft>
             </a:pPr>
             <a:r>
-              <a:rPr lang="en-US" altLang="en-US" sz="1600" dirty="0">
+              <a:rPr lang="en-US" altLang="en-US" sz="1400" dirty="0">
                 <a:solidFill>
                   <a:srgbClr val="0070C0"/>
                 </a:solidFill>
@@ -14457,7 +14536,7 @@
                 <a:spcPct val="0"/>
               </a:spcAft>
             </a:pPr>
-            <a:endParaRPr lang="en-US" altLang="en-US" sz="1600" dirty="0">
+            <a:endParaRPr lang="en-US" altLang="en-US" sz="1400" dirty="0">
               <a:solidFill>
                 <a:srgbClr val="0070C0"/>
               </a:solidFill>
@@ -14600,8 +14679,8 @@
         </p:nvSpPr>
         <p:spPr bwMode="auto">
           <a:xfrm>
-            <a:off x="1869683" y="1778243"/>
-            <a:ext cx="9484117" cy="738664"/>
+            <a:off x="1869683" y="1824409"/>
+            <a:ext cx="9484117" cy="646331"/>
           </a:xfrm>
           <a:prstGeom prst="rect">
             <a:avLst/>
@@ -14633,7 +14712,7 @@
                 <a:spcPct val="0"/>
               </a:spcAft>
             </a:pPr>
-            <a:endParaRPr lang="en-US" altLang="en-US" sz="1600" dirty="0">
+            <a:endParaRPr lang="en-US" altLang="en-US" sz="1400" dirty="0">
               <a:solidFill>
                 <a:srgbClr val="0070C0"/>
               </a:solidFill>
@@ -14650,7 +14729,7 @@
               </a:spcAft>
             </a:pPr>
             <a:r>
-              <a:rPr lang="en-US" altLang="en-US" sz="1600" dirty="0">
+              <a:rPr lang="en-US" altLang="en-US" sz="1400" dirty="0">
                 <a:solidFill>
                   <a:srgbClr val="0070C0"/>
                 </a:solidFill>
@@ -14668,7 +14747,7 @@
                 <a:spcPct val="0"/>
               </a:spcAft>
             </a:pPr>
-            <a:endParaRPr lang="en-US" altLang="en-US" sz="1600" dirty="0">
+            <a:endParaRPr lang="en-US" altLang="en-US" sz="1400" dirty="0">
               <a:solidFill>
                 <a:srgbClr val="0070C0"/>
               </a:solidFill>
@@ -14781,8 +14860,8 @@
         </p:nvSpPr>
         <p:spPr bwMode="auto">
           <a:xfrm>
-            <a:off x="1869683" y="1712283"/>
-            <a:ext cx="9484117" cy="984885"/>
+            <a:off x="1869683" y="1773838"/>
+            <a:ext cx="9484117" cy="861774"/>
           </a:xfrm>
           <a:prstGeom prst="rect">
             <a:avLst/>
@@ -14814,7 +14893,7 @@
                 <a:spcPct val="0"/>
               </a:spcAft>
             </a:pPr>
-            <a:endParaRPr lang="en-US" altLang="en-US" sz="1600" dirty="0">
+            <a:endParaRPr lang="en-US" altLang="en-US" sz="1400" dirty="0">
               <a:solidFill>
                 <a:srgbClr val="0070C0"/>
               </a:solidFill>
@@ -14831,7 +14910,7 @@
               </a:spcAft>
             </a:pPr>
             <a:r>
-              <a:rPr lang="en-US" altLang="en-US" sz="1600" dirty="0">
+              <a:rPr lang="en-US" altLang="en-US" sz="1400" dirty="0">
                 <a:solidFill>
                   <a:srgbClr val="0070C0"/>
                 </a:solidFill>
@@ -14850,7 +14929,7 @@
               </a:spcAft>
             </a:pPr>
             <a:r>
-              <a:rPr lang="en-US" altLang="en-US" sz="1600" dirty="0">
+              <a:rPr lang="en-US" altLang="en-US" sz="1400" dirty="0">
                 <a:solidFill>
                   <a:srgbClr val="0070C0"/>
                 </a:solidFill>
@@ -14868,7 +14947,7 @@
                 <a:spcPct val="0"/>
               </a:spcAft>
             </a:pPr>
-            <a:endParaRPr lang="en-US" altLang="en-US" sz="1600" dirty="0">
+            <a:endParaRPr lang="en-US" altLang="en-US" sz="1400" dirty="0">
               <a:solidFill>
                 <a:srgbClr val="0070C0"/>
               </a:solidFill>
@@ -15052,8 +15131,8 @@
         </p:nvSpPr>
         <p:spPr bwMode="auto">
           <a:xfrm>
-            <a:off x="1869683" y="1589173"/>
-            <a:ext cx="9484117" cy="1231106"/>
+            <a:off x="1869683" y="1666117"/>
+            <a:ext cx="9484117" cy="1077218"/>
           </a:xfrm>
           <a:prstGeom prst="rect">
             <a:avLst/>
@@ -15085,7 +15164,7 @@
                 <a:spcPct val="0"/>
               </a:spcAft>
             </a:pPr>
-            <a:endParaRPr lang="en-US" altLang="en-US" sz="1600" dirty="0">
+            <a:endParaRPr lang="en-US" altLang="en-US" sz="1400" dirty="0">
               <a:solidFill>
                 <a:srgbClr val="0070C0"/>
               </a:solidFill>
@@ -15102,7 +15181,7 @@
               </a:spcAft>
             </a:pPr>
             <a:r>
-              <a:rPr lang="en-US" altLang="en-US" sz="1600" dirty="0">
+              <a:rPr lang="en-US" altLang="en-US" sz="1400" dirty="0">
                 <a:solidFill>
                   <a:srgbClr val="0070C0"/>
                 </a:solidFill>
@@ -15121,7 +15200,7 @@
               </a:spcAft>
             </a:pPr>
             <a:r>
-              <a:rPr lang="en-US" altLang="en-US" sz="1600" dirty="0">
+              <a:rPr lang="en-US" altLang="en-US" sz="1400" dirty="0">
                 <a:solidFill>
                   <a:srgbClr val="0070C0"/>
                 </a:solidFill>
@@ -15140,7 +15219,7 @@
               </a:spcAft>
             </a:pPr>
             <a:r>
-              <a:rPr lang="en-US" altLang="en-US" sz="1600" dirty="0">
+              <a:rPr lang="en-US" altLang="en-US" sz="1400" dirty="0">
                 <a:solidFill>
                   <a:srgbClr val="0070C0"/>
                 </a:solidFill>
@@ -15149,7 +15228,7 @@
               <a:t>z + </a:t>
             </a:r>
             <a:r>
-              <a:rPr lang="en-US" altLang="en-US" sz="1600" dirty="0" err="1">
+              <a:rPr lang="en-US" altLang="en-US" sz="1400" dirty="0" err="1">
                 <a:solidFill>
                   <a:srgbClr val="0070C0"/>
                 </a:solidFill>
@@ -15158,7 +15237,7 @@
               <a:t>theme_grey</a:t>
             </a:r>
             <a:r>
-              <a:rPr lang="en-US" altLang="en-US" sz="1600" dirty="0">
+              <a:rPr lang="en-US" altLang="en-US" sz="1400" dirty="0">
                 <a:solidFill>
                   <a:srgbClr val="0070C0"/>
                 </a:solidFill>
@@ -15176,7 +15255,7 @@
                 <a:spcPct val="0"/>
               </a:spcAft>
             </a:pPr>
-            <a:endParaRPr lang="en-US" altLang="en-US" sz="1600" dirty="0">
+            <a:endParaRPr lang="en-US" altLang="en-US" sz="1400" dirty="0">
               <a:solidFill>
                 <a:srgbClr val="0070C0"/>
               </a:solidFill>
@@ -15267,8 +15346,8 @@
         </p:nvSpPr>
         <p:spPr bwMode="auto">
           <a:xfrm>
-            <a:off x="1869683" y="1835395"/>
-            <a:ext cx="9484117" cy="738664"/>
+            <a:off x="1869683" y="1881561"/>
+            <a:ext cx="9484117" cy="646331"/>
           </a:xfrm>
           <a:prstGeom prst="rect">
             <a:avLst/>
@@ -15300,7 +15379,7 @@
                 <a:spcPct val="0"/>
               </a:spcAft>
             </a:pPr>
-            <a:endParaRPr lang="en-US" altLang="en-US" sz="1600" dirty="0">
+            <a:endParaRPr lang="en-US" altLang="en-US" sz="1400" dirty="0">
               <a:solidFill>
                 <a:srgbClr val="0070C0"/>
               </a:solidFill>
@@ -15317,7 +15396,7 @@
               </a:spcAft>
             </a:pPr>
             <a:r>
-              <a:rPr lang="en-US" altLang="en-US" sz="1600" dirty="0">
+              <a:rPr lang="en-US" altLang="en-US" sz="1400" dirty="0">
                 <a:solidFill>
                   <a:srgbClr val="0070C0"/>
                 </a:solidFill>
@@ -15326,7 +15405,7 @@
               <a:t>z + </a:t>
             </a:r>
             <a:r>
-              <a:rPr lang="en-US" altLang="en-US" sz="1600" dirty="0" err="1">
+              <a:rPr lang="en-US" altLang="en-US" sz="1400" dirty="0" err="1">
                 <a:solidFill>
                   <a:srgbClr val="0070C0"/>
                 </a:solidFill>
@@ -15335,7 +15414,7 @@
               <a:t>theme_bw</a:t>
             </a:r>
             <a:r>
-              <a:rPr lang="en-US" altLang="en-US" sz="1600" dirty="0">
+              <a:rPr lang="en-US" altLang="en-US" sz="1400" dirty="0">
                 <a:solidFill>
                   <a:srgbClr val="0070C0"/>
                 </a:solidFill>
@@ -15353,7 +15432,7 @@
                 <a:spcPct val="0"/>
               </a:spcAft>
             </a:pPr>
-            <a:endParaRPr lang="en-US" altLang="en-US" sz="1600" dirty="0">
+            <a:endParaRPr lang="en-US" altLang="en-US" sz="1400" dirty="0">
               <a:solidFill>
                 <a:srgbClr val="0070C0"/>
               </a:solidFill>
@@ -15490,7 +15569,7 @@
             </a:pPr>
             <a:r>
               <a:rPr lang="en-US" sz="18500" dirty="0"/>
-              <a:t>Understand and able to create data visualization using ggplot2 package</a:t>
+              <a:t>understand and able to create data visualization using ggplot2 package</a:t>
             </a:r>
             <a:endParaRPr lang="en-US" sz="5500" dirty="0"/>
           </a:p>
@@ -15526,7 +15605,7 @@
               <a:buNone/>
             </a:pPr>
             <a:r>
-              <a:rPr lang="en-US" sz="5600" dirty="0"/>
+              <a:rPr lang="en-US" sz="7200" dirty="0"/>
               <a:t>Source and code can be downloaded from </a:t>
             </a:r>
           </a:p>
@@ -15535,12 +15614,38 @@
               <a:buNone/>
             </a:pPr>
             <a:r>
-              <a:rPr lang="en-US" sz="5600" dirty="0">
+              <a:rPr lang="en-US" sz="7200" dirty="0">
                 <a:hlinkClick r:id="rId2"/>
               </a:rPr>
               <a:t>https://github.com/aephidayatuloh/DataViz-Introggplot2</a:t>
             </a:r>
-            <a:endParaRPr lang="en-US" sz="5600" dirty="0"/>
+            <a:endParaRPr lang="en-US" sz="7200" dirty="0"/>
+          </a:p>
+          <a:p>
+            <a:pPr marL="457200" lvl="1" indent="-457200">
+              <a:buNone/>
+            </a:pPr>
+            <a:r>
+              <a:rPr lang="en-US" sz="7200" dirty="0"/>
+              <a:t>Reference</a:t>
+            </a:r>
+          </a:p>
+          <a:p>
+            <a:pPr marL="457200" lvl="1" indent="6350">
+              <a:buNone/>
+            </a:pPr>
+            <a:r>
+              <a:rPr lang="en-US" sz="7200" dirty="0"/>
+              <a:t>Wickham, H. 2016. </a:t>
+            </a:r>
+            <a:r>
+              <a:rPr lang="en-US" sz="7200" i="1" dirty="0"/>
+              <a:t>ggplot2 : Elegant Graphics for Data Analysis Second Edition</a:t>
+            </a:r>
+            <a:r>
+              <a:rPr lang="en-US" sz="7200" dirty="0"/>
+              <a:t>. Springer: Texas.</a:t>
+            </a:r>
           </a:p>
         </p:txBody>
       </p:sp>
@@ -15656,8 +15761,8 @@
         </p:nvSpPr>
         <p:spPr bwMode="auto">
           <a:xfrm>
-            <a:off x="1869683" y="1835395"/>
-            <a:ext cx="9484117" cy="738664"/>
+            <a:off x="1869683" y="1881561"/>
+            <a:ext cx="9484117" cy="646331"/>
           </a:xfrm>
           <a:prstGeom prst="rect">
             <a:avLst/>
@@ -15689,7 +15794,7 @@
                 <a:spcPct val="0"/>
               </a:spcAft>
             </a:pPr>
-            <a:endParaRPr lang="en-US" altLang="en-US" sz="1600" dirty="0">
+            <a:endParaRPr lang="en-US" altLang="en-US" sz="1400" dirty="0">
               <a:solidFill>
                 <a:srgbClr val="0070C0"/>
               </a:solidFill>
@@ -15706,7 +15811,7 @@
               </a:spcAft>
             </a:pPr>
             <a:r>
-              <a:rPr lang="en-US" altLang="en-US" sz="1600" dirty="0">
+              <a:rPr lang="en-US" altLang="en-US" sz="1400" dirty="0">
                 <a:solidFill>
                   <a:srgbClr val="0070C0"/>
                 </a:solidFill>
@@ -15715,7 +15820,7 @@
               <a:t>z + </a:t>
             </a:r>
             <a:r>
-              <a:rPr lang="en-US" altLang="en-US" sz="1600" dirty="0" err="1">
+              <a:rPr lang="en-US" altLang="en-US" sz="1400" dirty="0" err="1">
                 <a:solidFill>
                   <a:srgbClr val="0070C0"/>
                 </a:solidFill>
@@ -15724,7 +15829,7 @@
               <a:t>theme_classic</a:t>
             </a:r>
             <a:r>
-              <a:rPr lang="en-US" altLang="en-US" sz="1600" dirty="0">
+              <a:rPr lang="en-US" altLang="en-US" sz="1400" dirty="0">
                 <a:solidFill>
                   <a:srgbClr val="0070C0"/>
                 </a:solidFill>
@@ -15742,7 +15847,7 @@
                 <a:spcPct val="0"/>
               </a:spcAft>
             </a:pPr>
-            <a:endParaRPr lang="en-US" altLang="en-US" sz="1600" dirty="0">
+            <a:endParaRPr lang="en-US" altLang="en-US" sz="1400" dirty="0">
               <a:solidFill>
                 <a:srgbClr val="0070C0"/>
               </a:solidFill>
@@ -15783,17 +15888,19 @@
       </p:grpSpPr>
       <p:pic>
         <p:nvPicPr>
-          <p:cNvPr id="3" name="Picture 2">
-            <a:extLst>
-              <a:ext uri="{FF2B5EF4-FFF2-40B4-BE49-F238E27FC236}">
-                <a16:creationId xmlns:a16="http://schemas.microsoft.com/office/drawing/2014/main" id="{8B30B241-DE09-4FC9-B955-5F1F198BBC22}"/>
+          <p:cNvPr id="5" name="Content Placeholder 5">
+            <a:extLst>
+              <a:ext uri="{FF2B5EF4-FFF2-40B4-BE49-F238E27FC236}">
+                <a16:creationId xmlns:a16="http://schemas.microsoft.com/office/drawing/2014/main" id="{092399F1-5E6B-4FBB-8B45-D3338CBB97A7}"/>
               </a:ext>
             </a:extLst>
           </p:cNvPr>
           <p:cNvPicPr>
-            <a:picLocks noChangeAspect="1"/>
+            <a:picLocks noGrp="1" noChangeAspect="1"/>
           </p:cNvPicPr>
-          <p:nvPr/>
+          <p:nvPr>
+            <p:ph idx="1"/>
+          </p:nvPr>
         </p:nvPicPr>
         <p:blipFill>
           <a:blip r:embed="rId2"/>
@@ -15803,8 +15910,8 @@
         </p:blipFill>
         <p:spPr>
           <a:xfrm>
-            <a:off x="1543619" y="2714505"/>
-            <a:ext cx="5581081" cy="3876399"/>
+            <a:off x="1543620" y="2714504"/>
+            <a:ext cx="5581080" cy="3876399"/>
           </a:xfrm>
           <a:prstGeom prst="rect">
             <a:avLst/>
@@ -15834,15 +15941,7 @@
           <a:p>
             <a:r>
               <a:rPr lang="en-US" sz="4400" dirty="0"/>
-              <a:t>Theme: </a:t>
-            </a:r>
-            <a:r>
-              <a:rPr lang="en-US" sz="4400" dirty="0" err="1"/>
-              <a:t>theme_classic</a:t>
-            </a:r>
-            <a:r>
-              <a:rPr lang="en-US" sz="4400" dirty="0"/>
-              <a:t>()</a:t>
+              <a:t>Theme: theme()</a:t>
             </a:r>
           </a:p>
         </p:txBody>
@@ -15863,8 +15962,8 @@
         </p:nvSpPr>
         <p:spPr bwMode="auto">
           <a:xfrm>
-            <a:off x="1869683" y="1835395"/>
-            <a:ext cx="9484117" cy="738664"/>
+            <a:off x="1869683" y="1881561"/>
+            <a:ext cx="9484117" cy="646331"/>
           </a:xfrm>
           <a:prstGeom prst="rect">
             <a:avLst/>
@@ -15896,7 +15995,7 @@
                 <a:spcPct val="0"/>
               </a:spcAft>
             </a:pPr>
-            <a:endParaRPr lang="en-US" altLang="en-US" sz="1600" dirty="0">
+            <a:endParaRPr lang="en-US" altLang="en-US" sz="1400" dirty="0">
               <a:solidFill>
                 <a:srgbClr val="0070C0"/>
               </a:solidFill>
@@ -15913,31 +16012,49 @@
               </a:spcAft>
             </a:pPr>
             <a:r>
-              <a:rPr lang="en-US" altLang="en-US" sz="1600" dirty="0">
-                <a:solidFill>
-                  <a:srgbClr val="0070C0"/>
-                </a:solidFill>
-                <a:latin typeface="Lucida Console" panose="020B0609040504020204" pitchFamily="49" charset="0"/>
-              </a:rPr>
-              <a:t>z + </a:t>
-            </a:r>
-            <a:r>
-              <a:rPr lang="en-US" altLang="en-US" sz="1600" dirty="0" err="1">
-                <a:solidFill>
-                  <a:srgbClr val="0070C0"/>
-                </a:solidFill>
-                <a:latin typeface="Lucida Console" panose="020B0609040504020204" pitchFamily="49" charset="0"/>
-              </a:rPr>
-              <a:t>theme_classic</a:t>
-            </a:r>
-            <a:r>
-              <a:rPr lang="en-US" altLang="en-US" sz="1600" dirty="0">
-                <a:solidFill>
-                  <a:srgbClr val="0070C0"/>
-                </a:solidFill>
-                <a:latin typeface="Lucida Console" panose="020B0609040504020204" pitchFamily="49" charset="0"/>
-              </a:rPr>
-              <a:t>()</a:t>
+              <a:rPr lang="en-US" altLang="en-US" sz="1400" dirty="0">
+                <a:solidFill>
+                  <a:srgbClr val="0070C0"/>
+                </a:solidFill>
+                <a:latin typeface="Lucida Console" panose="020B0609040504020204" pitchFamily="49" charset="0"/>
+              </a:rPr>
+              <a:t>z + theme(</a:t>
+            </a:r>
+            <a:r>
+              <a:rPr lang="en-US" altLang="en-US" sz="1400" dirty="0" err="1">
+                <a:solidFill>
+                  <a:srgbClr val="0070C0"/>
+                </a:solidFill>
+                <a:latin typeface="Lucida Console" panose="020B0609040504020204" pitchFamily="49" charset="0"/>
+              </a:rPr>
+              <a:t>axis.title</a:t>
+            </a:r>
+            <a:r>
+              <a:rPr lang="en-US" altLang="en-US" sz="1400" dirty="0">
+                <a:solidFill>
+                  <a:srgbClr val="0070C0"/>
+                </a:solidFill>
+                <a:latin typeface="Lucida Console" panose="020B0609040504020204" pitchFamily="49" charset="0"/>
+              </a:rPr>
+              <a:t> = </a:t>
+            </a:r>
+            <a:r>
+              <a:rPr lang="en-US" altLang="en-US" sz="1400" dirty="0" err="1">
+                <a:solidFill>
+                  <a:srgbClr val="0070C0"/>
+                </a:solidFill>
+                <a:latin typeface="Lucida Console" panose="020B0609040504020204" pitchFamily="49" charset="0"/>
+              </a:rPr>
+              <a:t>element_text</a:t>
+            </a:r>
+            <a:r>
+              <a:rPr lang="en-US" altLang="en-US" sz="1400" dirty="0">
+                <a:solidFill>
+                  <a:srgbClr val="0070C0"/>
+                </a:solidFill>
+                <a:latin typeface="Lucida Console" panose="020B0609040504020204" pitchFamily="49" charset="0"/>
+              </a:rPr>
+              <a:t>(size = 20))</a:t>
             </a:r>
           </a:p>
           <a:p>
@@ -15949,7 +16066,7 @@
                 <a:spcPct val="0"/>
               </a:spcAft>
             </a:pPr>
-            <a:endParaRPr lang="en-US" altLang="en-US" sz="1600" dirty="0">
+            <a:endParaRPr lang="en-US" altLang="en-US" sz="1400" dirty="0">
               <a:solidFill>
                 <a:srgbClr val="0070C0"/>
               </a:solidFill>
@@ -15961,7 +16078,7 @@
     </p:spTree>
     <p:extLst>
       <p:ext uri="{BB962C8B-B14F-4D97-AF65-F5344CB8AC3E}">
-        <p14:creationId xmlns:p14="http://schemas.microsoft.com/office/powerpoint/2010/main" val="3603443890"/>
+        <p14:creationId xmlns:p14="http://schemas.microsoft.com/office/powerpoint/2010/main" val="3507160122"/>
       </p:ext>
     </p:extLst>
   </p:cSld>
@@ -15990,19 +16107,17 @@
       </p:grpSpPr>
       <p:pic>
         <p:nvPicPr>
-          <p:cNvPr id="5" name="Content Placeholder 5">
-            <a:extLst>
-              <a:ext uri="{FF2B5EF4-FFF2-40B4-BE49-F238E27FC236}">
-                <a16:creationId xmlns:a16="http://schemas.microsoft.com/office/drawing/2014/main" id="{092399F1-5E6B-4FBB-8B45-D3338CBB97A7}"/>
+          <p:cNvPr id="3" name="Picture 2">
+            <a:extLst>
+              <a:ext uri="{FF2B5EF4-FFF2-40B4-BE49-F238E27FC236}">
+                <a16:creationId xmlns:a16="http://schemas.microsoft.com/office/drawing/2014/main" id="{BAF9E2C2-D8D8-4015-BA7D-40104879342C}"/>
               </a:ext>
             </a:extLst>
           </p:cNvPr>
           <p:cNvPicPr>
-            <a:picLocks noGrp="1" noChangeAspect="1"/>
+            <a:picLocks noChangeAspect="1"/>
           </p:cNvPicPr>
-          <p:nvPr>
-            <p:ph idx="1"/>
-          </p:nvPr>
+          <p:nvPr/>
         </p:nvPicPr>
         <p:blipFill>
           <a:blip r:embed="rId2"/>
@@ -16012,8 +16127,8 @@
         </p:blipFill>
         <p:spPr>
           <a:xfrm>
-            <a:off x="1543620" y="2714504"/>
-            <a:ext cx="5581080" cy="3876399"/>
+            <a:off x="1543619" y="2771656"/>
+            <a:ext cx="5581080" cy="3876398"/>
           </a:xfrm>
           <a:prstGeom prst="rect">
             <a:avLst/>
@@ -16064,8 +16179,8 @@
         </p:nvSpPr>
         <p:spPr bwMode="auto">
           <a:xfrm>
-            <a:off x="1869683" y="1835395"/>
-            <a:ext cx="9484117" cy="738664"/>
+            <a:off x="1869683" y="1773840"/>
+            <a:ext cx="9484117" cy="861774"/>
           </a:xfrm>
           <a:prstGeom prst="rect">
             <a:avLst/>
@@ -16097,7 +16212,7 @@
                 <a:spcPct val="0"/>
               </a:spcAft>
             </a:pPr>
-            <a:endParaRPr lang="en-US" altLang="en-US" sz="1600" dirty="0">
+            <a:endParaRPr lang="en-US" altLang="en-US" sz="1400" dirty="0">
               <a:solidFill>
                 <a:srgbClr val="0070C0"/>
               </a:solidFill>
@@ -16114,7 +16229,7 @@
               </a:spcAft>
             </a:pPr>
             <a:r>
-              <a:rPr lang="en-US" altLang="en-US" sz="1600" dirty="0">
+              <a:rPr lang="en-US" altLang="en-US" sz="1400" dirty="0">
                 <a:solidFill>
                   <a:srgbClr val="0070C0"/>
                 </a:solidFill>
@@ -16123,7 +16238,7 @@
               <a:t>z + theme(</a:t>
             </a:r>
             <a:r>
-              <a:rPr lang="en-US" altLang="en-US" sz="1600" dirty="0" err="1">
+              <a:rPr lang="en-US" altLang="en-US" sz="1400" dirty="0" err="1">
                 <a:solidFill>
                   <a:srgbClr val="0070C0"/>
                 </a:solidFill>
@@ -16132,7 +16247,7 @@
               <a:t>axis.title</a:t>
             </a:r>
             <a:r>
-              <a:rPr lang="en-US" altLang="en-US" sz="1600" dirty="0">
+              <a:rPr lang="en-US" altLang="en-US" sz="1400" dirty="0">
                 <a:solidFill>
                   <a:srgbClr val="0070C0"/>
                 </a:solidFill>
@@ -16141,7 +16256,7 @@
               <a:t> = </a:t>
             </a:r>
             <a:r>
-              <a:rPr lang="en-US" altLang="en-US" sz="1600" dirty="0" err="1">
+              <a:rPr lang="en-US" altLang="en-US" sz="1400" dirty="0" err="1">
                 <a:solidFill>
                   <a:srgbClr val="0070C0"/>
                 </a:solidFill>
@@ -16150,13 +16265,77 @@
               <a:t>element_text</a:t>
             </a:r>
             <a:r>
-              <a:rPr lang="en-US" altLang="en-US" sz="1600" dirty="0">
-                <a:solidFill>
-                  <a:srgbClr val="0070C0"/>
-                </a:solidFill>
-                <a:latin typeface="Lucida Console" panose="020B0609040504020204" pitchFamily="49" charset="0"/>
-              </a:rPr>
-              <a:t>(size = 20))</a:t>
+              <a:rPr lang="en-US" altLang="en-US" sz="1400" dirty="0">
+                <a:solidFill>
+                  <a:srgbClr val="0070C0"/>
+                </a:solidFill>
+                <a:latin typeface="Lucida Console" panose="020B0609040504020204" pitchFamily="49" charset="0"/>
+              </a:rPr>
+              <a:t>(size = 20),</a:t>
+            </a:r>
+          </a:p>
+          <a:p>
+            <a:pPr lvl="3" indent="114300" eaLnBrk="0" fontAlgn="base" hangingPunct="0">
+              <a:spcBef>
+                <a:spcPct val="0"/>
+              </a:spcBef>
+              <a:spcAft>
+                <a:spcPct val="0"/>
+              </a:spcAft>
+            </a:pPr>
+            <a:r>
+              <a:rPr lang="en-US" altLang="en-US" sz="1400" dirty="0" err="1">
+                <a:solidFill>
+                  <a:srgbClr val="0070C0"/>
+                </a:solidFill>
+                <a:latin typeface="Lucida Console" panose="020B0609040504020204" pitchFamily="49" charset="0"/>
+              </a:rPr>
+              <a:t>plot.title</a:t>
+            </a:r>
+            <a:r>
+              <a:rPr lang="en-US" altLang="en-US" sz="1400" dirty="0">
+                <a:solidFill>
+                  <a:srgbClr val="0070C0"/>
+                </a:solidFill>
+                <a:latin typeface="Lucida Console" panose="020B0609040504020204" pitchFamily="49" charset="0"/>
+              </a:rPr>
+              <a:t> = </a:t>
+            </a:r>
+            <a:r>
+              <a:rPr lang="en-US" altLang="en-US" sz="1400" dirty="0" err="1">
+                <a:solidFill>
+                  <a:srgbClr val="0070C0"/>
+                </a:solidFill>
+                <a:latin typeface="Lucida Console" panose="020B0609040504020204" pitchFamily="49" charset="0"/>
+              </a:rPr>
+              <a:t>element_text</a:t>
+            </a:r>
+            <a:r>
+              <a:rPr lang="en-US" altLang="en-US" sz="1400" dirty="0">
+                <a:solidFill>
+                  <a:srgbClr val="0070C0"/>
+                </a:solidFill>
+                <a:latin typeface="Lucida Console" panose="020B0609040504020204" pitchFamily="49" charset="0"/>
+              </a:rPr>
+              <a:t>(</a:t>
+            </a:r>
+            <a:r>
+              <a:rPr lang="en-US" altLang="en-US" sz="1400" dirty="0" err="1">
+                <a:solidFill>
+                  <a:srgbClr val="0070C0"/>
+                </a:solidFill>
+                <a:latin typeface="Lucida Console" panose="020B0609040504020204" pitchFamily="49" charset="0"/>
+              </a:rPr>
+              <a:t>colour</a:t>
+            </a:r>
+            <a:r>
+              <a:rPr lang="en-US" altLang="en-US" sz="1400" dirty="0">
+                <a:solidFill>
+                  <a:srgbClr val="0070C0"/>
+                </a:solidFill>
+                <a:latin typeface="Lucida Console" panose="020B0609040504020204" pitchFamily="49" charset="0"/>
+              </a:rPr>
+              <a:t> = "red", size = 20))</a:t>
             </a:r>
           </a:p>
           <a:p>
@@ -16168,7 +16347,7 @@
                 <a:spcPct val="0"/>
               </a:spcAft>
             </a:pPr>
-            <a:endParaRPr lang="en-US" altLang="en-US" sz="1600" dirty="0">
+            <a:endParaRPr lang="en-US" altLang="en-US" sz="1400" dirty="0">
               <a:solidFill>
                 <a:srgbClr val="0070C0"/>
               </a:solidFill>
@@ -16180,7 +16359,7 @@
     </p:spTree>
     <p:extLst>
       <p:ext uri="{BB962C8B-B14F-4D97-AF65-F5344CB8AC3E}">
-        <p14:creationId xmlns:p14="http://schemas.microsoft.com/office/powerpoint/2010/main" val="3507160122"/>
+        <p14:creationId xmlns:p14="http://schemas.microsoft.com/office/powerpoint/2010/main" val="2762275205"/>
       </p:ext>
     </p:extLst>
   </p:cSld>
@@ -16229,7 +16408,7 @@
         </p:blipFill>
         <p:spPr>
           <a:xfrm>
-            <a:off x="1543619" y="2771656"/>
+            <a:off x="1543619" y="2866906"/>
             <a:ext cx="5581080" cy="3876398"/>
           </a:xfrm>
           <a:prstGeom prst="rect">
@@ -16260,7 +16439,15 @@
           <a:p>
             <a:r>
               <a:rPr lang="en-US" sz="4400" dirty="0"/>
-              <a:t>Theme: theme()</a:t>
+              <a:t>Save: </a:t>
+            </a:r>
+            <a:r>
+              <a:rPr lang="en-US" sz="4400" dirty="0" err="1"/>
+              <a:t>ggsave</a:t>
+            </a:r>
+            <a:r>
+              <a:rPr lang="en-US" sz="4400" dirty="0"/>
+              <a:t>()</a:t>
             </a:r>
           </a:p>
         </p:txBody>
@@ -16281,8 +16468,8 @@
         </p:nvSpPr>
         <p:spPr bwMode="auto">
           <a:xfrm>
-            <a:off x="1869683" y="1712285"/>
-            <a:ext cx="9484117" cy="984885"/>
+            <a:off x="1869683" y="1666119"/>
+            <a:ext cx="9484117" cy="1077218"/>
           </a:xfrm>
           <a:prstGeom prst="rect">
             <a:avLst/>
@@ -16314,7 +16501,7 @@
                 <a:spcPct val="0"/>
               </a:spcAft>
             </a:pPr>
-            <a:endParaRPr lang="en-US" altLang="en-US" sz="1600" dirty="0">
+            <a:endParaRPr lang="en-US" altLang="en-US" sz="1400" dirty="0">
               <a:solidFill>
                 <a:srgbClr val="0070C0"/>
               </a:solidFill>
@@ -16331,7 +16518,7 @@
               </a:spcAft>
             </a:pPr>
             <a:r>
-              <a:rPr lang="en-US" altLang="en-US" sz="1600" dirty="0">
+              <a:rPr lang="en-US" altLang="en-US" sz="1400" dirty="0">
                 <a:solidFill>
                   <a:srgbClr val="0070C0"/>
                 </a:solidFill>
@@ -16340,7 +16527,7 @@
               <a:t>z + theme(</a:t>
             </a:r>
             <a:r>
-              <a:rPr lang="en-US" altLang="en-US" sz="1600" dirty="0" err="1">
+              <a:rPr lang="en-US" altLang="en-US" sz="1400" dirty="0" err="1">
                 <a:solidFill>
                   <a:srgbClr val="0070C0"/>
                 </a:solidFill>
@@ -16349,7 +16536,7 @@
               <a:t>axis.title</a:t>
             </a:r>
             <a:r>
-              <a:rPr lang="en-US" altLang="en-US" sz="1600" dirty="0">
+              <a:rPr lang="en-US" altLang="en-US" sz="1400" dirty="0">
                 <a:solidFill>
                   <a:srgbClr val="0070C0"/>
                 </a:solidFill>
@@ -16358,7 +16545,7 @@
               <a:t> = </a:t>
             </a:r>
             <a:r>
-              <a:rPr lang="en-US" altLang="en-US" sz="1600" dirty="0" err="1">
+              <a:rPr lang="en-US" altLang="en-US" sz="1400" dirty="0" err="1">
                 <a:solidFill>
                   <a:srgbClr val="0070C0"/>
                 </a:solidFill>
@@ -16367,7 +16554,7 @@
               <a:t>element_text</a:t>
             </a:r>
             <a:r>
-              <a:rPr lang="en-US" altLang="en-US" sz="1600" dirty="0">
+              <a:rPr lang="en-US" altLang="en-US" sz="1400" dirty="0">
                 <a:solidFill>
                   <a:srgbClr val="0070C0"/>
                 </a:solidFill>
@@ -16386,7 +16573,7 @@
               </a:spcAft>
             </a:pPr>
             <a:r>
-              <a:rPr lang="en-US" altLang="en-US" sz="1600" dirty="0" err="1">
+              <a:rPr lang="en-US" altLang="en-US" sz="1400" dirty="0" err="1">
                 <a:solidFill>
                   <a:srgbClr val="0070C0"/>
                 </a:solidFill>
@@ -16395,7 +16582,7 @@
               <a:t>plot.title</a:t>
             </a:r>
             <a:r>
-              <a:rPr lang="en-US" altLang="en-US" sz="1600" dirty="0">
+              <a:rPr lang="en-US" altLang="en-US" sz="1400" dirty="0">
                 <a:solidFill>
                   <a:srgbClr val="0070C0"/>
                 </a:solidFill>
@@ -16404,7 +16591,7 @@
               <a:t> = </a:t>
             </a:r>
             <a:r>
-              <a:rPr lang="en-US" altLang="en-US" sz="1600" dirty="0" err="1">
+              <a:rPr lang="en-US" altLang="en-US" sz="1400" dirty="0" err="1">
                 <a:solidFill>
                   <a:srgbClr val="0070C0"/>
                 </a:solidFill>
@@ -16413,7 +16600,7 @@
               <a:t>element_text</a:t>
             </a:r>
             <a:r>
-              <a:rPr lang="en-US" altLang="en-US" sz="1600" dirty="0">
+              <a:rPr lang="en-US" altLang="en-US" sz="1400" dirty="0">
                 <a:solidFill>
                   <a:srgbClr val="0070C0"/>
                 </a:solidFill>
@@ -16422,7 +16609,7 @@
               <a:t>(</a:t>
             </a:r>
             <a:r>
-              <a:rPr lang="en-US" altLang="en-US" sz="1600" dirty="0" err="1">
+              <a:rPr lang="en-US" altLang="en-US" sz="1400" dirty="0" err="1">
                 <a:solidFill>
                   <a:srgbClr val="0070C0"/>
                 </a:solidFill>
@@ -16431,13 +16618,41 @@
               <a:t>colour</a:t>
             </a:r>
             <a:r>
-              <a:rPr lang="en-US" altLang="en-US" sz="1600" dirty="0">
+              <a:rPr lang="en-US" altLang="en-US" sz="1400" dirty="0">
                 <a:solidFill>
                   <a:srgbClr val="0070C0"/>
                 </a:solidFill>
                 <a:latin typeface="Lucida Console" panose="020B0609040504020204" pitchFamily="49" charset="0"/>
               </a:rPr>
               <a:t> = "red", size = 20))</a:t>
+            </a:r>
+          </a:p>
+          <a:p>
+            <a:pPr lvl="3" indent="-1085850" eaLnBrk="0" fontAlgn="base" hangingPunct="0">
+              <a:spcBef>
+                <a:spcPct val="0"/>
+              </a:spcBef>
+              <a:spcAft>
+                <a:spcPct val="0"/>
+              </a:spcAft>
+            </a:pPr>
+            <a:r>
+              <a:rPr lang="en-US" altLang="en-US" sz="1400" dirty="0" err="1">
+                <a:solidFill>
+                  <a:srgbClr val="0070C0"/>
+                </a:solidFill>
+                <a:latin typeface="Lucida Console" panose="020B0609040504020204" pitchFamily="49" charset="0"/>
+              </a:rPr>
+              <a:t>ggsave</a:t>
+            </a:r>
+            <a:r>
+              <a:rPr lang="en-US" altLang="en-US" sz="1400" dirty="0">
+                <a:solidFill>
+                  <a:srgbClr val="0070C0"/>
+                </a:solidFill>
+                <a:latin typeface="Lucida Console" panose="020B0609040504020204" pitchFamily="49" charset="0"/>
+              </a:rPr>
+              <a:t>("plotR.jpg")</a:t>
             </a:r>
           </a:p>
           <a:p>
@@ -16449,324 +16664,7 @@
                 <a:spcPct val="0"/>
               </a:spcAft>
             </a:pPr>
-            <a:endParaRPr lang="en-US" altLang="en-US" sz="1600" dirty="0">
-              <a:solidFill>
-                <a:srgbClr val="0070C0"/>
-              </a:solidFill>
-              <a:latin typeface="Lucida Console" panose="020B0609040504020204" pitchFamily="49" charset="0"/>
-            </a:endParaRPr>
-          </a:p>
-        </p:txBody>
-      </p:sp>
-    </p:spTree>
-    <p:extLst>
-      <p:ext uri="{BB962C8B-B14F-4D97-AF65-F5344CB8AC3E}">
-        <p14:creationId xmlns:p14="http://schemas.microsoft.com/office/powerpoint/2010/main" val="2762275205"/>
-      </p:ext>
-    </p:extLst>
-  </p:cSld>
-  <p:clrMapOvr>
-    <a:masterClrMapping/>
-  </p:clrMapOvr>
-</p:sld>
-</file>
-
-<file path=ppt/slides/slide44.xml><?xml version="1.0" encoding="utf-8"?>
-<p:sld xmlns:a="http://schemas.openxmlformats.org/drawingml/2006/main" xmlns:r="http://schemas.openxmlformats.org/officeDocument/2006/relationships" xmlns:p="http://schemas.openxmlformats.org/presentationml/2006/main">
-  <p:cSld>
-    <p:spTree>
-      <p:nvGrpSpPr>
-        <p:cNvPr id="1" name=""/>
-        <p:cNvGrpSpPr/>
-        <p:nvPr/>
-      </p:nvGrpSpPr>
-      <p:grpSpPr>
-        <a:xfrm>
-          <a:off x="0" y="0"/>
-          <a:ext cx="0" cy="0"/>
-          <a:chOff x="0" y="0"/>
-          <a:chExt cx="0" cy="0"/>
-        </a:xfrm>
-      </p:grpSpPr>
-      <p:pic>
-        <p:nvPicPr>
-          <p:cNvPr id="3" name="Picture 2">
-            <a:extLst>
-              <a:ext uri="{FF2B5EF4-FFF2-40B4-BE49-F238E27FC236}">
-                <a16:creationId xmlns:a16="http://schemas.microsoft.com/office/drawing/2014/main" id="{BAF9E2C2-D8D8-4015-BA7D-40104879342C}"/>
-              </a:ext>
-            </a:extLst>
-          </p:cNvPr>
-          <p:cNvPicPr>
-            <a:picLocks noChangeAspect="1"/>
-          </p:cNvPicPr>
-          <p:nvPr/>
-        </p:nvPicPr>
-        <p:blipFill>
-          <a:blip r:embed="rId2"/>
-          <a:stretch>
-            <a:fillRect/>
-          </a:stretch>
-        </p:blipFill>
-        <p:spPr>
-          <a:xfrm>
-            <a:off x="1543619" y="2866906"/>
-            <a:ext cx="5581080" cy="3876398"/>
-          </a:xfrm>
-          <a:prstGeom prst="rect">
-            <a:avLst/>
-          </a:prstGeom>
-        </p:spPr>
-      </p:pic>
-      <p:sp>
-        <p:nvSpPr>
-          <p:cNvPr id="2" name="Title 1">
-            <a:extLst>
-              <a:ext uri="{FF2B5EF4-FFF2-40B4-BE49-F238E27FC236}">
-                <a16:creationId xmlns:a16="http://schemas.microsoft.com/office/drawing/2014/main" id="{CF3D5A59-E089-4002-8AE4-35F3B525E963}"/>
-              </a:ext>
-            </a:extLst>
-          </p:cNvPr>
-          <p:cNvSpPr>
-            <a:spLocks noGrp="1"/>
-          </p:cNvSpPr>
-          <p:nvPr>
-            <p:ph type="title"/>
-          </p:nvPr>
-        </p:nvSpPr>
-        <p:spPr/>
-        <p:txBody>
-          <a:bodyPr/>
-          <a:lstStyle/>
-          <a:p>
-            <a:r>
-              <a:rPr lang="en-US" sz="4400" dirty="0"/>
-              <a:t>Save: </a:t>
-            </a:r>
-            <a:r>
-              <a:rPr lang="en-US" sz="4400" dirty="0" err="1"/>
-              <a:t>ggsave</a:t>
-            </a:r>
-            <a:r>
-              <a:rPr lang="en-US" sz="4400" dirty="0"/>
-              <a:t>()</a:t>
-            </a:r>
-          </a:p>
-        </p:txBody>
-      </p:sp>
-      <p:sp>
-        <p:nvSpPr>
-          <p:cNvPr id="8" name="Rectangle 1">
-            <a:extLst>
-              <a:ext uri="{FF2B5EF4-FFF2-40B4-BE49-F238E27FC236}">
-                <a16:creationId xmlns:a16="http://schemas.microsoft.com/office/drawing/2014/main" id="{E1FE21E4-9B80-4333-BE86-4D307713E717}"/>
-              </a:ext>
-            </a:extLst>
-          </p:cNvPr>
-          <p:cNvSpPr>
-            <a:spLocks noChangeArrowheads="1"/>
-          </p:cNvSpPr>
-          <p:nvPr/>
-        </p:nvSpPr>
-        <p:spPr bwMode="auto">
-          <a:xfrm>
-            <a:off x="1869683" y="1589175"/>
-            <a:ext cx="9484117" cy="1231106"/>
-          </a:xfrm>
-          <a:prstGeom prst="rect">
-            <a:avLst/>
-          </a:prstGeom>
-          <a:solidFill>
-            <a:schemeClr val="bg1"/>
-          </a:solidFill>
-          <a:ln w="57150">
-            <a:solidFill>
-              <a:srgbClr val="0070C0"/>
-            </a:solidFill>
-          </a:ln>
-          <a:effectLst/>
-        </p:spPr>
-        <p:txBody>
-          <a:bodyPr vert="horz" wrap="square" lIns="0" tIns="0" rIns="0" bIns="0" numCol="1" anchor="ctr" anchorCtr="0" compatLnSpc="1">
-            <a:prstTxWarp prst="textNoShape">
-              <a:avLst/>
-            </a:prstTxWarp>
-            <a:spAutoFit/>
-          </a:bodyPr>
-          <a:lstStyle/>
-          <a:p>
-            <a:pPr lvl="3" indent="-1005840" eaLnBrk="0" fontAlgn="base" hangingPunct="0">
-              <a:spcBef>
-                <a:spcPct val="0"/>
-              </a:spcBef>
-              <a:spcAft>
-                <a:spcPct val="0"/>
-              </a:spcAft>
-            </a:pPr>
-            <a:endParaRPr lang="en-US" altLang="en-US" sz="1600" dirty="0">
-              <a:solidFill>
-                <a:srgbClr val="0070C0"/>
-              </a:solidFill>
-              <a:latin typeface="Lucida Console" panose="020B0609040504020204" pitchFamily="49" charset="0"/>
-            </a:endParaRPr>
-          </a:p>
-          <a:p>
-            <a:pPr lvl="3" indent="-1028700" eaLnBrk="0" fontAlgn="base" hangingPunct="0">
-              <a:spcBef>
-                <a:spcPct val="0"/>
-              </a:spcBef>
-              <a:spcAft>
-                <a:spcPct val="0"/>
-              </a:spcAft>
-            </a:pPr>
-            <a:r>
-              <a:rPr lang="en-US" altLang="en-US" sz="1600" dirty="0">
-                <a:solidFill>
-                  <a:srgbClr val="0070C0"/>
-                </a:solidFill>
-                <a:latin typeface="Lucida Console" panose="020B0609040504020204" pitchFamily="49" charset="0"/>
-              </a:rPr>
-              <a:t>z + theme(</a:t>
-            </a:r>
-            <a:r>
-              <a:rPr lang="en-US" altLang="en-US" sz="1600" dirty="0" err="1">
-                <a:solidFill>
-                  <a:srgbClr val="0070C0"/>
-                </a:solidFill>
-                <a:latin typeface="Lucida Console" panose="020B0609040504020204" pitchFamily="49" charset="0"/>
-              </a:rPr>
-              <a:t>axis.title</a:t>
-            </a:r>
-            <a:r>
-              <a:rPr lang="en-US" altLang="en-US" sz="1600" dirty="0">
-                <a:solidFill>
-                  <a:srgbClr val="0070C0"/>
-                </a:solidFill>
-                <a:latin typeface="Lucida Console" panose="020B0609040504020204" pitchFamily="49" charset="0"/>
-              </a:rPr>
-              <a:t> = </a:t>
-            </a:r>
-            <a:r>
-              <a:rPr lang="en-US" altLang="en-US" sz="1600" dirty="0" err="1">
-                <a:solidFill>
-                  <a:srgbClr val="0070C0"/>
-                </a:solidFill>
-                <a:latin typeface="Lucida Console" panose="020B0609040504020204" pitchFamily="49" charset="0"/>
-              </a:rPr>
-              <a:t>element_text</a:t>
-            </a:r>
-            <a:r>
-              <a:rPr lang="en-US" altLang="en-US" sz="1600" dirty="0">
-                <a:solidFill>
-                  <a:srgbClr val="0070C0"/>
-                </a:solidFill>
-                <a:latin typeface="Lucida Console" panose="020B0609040504020204" pitchFamily="49" charset="0"/>
-              </a:rPr>
-              <a:t>(size = 20),</a:t>
-            </a:r>
-          </a:p>
-          <a:p>
-            <a:pPr lvl="3" indent="114300" eaLnBrk="0" fontAlgn="base" hangingPunct="0">
-              <a:spcBef>
-                <a:spcPct val="0"/>
-              </a:spcBef>
-              <a:spcAft>
-                <a:spcPct val="0"/>
-              </a:spcAft>
-            </a:pPr>
-            <a:r>
-              <a:rPr lang="en-US" altLang="en-US" sz="1600" dirty="0" err="1">
-                <a:solidFill>
-                  <a:srgbClr val="0070C0"/>
-                </a:solidFill>
-                <a:latin typeface="Lucida Console" panose="020B0609040504020204" pitchFamily="49" charset="0"/>
-              </a:rPr>
-              <a:t>plot.title</a:t>
-            </a:r>
-            <a:r>
-              <a:rPr lang="en-US" altLang="en-US" sz="1600" dirty="0">
-                <a:solidFill>
-                  <a:srgbClr val="0070C0"/>
-                </a:solidFill>
-                <a:latin typeface="Lucida Console" panose="020B0609040504020204" pitchFamily="49" charset="0"/>
-              </a:rPr>
-              <a:t> = </a:t>
-            </a:r>
-            <a:r>
-              <a:rPr lang="en-US" altLang="en-US" sz="1600" dirty="0" err="1">
-                <a:solidFill>
-                  <a:srgbClr val="0070C0"/>
-                </a:solidFill>
-                <a:latin typeface="Lucida Console" panose="020B0609040504020204" pitchFamily="49" charset="0"/>
-              </a:rPr>
-              <a:t>element_text</a:t>
-            </a:r>
-            <a:r>
-              <a:rPr lang="en-US" altLang="en-US" sz="1600" dirty="0">
-                <a:solidFill>
-                  <a:srgbClr val="0070C0"/>
-                </a:solidFill>
-                <a:latin typeface="Lucida Console" panose="020B0609040504020204" pitchFamily="49" charset="0"/>
-              </a:rPr>
-              <a:t>(</a:t>
-            </a:r>
-            <a:r>
-              <a:rPr lang="en-US" altLang="en-US" sz="1600" dirty="0" err="1">
-                <a:solidFill>
-                  <a:srgbClr val="0070C0"/>
-                </a:solidFill>
-                <a:latin typeface="Lucida Console" panose="020B0609040504020204" pitchFamily="49" charset="0"/>
-              </a:rPr>
-              <a:t>colour</a:t>
-            </a:r>
-            <a:r>
-              <a:rPr lang="en-US" altLang="en-US" sz="1600" dirty="0">
-                <a:solidFill>
-                  <a:srgbClr val="0070C0"/>
-                </a:solidFill>
-                <a:latin typeface="Lucida Console" panose="020B0609040504020204" pitchFamily="49" charset="0"/>
-              </a:rPr>
-              <a:t> = "red", size = 20))</a:t>
-            </a:r>
-          </a:p>
-          <a:p>
-            <a:pPr lvl="3" indent="-1085850" eaLnBrk="0" fontAlgn="base" hangingPunct="0">
-              <a:spcBef>
-                <a:spcPct val="0"/>
-              </a:spcBef>
-              <a:spcAft>
-                <a:spcPct val="0"/>
-              </a:spcAft>
-            </a:pPr>
-            <a:r>
-              <a:rPr lang="en-US" altLang="en-US" sz="1600" dirty="0" err="1">
-                <a:solidFill>
-                  <a:srgbClr val="0070C0"/>
-                </a:solidFill>
-                <a:latin typeface="Lucida Console" panose="020B0609040504020204" pitchFamily="49" charset="0"/>
-              </a:rPr>
-              <a:t>ggsave</a:t>
-            </a:r>
-            <a:r>
-              <a:rPr lang="en-US" altLang="en-US" sz="1600" dirty="0">
-                <a:solidFill>
-                  <a:srgbClr val="0070C0"/>
-                </a:solidFill>
-                <a:latin typeface="Lucida Console" panose="020B0609040504020204" pitchFamily="49" charset="0"/>
-              </a:rPr>
-              <a:t>("plotR.jpg")</a:t>
-            </a:r>
-          </a:p>
-          <a:p>
-            <a:pPr lvl="3" indent="-1028700" eaLnBrk="0" fontAlgn="base" hangingPunct="0">
-              <a:spcBef>
-                <a:spcPct val="0"/>
-              </a:spcBef>
-              <a:spcAft>
-                <a:spcPct val="0"/>
-              </a:spcAft>
-            </a:pPr>
-            <a:endParaRPr lang="en-US" altLang="en-US" sz="1600" dirty="0">
+            <a:endParaRPr lang="en-US" altLang="en-US" sz="1400" dirty="0">
               <a:solidFill>
                 <a:srgbClr val="0070C0"/>
               </a:solidFill>
@@ -16788,7 +16686,7 @@
 </p:sld>
 </file>
 
-<file path=ppt/slides/slide45.xml><?xml version="1.0" encoding="utf-8"?>
+<file path=ppt/slides/slide44.xml><?xml version="1.0" encoding="utf-8"?>
 <p:sld xmlns:a="http://schemas.openxmlformats.org/drawingml/2006/main" xmlns:r="http://schemas.openxmlformats.org/officeDocument/2006/relationships" xmlns:p="http://schemas.openxmlformats.org/presentationml/2006/main">
   <p:cSld>
     <p:spTree>
@@ -17349,7 +17247,7 @@
         </p:blipFill>
         <p:spPr>
           <a:xfrm>
-            <a:off x="6696222" y="1969477"/>
+            <a:off x="6696222" y="1828797"/>
             <a:ext cx="4657578" cy="3175059"/>
           </a:xfrm>
           <a:prstGeom prst="rect">
@@ -17373,8 +17271,8 @@
         </p:nvSpPr>
         <p:spPr bwMode="auto">
           <a:xfrm>
-            <a:off x="2957733" y="5131529"/>
-            <a:ext cx="6276534" cy="1477328"/>
+            <a:off x="2957733" y="5064693"/>
+            <a:ext cx="6276534" cy="1723549"/>
           </a:xfrm>
           <a:prstGeom prst="rect">
             <a:avLst/>
@@ -17500,7 +17398,7 @@
                 <a:spcPct val="0"/>
               </a:spcAft>
             </a:pPr>
-            <a:endParaRPr lang="en-US" altLang="en-US" sz="1600" dirty="0">
+            <a:endParaRPr lang="en-US" altLang="en-US" sz="1400" dirty="0">
               <a:solidFill>
                 <a:srgbClr val="0070C0"/>
               </a:solidFill>
@@ -17517,7 +17415,35 @@
               </a:spcAft>
             </a:pPr>
             <a:r>
-              <a:rPr lang="en-US" altLang="en-US" sz="1600" dirty="0">
+              <a:rPr lang="en-US" altLang="en-US" sz="1400" dirty="0" err="1">
+                <a:solidFill>
+                  <a:srgbClr val="0070C0"/>
+                </a:solidFill>
+                <a:latin typeface="Lucida Console" panose="020B0609040504020204" pitchFamily="49" charset="0"/>
+              </a:rPr>
+              <a:t>setwd</a:t>
+            </a:r>
+            <a:r>
+              <a:rPr lang="en-US" altLang="en-US" sz="1400" dirty="0">
+                <a:solidFill>
+                  <a:srgbClr val="0070C0"/>
+                </a:solidFill>
+                <a:latin typeface="Lucida Console" panose="020B0609040504020204" pitchFamily="49" charset="0"/>
+              </a:rPr>
+              <a:t>("D:/data/folder")</a:t>
+            </a:r>
+          </a:p>
+          <a:p>
+            <a:pPr lvl="3" indent="-1005840" eaLnBrk="0" fontAlgn="base" hangingPunct="0">
+              <a:spcBef>
+                <a:spcPct val="0"/>
+              </a:spcBef>
+              <a:spcAft>
+                <a:spcPct val="0"/>
+              </a:spcAft>
+            </a:pPr>
+            <a:r>
+              <a:rPr lang="en-US" altLang="en-US" sz="1400" dirty="0">
                 <a:solidFill>
                   <a:srgbClr val="0070C0"/>
                 </a:solidFill>
@@ -17526,7 +17452,7 @@
               <a:t>titanic &lt;- read.csv("titanic.csv</a:t>
             </a:r>
             <a:r>
-              <a:rPr kumimoji="0" lang="en-US" altLang="en-US" sz="1600" b="0" i="0" u="none" strike="noStrike" cap="none" normalizeH="0" baseline="0" dirty="0">
+              <a:rPr kumimoji="0" lang="en-US" altLang="en-US" sz="1400" b="0" i="0" u="none" strike="noStrike" cap="none" normalizeH="0" baseline="0" dirty="0">
                 <a:ln>
                   <a:noFill/>
                 </a:ln>
@@ -17549,7 +17475,7 @@
               </a:spcAft>
             </a:pPr>
             <a:r>
-              <a:rPr kumimoji="0" lang="en-US" altLang="en-US" sz="1600" b="0" i="0" u="none" strike="noStrike" cap="none" normalizeH="0" baseline="0" dirty="0" err="1">
+              <a:rPr kumimoji="0" lang="en-US" altLang="en-US" sz="1400" b="0" i="0" u="none" strike="noStrike" cap="none" normalizeH="0" baseline="0" dirty="0" err="1">
                 <a:ln>
                   <a:noFill/>
                 </a:ln>
@@ -17562,7 +17488,7 @@
               <a:t>titanic$Survived</a:t>
             </a:r>
             <a:r>
-              <a:rPr kumimoji="0" lang="en-US" altLang="en-US" sz="1600" b="0" i="0" u="none" strike="noStrike" cap="none" normalizeH="0" baseline="0" dirty="0">
+              <a:rPr kumimoji="0" lang="en-US" altLang="en-US" sz="1400" b="0" i="0" u="none" strike="noStrike" cap="none" normalizeH="0" baseline="0" dirty="0">
                 <a:ln>
                   <a:noFill/>
                 </a:ln>
@@ -17575,16 +17501,38 @@
               <a:t> &lt;- </a:t>
             </a:r>
             <a:r>
-              <a:rPr lang="en-US" altLang="en-US" sz="1600" dirty="0">
-                <a:solidFill>
-                  <a:srgbClr val="0070C0"/>
-                </a:solidFill>
-                <a:latin typeface="Lucida Console" panose="020B0609040504020204" pitchFamily="49" charset="0"/>
-              </a:rPr>
-              <a:t>factor(</a:t>
-            </a:r>
-            <a:r>
-              <a:rPr lang="en-US" altLang="en-US" sz="1600" dirty="0" err="1">
+              <a:rPr kumimoji="0" lang="en-US" altLang="en-US" sz="1400" b="0" i="0" u="none" strike="noStrike" cap="none" normalizeH="0" baseline="0" dirty="0" err="1">
+                <a:ln>
+                  <a:noFill/>
+                </a:ln>
+                <a:solidFill>
+                  <a:srgbClr val="0070C0"/>
+                </a:solidFill>
+                <a:effectLst/>
+                <a:latin typeface="Lucida Console" panose="020B0609040504020204" pitchFamily="49" charset="0"/>
+              </a:rPr>
+              <a:t>as.</a:t>
+            </a:r>
+            <a:r>
+              <a:rPr lang="en-US" altLang="en-US" sz="1400" dirty="0" err="1">
+                <a:solidFill>
+                  <a:srgbClr val="0070C0"/>
+                </a:solidFill>
+                <a:latin typeface="Lucida Console" panose="020B0609040504020204" pitchFamily="49" charset="0"/>
+              </a:rPr>
+              <a:t>factor</a:t>
+            </a:r>
+            <a:r>
+              <a:rPr lang="en-US" altLang="en-US" sz="1400" dirty="0">
+                <a:solidFill>
+                  <a:srgbClr val="0070C0"/>
+                </a:solidFill>
+                <a:latin typeface="Lucida Console" panose="020B0609040504020204" pitchFamily="49" charset="0"/>
+              </a:rPr>
+              <a:t>(</a:t>
+            </a:r>
+            <a:r>
+              <a:rPr lang="en-US" altLang="en-US" sz="1400" dirty="0" err="1">
                 <a:solidFill>
                   <a:srgbClr val="0070C0"/>
                 </a:solidFill>
@@ -17593,7 +17541,7 @@
               <a:t>titanic$Survived</a:t>
             </a:r>
             <a:r>
-              <a:rPr lang="en-US" altLang="en-US" sz="1600" dirty="0">
+              <a:rPr lang="en-US" altLang="en-US" sz="1400" dirty="0">
                 <a:solidFill>
                   <a:srgbClr val="0070C0"/>
                 </a:solidFill>
@@ -17612,7 +17560,7 @@
               </a:spcAft>
             </a:pPr>
             <a:r>
-              <a:rPr lang="en-US" altLang="en-US" sz="1600" dirty="0" err="1">
+              <a:rPr lang="en-US" altLang="en-US" sz="1400" dirty="0" err="1">
                 <a:solidFill>
                   <a:srgbClr val="0070C0"/>
                 </a:solidFill>
@@ -17621,16 +17569,34 @@
               <a:t>titanic$Pclass</a:t>
             </a:r>
             <a:r>
-              <a:rPr lang="en-US" altLang="en-US" sz="1600" dirty="0">
-                <a:solidFill>
-                  <a:srgbClr val="0070C0"/>
-                </a:solidFill>
-                <a:latin typeface="Lucida Console" panose="020B0609040504020204" pitchFamily="49" charset="0"/>
-              </a:rPr>
-              <a:t> &lt;- factor(</a:t>
-            </a:r>
-            <a:r>
-              <a:rPr lang="en-US" altLang="en-US" sz="1600" dirty="0" err="1">
+              <a:rPr lang="en-US" altLang="en-US" sz="1400" dirty="0">
+                <a:solidFill>
+                  <a:srgbClr val="0070C0"/>
+                </a:solidFill>
+                <a:latin typeface="Lucida Console" panose="020B0609040504020204" pitchFamily="49" charset="0"/>
+              </a:rPr>
+              <a:t> &lt;- </a:t>
+            </a:r>
+            <a:r>
+              <a:rPr lang="en-US" altLang="en-US" sz="1400" dirty="0" err="1">
+                <a:solidFill>
+                  <a:srgbClr val="0070C0"/>
+                </a:solidFill>
+                <a:latin typeface="Lucida Console" panose="020B0609040504020204" pitchFamily="49" charset="0"/>
+              </a:rPr>
+              <a:t>as.factor</a:t>
+            </a:r>
+            <a:r>
+              <a:rPr lang="en-US" altLang="en-US" sz="1400" dirty="0">
+                <a:solidFill>
+                  <a:srgbClr val="0070C0"/>
+                </a:solidFill>
+                <a:latin typeface="Lucida Console" panose="020B0609040504020204" pitchFamily="49" charset="0"/>
+              </a:rPr>
+              <a:t>(</a:t>
+            </a:r>
+            <a:r>
+              <a:rPr lang="en-US" altLang="en-US" sz="1400" dirty="0" err="1">
                 <a:solidFill>
                   <a:srgbClr val="0070C0"/>
                 </a:solidFill>
@@ -17639,7 +17605,7 @@
               <a:t>titanic$Pclass</a:t>
             </a:r>
             <a:r>
-              <a:rPr lang="en-US" altLang="en-US" sz="1600" dirty="0">
+              <a:rPr lang="en-US" altLang="en-US" sz="1400" dirty="0">
                 <a:solidFill>
                   <a:srgbClr val="0070C0"/>
                 </a:solidFill>
@@ -17658,34 +17624,52 @@
               </a:spcAft>
             </a:pPr>
             <a:r>
-              <a:rPr lang="en-US" altLang="en-US" sz="1600" dirty="0" err="1">
-                <a:solidFill>
-                  <a:srgbClr val="0070C0"/>
-                </a:solidFill>
-                <a:latin typeface="Lucida Console" panose="020B0609040504020204" pitchFamily="49" charset="0"/>
-              </a:rPr>
-              <a:t>titanic$Embarked</a:t>
-            </a:r>
-            <a:r>
-              <a:rPr lang="en-US" altLang="en-US" sz="1600" dirty="0">
-                <a:solidFill>
-                  <a:srgbClr val="0070C0"/>
-                </a:solidFill>
-                <a:latin typeface="Lucida Console" panose="020B0609040504020204" pitchFamily="49" charset="0"/>
-              </a:rPr>
-              <a:t> &lt;- factor(</a:t>
-            </a:r>
-            <a:r>
-              <a:rPr lang="en-US" altLang="en-US" sz="1600" dirty="0" err="1">
-                <a:solidFill>
-                  <a:srgbClr val="0070C0"/>
-                </a:solidFill>
-                <a:latin typeface="Lucida Console" panose="020B0609040504020204" pitchFamily="49" charset="0"/>
-              </a:rPr>
-              <a:t>titanic$Embarked</a:t>
-            </a:r>
-            <a:r>
-              <a:rPr lang="en-US" altLang="en-US" sz="1600" dirty="0">
+              <a:rPr lang="en-US" altLang="en-US" sz="1400" dirty="0" err="1">
+                <a:solidFill>
+                  <a:srgbClr val="0070C0"/>
+                </a:solidFill>
+                <a:latin typeface="Lucida Console" panose="020B0609040504020204" pitchFamily="49" charset="0"/>
+              </a:rPr>
+              <a:t>titanic$Sex</a:t>
+            </a:r>
+            <a:r>
+              <a:rPr lang="en-US" altLang="en-US" sz="1400" dirty="0">
+                <a:solidFill>
+                  <a:srgbClr val="0070C0"/>
+                </a:solidFill>
+                <a:latin typeface="Lucida Console" panose="020B0609040504020204" pitchFamily="49" charset="0"/>
+              </a:rPr>
+              <a:t> &lt;- </a:t>
+            </a:r>
+            <a:r>
+              <a:rPr lang="en-US" altLang="en-US" sz="1400" dirty="0" err="1">
+                <a:solidFill>
+                  <a:srgbClr val="0070C0"/>
+                </a:solidFill>
+                <a:latin typeface="Lucida Console" panose="020B0609040504020204" pitchFamily="49" charset="0"/>
+              </a:rPr>
+              <a:t>as.factor</a:t>
+            </a:r>
+            <a:r>
+              <a:rPr lang="en-US" altLang="en-US" sz="1400" dirty="0">
+                <a:solidFill>
+                  <a:srgbClr val="0070C0"/>
+                </a:solidFill>
+                <a:latin typeface="Lucida Console" panose="020B0609040504020204" pitchFamily="49" charset="0"/>
+              </a:rPr>
+              <a:t>(</a:t>
+            </a:r>
+            <a:r>
+              <a:rPr lang="en-US" altLang="en-US" sz="1400" dirty="0" err="1">
+                <a:solidFill>
+                  <a:srgbClr val="0070C0"/>
+                </a:solidFill>
+                <a:latin typeface="Lucida Console" panose="020B0609040504020204" pitchFamily="49" charset="0"/>
+              </a:rPr>
+              <a:t>titanic$Sex</a:t>
+            </a:r>
+            <a:r>
+              <a:rPr lang="en-US" altLang="en-US" sz="1400" dirty="0">
                 <a:solidFill>
                   <a:srgbClr val="0070C0"/>
                 </a:solidFill>
@@ -17703,7 +17687,71 @@
                 <a:spcPct val="0"/>
               </a:spcAft>
             </a:pPr>
-            <a:endParaRPr kumimoji="0" lang="en-US" altLang="en-US" sz="1600" b="0" i="0" u="none" strike="noStrike" cap="none" normalizeH="0" baseline="0" dirty="0">
+            <a:r>
+              <a:rPr lang="en-US" altLang="en-US" sz="1400" dirty="0" err="1">
+                <a:solidFill>
+                  <a:srgbClr val="0070C0"/>
+                </a:solidFill>
+                <a:latin typeface="Lucida Console" panose="020B0609040504020204" pitchFamily="49" charset="0"/>
+              </a:rPr>
+              <a:t>titanic$Embarked</a:t>
+            </a:r>
+            <a:r>
+              <a:rPr lang="en-US" altLang="en-US" sz="1400" dirty="0">
+                <a:solidFill>
+                  <a:srgbClr val="0070C0"/>
+                </a:solidFill>
+                <a:latin typeface="Lucida Console" panose="020B0609040504020204" pitchFamily="49" charset="0"/>
+              </a:rPr>
+              <a:t> &lt;- </a:t>
+            </a:r>
+            <a:r>
+              <a:rPr lang="en-US" altLang="en-US" sz="1400" dirty="0" err="1">
+                <a:solidFill>
+                  <a:srgbClr val="0070C0"/>
+                </a:solidFill>
+                <a:latin typeface="Lucida Console" panose="020B0609040504020204" pitchFamily="49" charset="0"/>
+              </a:rPr>
+              <a:t>as.factor</a:t>
+            </a:r>
+            <a:r>
+              <a:rPr lang="en-US" altLang="en-US" sz="1400" dirty="0">
+                <a:solidFill>
+                  <a:srgbClr val="0070C0"/>
+                </a:solidFill>
+                <a:latin typeface="Lucida Console" panose="020B0609040504020204" pitchFamily="49" charset="0"/>
+              </a:rPr>
+              <a:t>(</a:t>
+            </a:r>
+            <a:r>
+              <a:rPr lang="en-US" altLang="en-US" sz="1400" dirty="0" err="1">
+                <a:solidFill>
+                  <a:srgbClr val="0070C0"/>
+                </a:solidFill>
+                <a:latin typeface="Lucida Console" panose="020B0609040504020204" pitchFamily="49" charset="0"/>
+              </a:rPr>
+              <a:t>titanic$Embarked</a:t>
+            </a:r>
+            <a:r>
+              <a:rPr lang="en-US" altLang="en-US" sz="1400" dirty="0">
+                <a:solidFill>
+                  <a:srgbClr val="0070C0"/>
+                </a:solidFill>
+                <a:latin typeface="Lucida Console" panose="020B0609040504020204" pitchFamily="49" charset="0"/>
+              </a:rPr>
+              <a:t>)</a:t>
+            </a:r>
+          </a:p>
+          <a:p>
+            <a:pPr lvl="3" indent="-1005840" eaLnBrk="0" fontAlgn="base" hangingPunct="0">
+              <a:spcBef>
+                <a:spcPct val="0"/>
+              </a:spcBef>
+              <a:spcAft>
+                <a:spcPct val="0"/>
+              </a:spcAft>
+            </a:pPr>
+            <a:endParaRPr kumimoji="0" lang="en-US" altLang="en-US" sz="1400" b="0" i="0" u="none" strike="noStrike" cap="none" normalizeH="0" baseline="0" dirty="0">
               <a:ln>
                 <a:noFill/>
               </a:ln>
@@ -18008,8 +18056,8 @@
         </p:nvSpPr>
         <p:spPr bwMode="auto">
           <a:xfrm>
-            <a:off x="2428437" y="2345259"/>
-            <a:ext cx="7335126" cy="984885"/>
+            <a:off x="2428437" y="2406814"/>
+            <a:ext cx="7335126" cy="861774"/>
           </a:xfrm>
           <a:prstGeom prst="rect">
             <a:avLst/>
@@ -18041,7 +18089,7 @@
                 <a:spcPct val="0"/>
               </a:spcAft>
             </a:pPr>
-            <a:endParaRPr lang="en-US" altLang="en-US" sz="1600" dirty="0">
+            <a:endParaRPr lang="en-US" altLang="en-US" sz="1400" dirty="0">
               <a:solidFill>
                 <a:srgbClr val="0070C0"/>
               </a:solidFill>
@@ -18058,7 +18106,7 @@
               </a:spcAft>
             </a:pPr>
             <a:r>
-              <a:rPr lang="en-US" altLang="en-US" sz="1600" dirty="0" err="1">
+              <a:rPr lang="en-US" altLang="en-US" sz="1400" dirty="0" err="1">
                 <a:solidFill>
                   <a:srgbClr val="0070C0"/>
                 </a:solidFill>
@@ -18067,7 +18115,7 @@
               <a:t>install.packages</a:t>
             </a:r>
             <a:r>
-              <a:rPr lang="en-US" altLang="en-US" sz="1600" dirty="0">
+              <a:rPr lang="en-US" altLang="en-US" sz="1400" dirty="0">
                 <a:solidFill>
                   <a:srgbClr val="0070C0"/>
                 </a:solidFill>
@@ -18076,7 +18124,7 @@
               <a:t>("gg</a:t>
             </a:r>
             <a:r>
-              <a:rPr kumimoji="0" lang="en-US" altLang="en-US" sz="1600" b="0" i="0" u="none" strike="noStrike" cap="none" normalizeH="0" baseline="0" dirty="0">
+              <a:rPr kumimoji="0" lang="en-US" altLang="en-US" sz="1400" b="0" i="0" u="none" strike="noStrike" cap="none" normalizeH="0" baseline="0" dirty="0">
                 <a:ln>
                   <a:noFill/>
                 </a:ln>
@@ -18099,7 +18147,7 @@
               </a:spcAft>
             </a:pPr>
             <a:r>
-              <a:rPr lang="en-US" altLang="en-US" sz="1600" dirty="0">
+              <a:rPr lang="en-US" altLang="en-US" sz="1400" dirty="0">
                 <a:solidFill>
                   <a:srgbClr val="0070C0"/>
                 </a:solidFill>
@@ -18108,7 +18156,7 @@
               <a:t>library(ggplot2)</a:t>
             </a:r>
             <a:r>
-              <a:rPr kumimoji="0" lang="en-US" altLang="en-US" sz="1600" b="0" i="0" u="none" strike="noStrike" cap="none" normalizeH="0" baseline="0" dirty="0">
+              <a:rPr kumimoji="0" lang="en-US" altLang="en-US" sz="1400" b="0" i="0" u="none" strike="noStrike" cap="none" normalizeH="0" baseline="0" dirty="0">
                 <a:ln>
                   <a:noFill/>
                 </a:ln>
@@ -18130,7 +18178,7 @@
                 <a:spcPct val="0"/>
               </a:spcAft>
             </a:pPr>
-            <a:endParaRPr kumimoji="0" lang="en-US" altLang="en-US" sz="1600" b="0" i="0" u="none" strike="noStrike" cap="none" normalizeH="0" baseline="0" dirty="0">
+            <a:endParaRPr kumimoji="0" lang="en-US" altLang="en-US" sz="1400" b="0" i="0" u="none" strike="noStrike" cap="none" normalizeH="0" baseline="0" dirty="0">
               <a:ln>
                 <a:noFill/>
               </a:ln>
@@ -18685,8 +18733,8 @@
         </p:nvSpPr>
         <p:spPr bwMode="auto">
           <a:xfrm>
-            <a:off x="2428437" y="4534269"/>
-            <a:ext cx="7335126" cy="738664"/>
+            <a:off x="2428437" y="4580435"/>
+            <a:ext cx="7335126" cy="646331"/>
           </a:xfrm>
           <a:prstGeom prst="rect">
             <a:avLst/>
@@ -18726,7 +18774,7 @@
               <a:buNone/>
               <a:tabLst/>
             </a:pPr>
-            <a:endParaRPr lang="en-US" altLang="en-US" sz="1600" dirty="0">
+            <a:endParaRPr lang="en-US" altLang="en-US" sz="1400" dirty="0">
               <a:solidFill>
                 <a:srgbClr val="0070C0"/>
               </a:solidFill>
@@ -18751,7 +18799,7 @@
               <a:tabLst/>
             </a:pPr>
             <a:r>
-              <a:rPr lang="en-US" altLang="en-US" sz="1600" dirty="0" err="1">
+              <a:rPr lang="en-US" altLang="en-US" sz="1400" dirty="0" err="1">
                 <a:solidFill>
                   <a:srgbClr val="0070C0"/>
                 </a:solidFill>
@@ -18760,7 +18808,7 @@
               <a:t>q</a:t>
             </a:r>
             <a:r>
-              <a:rPr kumimoji="0" lang="en-US" altLang="en-US" sz="1600" b="0" i="0" u="none" strike="noStrike" cap="none" normalizeH="0" baseline="0" dirty="0" err="1">
+              <a:rPr kumimoji="0" lang="en-US" altLang="en-US" sz="1400" b="0" i="0" u="none" strike="noStrike" cap="none" normalizeH="0" baseline="0" dirty="0" err="1">
                 <a:ln>
                   <a:noFill/>
                 </a:ln>
@@ -18773,7 +18821,7 @@
               <a:t>plot</a:t>
             </a:r>
             <a:r>
-              <a:rPr kumimoji="0" lang="en-US" altLang="en-US" sz="1600" b="0" i="0" u="none" strike="noStrike" cap="none" normalizeH="0" baseline="0" dirty="0">
+              <a:rPr kumimoji="0" lang="en-US" altLang="en-US" sz="1400" b="0" i="0" u="none" strike="noStrike" cap="none" normalizeH="0" baseline="0" dirty="0">
                 <a:ln>
                   <a:noFill/>
                 </a:ln>
@@ -18803,7 +18851,7 @@
               <a:buNone/>
               <a:tabLst/>
             </a:pPr>
-            <a:endParaRPr kumimoji="0" lang="en-US" altLang="en-US" sz="1600" b="0" i="0" u="none" strike="noStrike" cap="none" normalizeH="0" baseline="0" dirty="0">
+            <a:endParaRPr kumimoji="0" lang="en-US" altLang="en-US" sz="1400" b="0" i="0" u="none" strike="noStrike" cap="none" normalizeH="0" baseline="0" dirty="0">
               <a:ln>
                 <a:noFill/>
               </a:ln>

--- a/Data Visualization - Simply but Beauty ggplot2.pptx
+++ b/Data Visualization - Simply but Beauty ggplot2.pptx
@@ -7246,10 +7246,10 @@
       </p:grpSpPr>
       <p:pic>
         <p:nvPicPr>
-          <p:cNvPr id="4" name="Picture 3">
-            <a:extLst>
-              <a:ext uri="{FF2B5EF4-FFF2-40B4-BE49-F238E27FC236}">
-                <a16:creationId xmlns:a16="http://schemas.microsoft.com/office/drawing/2014/main" id="{C2B35EF0-5563-4632-9C4B-9CF1D1D62C8D}"/>
+          <p:cNvPr id="3" name="Picture 2">
+            <a:extLst>
+              <a:ext uri="{FF2B5EF4-FFF2-40B4-BE49-F238E27FC236}">
+                <a16:creationId xmlns:a16="http://schemas.microsoft.com/office/drawing/2014/main" id="{0DE8EBD3-A2C8-4D3C-8056-D60B7FA7DEBF}"/>
               </a:ext>
             </a:extLst>
           </p:cNvPr>
@@ -7267,7 +7267,7 @@
         <p:spPr>
           <a:xfrm>
             <a:off x="1543619" y="3002339"/>
-            <a:ext cx="5166670" cy="3588565"/>
+            <a:ext cx="5166669" cy="3588565"/>
           </a:xfrm>
           <a:prstGeom prst="rect">
             <a:avLst/>
@@ -7409,7 +7409,7 @@
                 </a:solidFill>
                 <a:latin typeface="Lucida Console" panose="020B0609040504020204" pitchFamily="49" charset="0"/>
               </a:rPr>
-              <a:t>(x = Fare, fill = "red")) + </a:t>
+              <a:t>(x = Fare)) + </a:t>
             </a:r>
           </a:p>
           <a:p>
@@ -7446,7 +7446,7 @@
                 </a:solidFill>
                 <a:latin typeface="Lucida Console" panose="020B0609040504020204" pitchFamily="49" charset="0"/>
               </a:rPr>
-              <a:t>()</a:t>
+              <a:t>(fill = "red")</a:t>
             </a:r>
           </a:p>
           <a:p>
@@ -7753,10 +7753,10 @@
       </p:grpSpPr>
       <p:pic>
         <p:nvPicPr>
-          <p:cNvPr id="3" name="Picture 2">
-            <a:extLst>
-              <a:ext uri="{FF2B5EF4-FFF2-40B4-BE49-F238E27FC236}">
-                <a16:creationId xmlns:a16="http://schemas.microsoft.com/office/drawing/2014/main" id="{31A6230D-CFEF-43D3-A48B-8FA4AC02860C}"/>
+          <p:cNvPr id="5" name="Picture 4">
+            <a:extLst>
+              <a:ext uri="{FF2B5EF4-FFF2-40B4-BE49-F238E27FC236}">
+                <a16:creationId xmlns:a16="http://schemas.microsoft.com/office/drawing/2014/main" id="{8E5A1F19-DFA9-40B2-B983-9584A8D01809}"/>
               </a:ext>
             </a:extLst>
           </p:cNvPr>
@@ -7916,7 +7916,7 @@
                 </a:solidFill>
                 <a:latin typeface="Lucida Console" panose="020B0609040504020204" pitchFamily="49" charset="0"/>
               </a:rPr>
-              <a:t>(x = Fare, fill = "red")) + </a:t>
+              <a:t>(x = Fare)) + </a:t>
             </a:r>
           </a:p>
           <a:p>
@@ -7953,7 +7953,7 @@
                 </a:solidFill>
                 <a:latin typeface="Lucida Console" panose="020B0609040504020204" pitchFamily="49" charset="0"/>
               </a:rPr>
-              <a:t>(bins = 50)</a:t>
+              <a:t>(fill = "red", bins = 50)</a:t>
             </a:r>
           </a:p>
           <a:p>
@@ -9630,7 +9630,7 @@
                 </a:solidFill>
                 <a:latin typeface="Lucida Console" panose="020B0609040504020204" pitchFamily="49" charset="0"/>
               </a:rPr>
-              <a:t>(x = Fare, fill = Sex)) </a:t>
+              <a:t>(x = Fare)) </a:t>
             </a:r>
           </a:p>
           <a:p>
@@ -9667,7 +9667,25 @@
                 </a:solidFill>
                 <a:latin typeface="Lucida Console" panose="020B0609040504020204" pitchFamily="49" charset="0"/>
               </a:rPr>
-              <a:t>()</a:t>
+              <a:t>(</a:t>
+            </a:r>
+            <a:r>
+              <a:rPr lang="en-US" altLang="en-US" sz="1400" dirty="0" err="1">
+                <a:solidFill>
+                  <a:srgbClr val="0070C0"/>
+                </a:solidFill>
+                <a:latin typeface="Lucida Console" panose="020B0609040504020204" pitchFamily="49" charset="0"/>
+              </a:rPr>
+              <a:t>aes</a:t>
+            </a:r>
+            <a:r>
+              <a:rPr lang="en-US" altLang="en-US" sz="1400" dirty="0">
+                <a:solidFill>
+                  <a:srgbClr val="0070C0"/>
+                </a:solidFill>
+                <a:latin typeface="Lucida Console" panose="020B0609040504020204" pitchFamily="49" charset="0"/>
+              </a:rPr>
+              <a:t>(fill = Sex))</a:t>
             </a:r>
           </a:p>
           <a:p>
@@ -10035,8 +10053,8 @@
         </p:nvSpPr>
         <p:spPr bwMode="auto">
           <a:xfrm>
-            <a:off x="6840826" y="3079283"/>
-            <a:ext cx="5208688" cy="1077218"/>
+            <a:off x="6840826" y="2971561"/>
+            <a:ext cx="5208688" cy="1292662"/>
           </a:xfrm>
           <a:prstGeom prst="rect">
             <a:avLst/>
@@ -10146,7 +10164,7 @@
                 </a:solidFill>
                 <a:latin typeface="Lucida Console" panose="020B0609040504020204" pitchFamily="49" charset="0"/>
               </a:rPr>
-              <a:t>(x = Fare, fill = Sex)) </a:t>
+              <a:t>(x = Fare)) </a:t>
             </a:r>
           </a:p>
           <a:p>
@@ -10183,7 +10201,44 @@
                 </a:solidFill>
                 <a:latin typeface="Lucida Console" panose="020B0609040504020204" pitchFamily="49" charset="0"/>
               </a:rPr>
-              <a:t>(alpha = 0.5)</a:t>
+              <a:t>(</a:t>
+            </a:r>
+            <a:r>
+              <a:rPr lang="en-US" altLang="en-US" sz="1400" dirty="0" err="1">
+                <a:solidFill>
+                  <a:srgbClr val="0070C0"/>
+                </a:solidFill>
+                <a:latin typeface="Lucida Console" panose="020B0609040504020204" pitchFamily="49" charset="0"/>
+              </a:rPr>
+              <a:t>aes</a:t>
+            </a:r>
+            <a:r>
+              <a:rPr lang="en-US" altLang="en-US" sz="1400" dirty="0">
+                <a:solidFill>
+                  <a:srgbClr val="0070C0"/>
+                </a:solidFill>
+                <a:latin typeface="Lucida Console" panose="020B0609040504020204" pitchFamily="49" charset="0"/>
+              </a:rPr>
+              <a:t>(fill = Sex), </a:t>
+            </a:r>
+          </a:p>
+          <a:p>
+            <a:pPr lvl="3" indent="738188" eaLnBrk="0" fontAlgn="base" hangingPunct="0">
+              <a:spcBef>
+                <a:spcPct val="0"/>
+              </a:spcBef>
+              <a:spcAft>
+                <a:spcPct val="0"/>
+              </a:spcAft>
+            </a:pPr>
+            <a:r>
+              <a:rPr lang="en-US" altLang="en-US" sz="1400" dirty="0">
+                <a:solidFill>
+                  <a:srgbClr val="0070C0"/>
+                </a:solidFill>
+                <a:latin typeface="Lucida Console" panose="020B0609040504020204" pitchFamily="49" charset="0"/>
+              </a:rPr>
+              <a:t>alpha = 0.5)</a:t>
             </a:r>
           </a:p>
           <a:p>

--- a/Data Visualization - Simply but Beauty ggplot2.pptx
+++ b/Data Visualization - Simply but Beauty ggplot2.pptx
@@ -15699,7 +15699,7 @@
             </a:r>
             <a:r>
               <a:rPr lang="en-US" sz="7200" dirty="0"/>
-              <a:t>. Springer: Texas.</a:t>
+              <a:t>. Texas: Springer.</a:t>
             </a:r>
           </a:p>
         </p:txBody>
